--- a/k8s/PROJ/Защита проекта распределенная справочная система на основе графовой БД.pptx
+++ b/k8s/PROJ/Защита проекта распределенная справочная система на основе графовой БД.pptx
@@ -793,7 +793,7 @@
         <p:txBody>
           <a:bodyPr/>
           <a:p>
-            <a:fld id="{B2E79E13-4D6F-4567-90BD-F4EF3C3EBD7B}" type="slidenum">
+            <a:fld id="{D789F452-1F69-4516-B141-D574CA8E98A4}" type="slidenum">
               <a:t>&lt;#&gt;</a:t>
             </a:fld>
           </a:p>
@@ -915,7 +915,7 @@
         <p:txBody>
           <a:bodyPr/>
           <a:p>
-            <a:fld id="{C8103A7C-6578-4AF7-BA81-923388DC4663}" type="slidenum">
+            <a:fld id="{27CE7561-F844-4517-9A22-E0D806B6AECB}" type="slidenum">
               <a:t>&lt;#&gt;</a:t>
             </a:fld>
           </a:p>
@@ -1040,7 +1040,7 @@
         <p:txBody>
           <a:bodyPr/>
           <a:p>
-            <a:fld id="{1904BA4A-63FE-4A76-B8E8-8CC3E26F53A9}" type="slidenum">
+            <a:fld id="{7BF93D31-0128-4577-9FDD-A987AAAD7FF9}" type="slidenum">
               <a:t>&lt;#&gt;</a:t>
             </a:fld>
           </a:p>
@@ -1208,7 +1208,7 @@
         <p:txBody>
           <a:bodyPr/>
           <a:p>
-            <a:fld id="{92F4BC25-8938-4A49-9259-15973FBE2915}" type="slidenum">
+            <a:fld id="{E9491F1F-44E2-4636-B1F5-4BD49676EC7B}" type="slidenum">
               <a:t>&lt;#&gt;</a:t>
             </a:fld>
           </a:p>
@@ -1290,7 +1290,7 @@
         <p:txBody>
           <a:bodyPr/>
           <a:p>
-            <a:fld id="{310A49D5-CDE7-4050-A7C0-7D87D772EF70}" type="slidenum">
+            <a:fld id="{77780982-6CCC-4E5A-842D-92D3AED6A133}" type="slidenum">
               <a:t>&lt;#&gt;</a:t>
             </a:fld>
           </a:p>
@@ -1370,7 +1370,7 @@
         <p:txBody>
           <a:bodyPr/>
           <a:p>
-            <a:fld id="{E7752163-A77A-4146-AEBE-E2EBA34D0745}" type="slidenum">
+            <a:fld id="{EA83AB22-23F8-47AA-8F05-DBBCFD061D2D}" type="slidenum">
               <a:t>&lt;#&gt;</a:t>
             </a:fld>
           </a:p>
@@ -1581,7 +1581,7 @@
         <p:txBody>
           <a:bodyPr/>
           <a:p>
-            <a:fld id="{A20D9925-937D-498E-BB05-C6119D782EE2}" type="slidenum">
+            <a:fld id="{E6B28B30-8742-4329-8B3A-89EB428B08F5}" type="slidenum">
               <a:t>&lt;#&gt;</a:t>
             </a:fld>
           </a:p>
@@ -1894,7 +1894,7 @@
         <p:txBody>
           <a:bodyPr/>
           <a:p>
-            <a:fld id="{B2AFDA93-B9AB-4683-8B14-95F2C277249B}" type="slidenum">
+            <a:fld id="{C64F863E-7E82-4E98-93D7-708B979153A2}" type="slidenum">
               <a:t>&lt;#&gt;</a:t>
             </a:fld>
           </a:p>
@@ -2105,7 +2105,7 @@
         <p:txBody>
           <a:bodyPr/>
           <a:p>
-            <a:fld id="{568DAE5B-5D41-49D5-B9E8-A7E7053C6E5A}" type="slidenum">
+            <a:fld id="{F04A98B1-DED3-48A6-AB20-A1573A9C6FBB}" type="slidenum">
               <a:t>&lt;#&gt;</a:t>
             </a:fld>
           </a:p>
@@ -2273,7 +2273,7 @@
         <p:txBody>
           <a:bodyPr/>
           <a:p>
-            <a:fld id="{40B2D905-D66B-40ED-8EA2-D654D4911F22}" type="slidenum">
+            <a:fld id="{74FA049F-09EC-4765-B8D3-F7DE1B917606}" type="slidenum">
               <a:t>&lt;#&gt;</a:t>
             </a:fld>
           </a:p>
@@ -2527,7 +2527,7 @@
         <p:txBody>
           <a:bodyPr/>
           <a:p>
-            <a:fld id="{D122FD5F-3A2A-4D50-A26D-5D6E7F9DEB1B}" type="slidenum">
+            <a:fld id="{5C544F38-E836-4F28-AF82-1C839D9F0F1F}" type="slidenum">
               <a:t>&lt;#&gt;</a:t>
             </a:fld>
           </a:p>
@@ -2867,7 +2867,7 @@
         <p:txBody>
           <a:bodyPr/>
           <a:p>
-            <a:fld id="{3A4DC7DF-A5C9-4E85-820F-B5E46EBCC6F7}" type="slidenum">
+            <a:fld id="{CCCF6F06-9F16-41EC-A432-B5268E5CF6D5}" type="slidenum">
               <a:t>&lt;#&gt;</a:t>
             </a:fld>
           </a:p>
@@ -2909,7 +2909,7 @@
         <p:txBody>
           <a:bodyPr/>
           <a:p>
-            <a:fld id="{7B6B8196-29A1-467D-B8FB-E5AB48ECAB95}" type="slidenum">
+            <a:fld id="{43B4B042-8AB5-4742-A653-26B60C8228B1}" type="slidenum">
               <a:t>&lt;#&gt;</a:t>
             </a:fld>
           </a:p>
@@ -3031,7 +3031,7 @@
         <p:txBody>
           <a:bodyPr/>
           <a:p>
-            <a:fld id="{FEC40F1C-C208-45FD-AF49-D214905C96E6}" type="slidenum">
+            <a:fld id="{71A7A83B-BAC1-4CF8-B6D4-B639B5F78979}" type="slidenum">
               <a:t>&lt;#&gt;</a:t>
             </a:fld>
           </a:p>
@@ -3156,7 +3156,7 @@
         <p:txBody>
           <a:bodyPr/>
           <a:p>
-            <a:fld id="{4C2D3658-F4A3-4C67-A47D-ECD1411B04E6}" type="slidenum">
+            <a:fld id="{831F79D6-403D-4618-9341-848AA6C7E205}" type="slidenum">
               <a:t>&lt;#&gt;</a:t>
             </a:fld>
           </a:p>
@@ -3324,7 +3324,7 @@
         <p:txBody>
           <a:bodyPr/>
           <a:p>
-            <a:fld id="{E1C97805-4DE8-4AB7-AF1A-8C40E56611EE}" type="slidenum">
+            <a:fld id="{3B33E870-28DC-443E-8930-94C074F8737B}" type="slidenum">
               <a:t>&lt;#&gt;</a:t>
             </a:fld>
           </a:p>
@@ -3406,7 +3406,7 @@
         <p:txBody>
           <a:bodyPr/>
           <a:p>
-            <a:fld id="{A798ADF8-797F-4011-A77D-0D61667BDEFD}" type="slidenum">
+            <a:fld id="{D0ADF551-0C80-4F35-B655-EADB996EB03C}" type="slidenum">
               <a:t>&lt;#&gt;</a:t>
             </a:fld>
           </a:p>
@@ -3591,7 +3591,7 @@
         <p:txBody>
           <a:bodyPr/>
           <a:p>
-            <a:fld id="{B2525EE6-0C6A-47EF-BFC6-66885A2C0392}" type="slidenum">
+            <a:fld id="{33D661A9-A924-44F1-B8E8-485B5B32B660}" type="slidenum">
               <a:t>&lt;#&gt;</a:t>
             </a:fld>
           </a:p>
@@ -3802,7 +3802,7 @@
         <p:txBody>
           <a:bodyPr/>
           <a:p>
-            <a:fld id="{770D78CC-9C84-4C2A-A9C8-57B87CD7A47F}" type="slidenum">
+            <a:fld id="{19574846-A32B-44C3-B9A0-505AB458A7D1}" type="slidenum">
               <a:t>&lt;#&gt;</a:t>
             </a:fld>
           </a:p>
@@ -4013,7 +4013,7 @@
         <p:txBody>
           <a:bodyPr/>
           <a:p>
-            <a:fld id="{7FCAE469-D24F-4892-9AD3-EC76B8A902B6}" type="slidenum">
+            <a:fld id="{347E6AB5-543C-49AB-A1F3-5661946D480D}" type="slidenum">
               <a:t>&lt;#&gt;</a:t>
             </a:fld>
           </a:p>
@@ -4224,7 +4224,7 @@
         <p:txBody>
           <a:bodyPr/>
           <a:p>
-            <a:fld id="{356EBBFC-E497-4496-875C-3155D5BC4B64}" type="slidenum">
+            <a:fld id="{3FAEAD3A-7039-4DDE-8DBF-A0F4E9733EE3}" type="slidenum">
               <a:t>&lt;#&gt;</a:t>
             </a:fld>
           </a:p>
@@ -4392,7 +4392,7 @@
         <p:txBody>
           <a:bodyPr/>
           <a:p>
-            <a:fld id="{162F81AD-31FA-459A-BA34-27FAB6809E1A}" type="slidenum">
+            <a:fld id="{6C13258E-1146-44AE-9565-67A2D490D644}" type="slidenum">
               <a:t>&lt;#&gt;</a:t>
             </a:fld>
           </a:p>
@@ -4646,7 +4646,7 @@
         <p:txBody>
           <a:bodyPr/>
           <a:p>
-            <a:fld id="{64E1CA23-6CD4-409D-967C-F9648904C8E5}" type="slidenum">
+            <a:fld id="{56B979CD-E027-471F-AD40-B5D27D7BC159}" type="slidenum">
               <a:t>&lt;#&gt;</a:t>
             </a:fld>
           </a:p>
@@ -4986,7 +4986,7 @@
         <p:txBody>
           <a:bodyPr/>
           <a:p>
-            <a:fld id="{FAABD491-E0CD-469F-94DA-D1FE1CC49A9E}" type="slidenum">
+            <a:fld id="{2BB71A87-47A4-4220-8595-51A60869A241}" type="slidenum">
               <a:t>&lt;#&gt;</a:t>
             </a:fld>
           </a:p>
@@ -6950,7 +6950,7 @@
         <p:txBody>
           <a:bodyPr/>
           <a:p>
-            <a:fld id="{13245C9D-1611-4C64-B852-72AF2F6711EF}" type="slidenum">
+            <a:fld id="{E2249D74-ACBF-498F-AA2F-35B00B0F719F}" type="slidenum">
               <a:t>&lt;#&gt;</a:t>
             </a:fld>
           </a:p>
@@ -7134,7 +7134,7 @@
         <p:txBody>
           <a:bodyPr/>
           <a:p>
-            <a:fld id="{33066B03-23AA-4E58-BB0F-36A1CD519761}" type="slidenum">
+            <a:fld id="{432DD90C-7DCC-4778-8FE3-4E4B4D69DA54}" type="slidenum">
               <a:t>&lt;#&gt;</a:t>
             </a:fld>
           </a:p>
@@ -7259,7 +7259,7 @@
         <p:txBody>
           <a:bodyPr/>
           <a:p>
-            <a:fld id="{E47D35EF-A6F8-49A2-B20F-0F2843337A77}" type="slidenum">
+            <a:fld id="{7805FCA9-A726-4A4C-A059-F3AAF4F14FA4}" type="slidenum">
               <a:t>&lt;#&gt;</a:t>
             </a:fld>
           </a:p>
@@ -7427,7 +7427,7 @@
         <p:txBody>
           <a:bodyPr/>
           <a:p>
-            <a:fld id="{4AC548FB-F631-4EE9-8DAD-3D06D5EE226F}" type="slidenum">
+            <a:fld id="{17B915CC-E3F8-435B-83B8-A465E296C043}" type="slidenum">
               <a:t>&lt;#&gt;</a:t>
             </a:fld>
           </a:p>
@@ -7509,7 +7509,7 @@
         <p:txBody>
           <a:bodyPr/>
           <a:p>
-            <a:fld id="{6C4A98E4-81F0-4A5C-8D84-41161394CE12}" type="slidenum">
+            <a:fld id="{D212411B-13B7-4339-AE02-94F4241603F4}" type="slidenum">
               <a:t>&lt;#&gt;</a:t>
             </a:fld>
           </a:p>
@@ -7589,7 +7589,7 @@
         <p:txBody>
           <a:bodyPr/>
           <a:p>
-            <a:fld id="{6C3D454B-DF9F-4098-A27B-FFA902F4D359}" type="slidenum">
+            <a:fld id="{4F5961A7-FD89-402C-8D20-D4207EB8D34A}" type="slidenum">
               <a:t>&lt;#&gt;</a:t>
             </a:fld>
           </a:p>
@@ -7800,7 +7800,7 @@
         <p:txBody>
           <a:bodyPr/>
           <a:p>
-            <a:fld id="{06F3976E-5742-4F86-A3D2-C2A23EEB785B}" type="slidenum">
+            <a:fld id="{73F26EA8-EE95-4ECB-BEC1-B0D8DF50CA03}" type="slidenum">
               <a:t>&lt;#&gt;</a:t>
             </a:fld>
           </a:p>
@@ -8011,7 +8011,7 @@
         <p:txBody>
           <a:bodyPr/>
           <a:p>
-            <a:fld id="{8F2980DE-1DE1-4AC4-9AA1-3B65AB582810}" type="slidenum">
+            <a:fld id="{566906A6-2CC7-458F-B190-98D242EBE8DE}" type="slidenum">
               <a:t>&lt;#&gt;</a:t>
             </a:fld>
           </a:p>
@@ -8222,7 +8222,7 @@
         <p:txBody>
           <a:bodyPr/>
           <a:p>
-            <a:fld id="{D0C48032-B8A0-4938-994E-A877DACF53CE}" type="slidenum">
+            <a:fld id="{EA489C2D-5EF1-45C1-8278-A758CA4442F8}" type="slidenum">
               <a:t>&lt;#&gt;</a:t>
             </a:fld>
           </a:p>
@@ -8390,7 +8390,7 @@
         <p:txBody>
           <a:bodyPr/>
           <a:p>
-            <a:fld id="{CE039CE7-19AF-4B83-9804-38A28D94A290}" type="slidenum">
+            <a:fld id="{174D3019-A658-42FD-8754-A50CD4F6B174}" type="slidenum">
               <a:t>&lt;#&gt;</a:t>
             </a:fld>
           </a:p>
@@ -8644,7 +8644,7 @@
         <p:txBody>
           <a:bodyPr/>
           <a:p>
-            <a:fld id="{C0ADC0B2-B635-4032-A4B8-468EEEED0A26}" type="slidenum">
+            <a:fld id="{D14533A4-51A0-4543-A047-859E4D97517F}" type="slidenum">
               <a:t>&lt;#&gt;</a:t>
             </a:fld>
           </a:p>
@@ -9044,7 +9044,7 @@
         <p:txBody>
           <a:bodyPr/>
           <a:p>
-            <a:fld id="{D81E7F4C-FADF-4859-97A5-9494432BA4CA}" type="slidenum">
+            <a:fld id="{53C58131-E0D1-46B7-A809-265903247EF8}" type="slidenum">
               <a:t>&lt;#&gt;</a:t>
             </a:fld>
           </a:p>
@@ -9086,7 +9086,7 @@
         <p:txBody>
           <a:bodyPr/>
           <a:p>
-            <a:fld id="{A6B70DA5-E300-4C85-8E9C-272447FD4D38}" type="slidenum">
+            <a:fld id="{723CC2B7-AA8A-4DB7-8C6E-EA24B769E727}" type="slidenum">
               <a:t>&lt;#&gt;</a:t>
             </a:fld>
           </a:p>
@@ -9208,7 +9208,7 @@
         <p:txBody>
           <a:bodyPr/>
           <a:p>
-            <a:fld id="{6A650C10-6FA5-4E0B-ACF3-178733225BD0}" type="slidenum">
+            <a:fld id="{91CCEBA2-2F9B-4A49-9B82-2E795EE23524}" type="slidenum">
               <a:t>&lt;#&gt;</a:t>
             </a:fld>
           </a:p>
@@ -9333,7 +9333,7 @@
         <p:txBody>
           <a:bodyPr/>
           <a:p>
-            <a:fld id="{4BBB18F6-9349-44B9-BE12-83D4CE69A966}" type="slidenum">
+            <a:fld id="{407B4CA8-6BF3-4CD2-9954-48775AC4914C}" type="slidenum">
               <a:t>&lt;#&gt;</a:t>
             </a:fld>
           </a:p>
@@ -9501,7 +9501,7 @@
         <p:txBody>
           <a:bodyPr/>
           <a:p>
-            <a:fld id="{01E1EA2A-67F9-4826-8F63-C19B0A45ADB8}" type="slidenum">
+            <a:fld id="{1790D3FC-B502-4FDF-8C7B-A95EEE53C1D7}" type="slidenum">
               <a:t>&lt;#&gt;</a:t>
             </a:fld>
           </a:p>
@@ -9583,7 +9583,7 @@
         <p:txBody>
           <a:bodyPr/>
           <a:p>
-            <a:fld id="{AAAED97B-1D61-4AD4-BF3D-CE0AF88A3A46}" type="slidenum">
+            <a:fld id="{E90D76F9-82FC-4163-996D-3E3550E412D2}" type="slidenum">
               <a:t>&lt;#&gt;</a:t>
             </a:fld>
           </a:p>
@@ -9663,7 +9663,7 @@
         <p:txBody>
           <a:bodyPr/>
           <a:p>
-            <a:fld id="{EB108969-3570-4DA4-B750-CD348F767A36}" type="slidenum">
+            <a:fld id="{439DAC3C-FD69-4DEF-B02E-A87CE10CD104}" type="slidenum">
               <a:t>&lt;#&gt;</a:t>
             </a:fld>
           </a:p>
@@ -9874,7 +9874,7 @@
         <p:txBody>
           <a:bodyPr/>
           <a:p>
-            <a:fld id="{394CEFF3-546C-4E61-8825-FDE9B3394ED8}" type="slidenum">
+            <a:fld id="{3F2EF7BD-71BB-491A-909C-D600101C70B5}" type="slidenum">
               <a:t>&lt;#&gt;</a:t>
             </a:fld>
           </a:p>
@@ -10085,7 +10085,7 @@
         <p:txBody>
           <a:bodyPr/>
           <a:p>
-            <a:fld id="{A9C9F8AB-9D40-4674-8CBC-0A1391B35002}" type="slidenum">
+            <a:fld id="{86C20B1B-A89B-4E2A-BAE4-CD12BA0C1C35}" type="slidenum">
               <a:t>&lt;#&gt;</a:t>
             </a:fld>
           </a:p>
@@ -10296,7 +10296,7 @@
         <p:txBody>
           <a:bodyPr/>
           <a:p>
-            <a:fld id="{DBAE5761-0EFE-4933-A983-9364FAC465E2}" type="slidenum">
+            <a:fld id="{6048670F-7C1E-45E0-855B-F39C582BCA0D}" type="slidenum">
               <a:t>&lt;#&gt;</a:t>
             </a:fld>
           </a:p>
@@ -10655,7 +10655,7 @@
         <p:txBody>
           <a:bodyPr/>
           <a:p>
-            <a:fld id="{EBF82B63-07EB-4240-95BA-B1F53E55E692}" type="slidenum">
+            <a:fld id="{9E34BA24-79FC-4C08-90C7-BDDAF7A00005}" type="slidenum">
               <a:t>&lt;#&gt;</a:t>
             </a:fld>
           </a:p>
@@ -10909,7 +10909,7 @@
         <p:txBody>
           <a:bodyPr/>
           <a:p>
-            <a:fld id="{E58832BE-B786-40A3-91C5-4AEFB2002F9F}" type="slidenum">
+            <a:fld id="{09B3F429-E923-4645-BC93-5D003E6EB553}" type="slidenum">
               <a:t>&lt;#&gt;</a:t>
             </a:fld>
           </a:p>
@@ -11249,7 +11249,7 @@
         <p:txBody>
           <a:bodyPr/>
           <a:p>
-            <a:fld id="{04BED003-A969-4F78-B429-639EE6867236}" type="slidenum">
+            <a:fld id="{9911BF85-DC32-4634-A651-2BCB87BCE1F5}" type="slidenum">
               <a:t>&lt;#&gt;</a:t>
             </a:fld>
           </a:p>
@@ -11291,7 +11291,7 @@
         <p:txBody>
           <a:bodyPr/>
           <a:p>
-            <a:fld id="{45B526A0-9F95-4A4A-A692-BF77A4AB8DC5}" type="slidenum">
+            <a:fld id="{55EDFA6C-70AF-4C3C-88B2-22E0BE342FCA}" type="slidenum">
               <a:t>&lt;#&gt;</a:t>
             </a:fld>
           </a:p>
@@ -11413,7 +11413,7 @@
         <p:txBody>
           <a:bodyPr/>
           <a:p>
-            <a:fld id="{F122D0FF-8316-487C-B7F6-EADB7533EB99}" type="slidenum">
+            <a:fld id="{91B336B1-9E1B-4940-8E19-90E69AB7C95B}" type="slidenum">
               <a:t>&lt;#&gt;</a:t>
             </a:fld>
           </a:p>
@@ -11538,7 +11538,7 @@
         <p:txBody>
           <a:bodyPr/>
           <a:p>
-            <a:fld id="{DA190BBF-17B4-4F37-AF91-0C059343701A}" type="slidenum">
+            <a:fld id="{D0231160-E7D6-4BD6-B8E0-1DA3FE1130D7}" type="slidenum">
               <a:t>&lt;#&gt;</a:t>
             </a:fld>
           </a:p>
@@ -11706,7 +11706,7 @@
         <p:txBody>
           <a:bodyPr/>
           <a:p>
-            <a:fld id="{316D69A7-5C83-463C-988A-2ACBF33ED6CF}" type="slidenum">
+            <a:fld id="{17A2635E-31C3-4537-8F75-CB7497F972C4}" type="slidenum">
               <a:t>&lt;#&gt;</a:t>
             </a:fld>
           </a:p>
@@ -11788,7 +11788,7 @@
         <p:txBody>
           <a:bodyPr/>
           <a:p>
-            <a:fld id="{2E7D57EC-B936-49AC-940D-F220F93C5A3B}" type="slidenum">
+            <a:fld id="{6F2DCD32-3D30-4862-9A7E-76402AE65845}" type="slidenum">
               <a:t>&lt;#&gt;</a:t>
             </a:fld>
           </a:p>
@@ -11868,7 +11868,7 @@
         <p:txBody>
           <a:bodyPr/>
           <a:p>
-            <a:fld id="{9A2025F5-0B08-42A5-9238-26A2A7F5BD4A}" type="slidenum">
+            <a:fld id="{02CCE3F6-1524-404A-B398-6C9C755D7342}" type="slidenum">
               <a:t>&lt;#&gt;</a:t>
             </a:fld>
           </a:p>
@@ -12079,7 +12079,7 @@
         <p:txBody>
           <a:bodyPr/>
           <a:p>
-            <a:fld id="{50EEA903-92D7-4B9B-A241-18FD08177212}" type="slidenum">
+            <a:fld id="{8D61F1D4-A741-4BAA-95C8-F8BD34A20C46}" type="slidenum">
               <a:t>&lt;#&gt;</a:t>
             </a:fld>
           </a:p>
@@ -12481,7 +12481,7 @@
         <p:txBody>
           <a:bodyPr/>
           <a:p>
-            <a:fld id="{3F70A3FA-7334-4BD1-AAC4-7DE3CC07F99B}" type="slidenum">
+            <a:fld id="{5A78F908-4D9F-4260-852D-C09E10D4D225}" type="slidenum">
               <a:t>&lt;#&gt;</a:t>
             </a:fld>
           </a:p>
@@ -12692,7 +12692,7 @@
         <p:txBody>
           <a:bodyPr/>
           <a:p>
-            <a:fld id="{3011C75D-6A22-4EE2-8129-240B240CDDC4}" type="slidenum">
+            <a:fld id="{683CB210-6B2D-4854-9577-B754F6118BB7}" type="slidenum">
               <a:t>&lt;#&gt;</a:t>
             </a:fld>
           </a:p>
@@ -12860,7 +12860,7 @@
         <p:txBody>
           <a:bodyPr/>
           <a:p>
-            <a:fld id="{C33F5005-4D08-49FE-8280-B4B4A3BF7B74}" type="slidenum">
+            <a:fld id="{D3EED898-0B9B-425B-B0CD-3B19D658EE1B}" type="slidenum">
               <a:t>&lt;#&gt;</a:t>
             </a:fld>
           </a:p>
@@ -13114,7 +13114,7 @@
         <p:txBody>
           <a:bodyPr/>
           <a:p>
-            <a:fld id="{87F42EFD-8E42-4ADC-B2B9-95E8A94B01BC}" type="slidenum">
+            <a:fld id="{46B16986-34F8-4161-B70D-FA157A3EE7DD}" type="slidenum">
               <a:t>&lt;#&gt;</a:t>
             </a:fld>
           </a:p>
@@ -13454,7 +13454,7 @@
         <p:txBody>
           <a:bodyPr/>
           <a:p>
-            <a:fld id="{87023609-0412-47E6-8913-3D68990DE296}" type="slidenum">
+            <a:fld id="{A66D440F-D78A-44EC-AC1B-CE4CC1C5F3E7}" type="slidenum">
               <a:t>&lt;#&gt;</a:t>
             </a:fld>
           </a:p>
@@ -13695,7 +13695,7 @@
         <p:spPr>
           <a:xfrm>
             <a:off x="-18000" y="-10080"/>
-            <a:ext cx="9193680" cy="5181120"/>
+            <a:ext cx="9193320" cy="5180760"/>
           </a:xfrm>
           <a:prstGeom prst="rect">
             <a:avLst/>
@@ -13717,8 +13717,8 @@
         </p:nvSpPr>
         <p:spPr>
           <a:xfrm>
-            <a:off x="457200" y="9360"/>
-            <a:ext cx="8228880" cy="1249920"/>
+            <a:off x="457200" y="205200"/>
+            <a:ext cx="8229240" cy="858600"/>
           </a:xfrm>
           <a:prstGeom prst="rect">
             <a:avLst/>
@@ -13733,11 +13733,11 @@
             <a:noAutofit/>
           </a:bodyPr>
           <a:p>
-            <a:pPr indent="0">
+            <a:pPr indent="0" algn="ctr">
               <a:buNone/>
             </a:pPr>
             <a:r>
-              <a:rPr b="0" lang="ru-RU" sz="1800" spc="-1" strike="noStrike">
+              <a:rPr b="0" lang="ru-RU" sz="4400" spc="-1" strike="noStrike">
                 <a:solidFill>
                   <a:srgbClr val="000000"/>
                 </a:solidFill>
@@ -13745,7 +13745,7 @@
               </a:rPr>
               <a:t>Для правки текста заглавия щёлкните мышью</a:t>
             </a:r>
-            <a:endParaRPr b="0" lang="ru-RU" sz="1800" spc="-1" strike="noStrike">
+            <a:endParaRPr b="0" lang="ru-RU" sz="4400" spc="-1" strike="noStrike">
               <a:solidFill>
                 <a:srgbClr val="000000"/>
               </a:solidFill>
@@ -13767,7 +13767,7 @@
         <p:spPr>
           <a:xfrm>
             <a:off x="457200" y="1203480"/>
-            <a:ext cx="8228880" cy="2982600"/>
+            <a:ext cx="8229240" cy="2982960"/>
           </a:xfrm>
           <a:prstGeom prst="rect">
             <a:avLst/>
@@ -13794,7 +13794,7 @@
               <a:buChar char=""/>
             </a:pPr>
             <a:r>
-              <a:rPr b="0" lang="ru-RU" sz="1800" spc="-1" strike="noStrike">
+              <a:rPr b="0" lang="ru-RU" sz="3200" spc="-1" strike="noStrike">
                 <a:solidFill>
                   <a:srgbClr val="000000"/>
                 </a:solidFill>
@@ -13802,7 +13802,7 @@
               </a:rPr>
               <a:t>Для правки структуры щёлкните мышью</a:t>
             </a:r>
-            <a:endParaRPr b="0" lang="ru-RU" sz="1800" spc="-1" strike="noStrike">
+            <a:endParaRPr b="0" lang="ru-RU" sz="3200" spc="-1" strike="noStrike">
               <a:solidFill>
                 <a:srgbClr val="000000"/>
               </a:solidFill>
@@ -13822,7 +13822,7 @@
               <a:buChar char=""/>
             </a:pPr>
             <a:r>
-              <a:rPr b="0" lang="ru-RU" sz="1800" spc="-1" strike="noStrike">
+              <a:rPr b="0" lang="ru-RU" sz="2800" spc="-1" strike="noStrike">
                 <a:solidFill>
                   <a:srgbClr val="000000"/>
                 </a:solidFill>
@@ -13830,7 +13830,7 @@
               </a:rPr>
               <a:t>Второй уровень структуры</a:t>
             </a:r>
-            <a:endParaRPr b="0" lang="ru-RU" sz="1800" spc="-1" strike="noStrike">
+            <a:endParaRPr b="0" lang="ru-RU" sz="2800" spc="-1" strike="noStrike">
               <a:solidFill>
                 <a:srgbClr val="000000"/>
               </a:solidFill>
@@ -13850,7 +13850,7 @@
               <a:buChar char=""/>
             </a:pPr>
             <a:r>
-              <a:rPr b="0" lang="ru-RU" sz="1800" spc="-1" strike="noStrike">
+              <a:rPr b="0" lang="ru-RU" sz="2400" spc="-1" strike="noStrike">
                 <a:solidFill>
                   <a:srgbClr val="000000"/>
                 </a:solidFill>
@@ -13858,7 +13858,7 @@
               </a:rPr>
               <a:t>Третий уровень структуры</a:t>
             </a:r>
-            <a:endParaRPr b="0" lang="ru-RU" sz="1800" spc="-1" strike="noStrike">
+            <a:endParaRPr b="0" lang="ru-RU" sz="2400" spc="-1" strike="noStrike">
               <a:solidFill>
                 <a:srgbClr val="000000"/>
               </a:solidFill>
@@ -13878,7 +13878,7 @@
               <a:buChar char=""/>
             </a:pPr>
             <a:r>
-              <a:rPr b="0" lang="ru-RU" sz="1800" spc="-1" strike="noStrike">
+              <a:rPr b="0" lang="ru-RU" sz="2000" spc="-1" strike="noStrike">
                 <a:solidFill>
                   <a:srgbClr val="000000"/>
                 </a:solidFill>
@@ -13886,7 +13886,7 @@
               </a:rPr>
               <a:t>Четвёртый уровень структуры</a:t>
             </a:r>
-            <a:endParaRPr b="0" lang="ru-RU" sz="1800" spc="-1" strike="noStrike">
+            <a:endParaRPr b="0" lang="ru-RU" sz="2000" spc="-1" strike="noStrike">
               <a:solidFill>
                 <a:srgbClr val="000000"/>
               </a:solidFill>
@@ -13906,7 +13906,7 @@
               <a:buChar char=""/>
             </a:pPr>
             <a:r>
-              <a:rPr b="0" lang="ru-RU" sz="1800" spc="-1" strike="noStrike">
+              <a:rPr b="0" lang="ru-RU" sz="2000" spc="-1" strike="noStrike">
                 <a:solidFill>
                   <a:srgbClr val="000000"/>
                 </a:solidFill>
@@ -13914,7 +13914,7 @@
               </a:rPr>
               <a:t>Пятый уровень структуры</a:t>
             </a:r>
-            <a:endParaRPr b="0" lang="ru-RU" sz="1800" spc="-1" strike="noStrike">
+            <a:endParaRPr b="0" lang="ru-RU" sz="2000" spc="-1" strike="noStrike">
               <a:solidFill>
                 <a:srgbClr val="000000"/>
               </a:solidFill>
@@ -13934,7 +13934,7 @@
               <a:buChar char=""/>
             </a:pPr>
             <a:r>
-              <a:rPr b="0" lang="ru-RU" sz="1800" spc="-1" strike="noStrike">
+              <a:rPr b="0" lang="ru-RU" sz="2000" spc="-1" strike="noStrike">
                 <a:solidFill>
                   <a:srgbClr val="000000"/>
                 </a:solidFill>
@@ -13942,7 +13942,7 @@
               </a:rPr>
               <a:t>Шестой уровень структуры</a:t>
             </a:r>
-            <a:endParaRPr b="0" lang="ru-RU" sz="1800" spc="-1" strike="noStrike">
+            <a:endParaRPr b="0" lang="ru-RU" sz="2000" spc="-1" strike="noStrike">
               <a:solidFill>
                 <a:srgbClr val="000000"/>
               </a:solidFill>
@@ -13962,7 +13962,7 @@
               <a:buChar char=""/>
             </a:pPr>
             <a:r>
-              <a:rPr b="0" lang="ru-RU" sz="1800" spc="-1" strike="noStrike">
+              <a:rPr b="0" lang="ru-RU" sz="2000" spc="-1" strike="noStrike">
                 <a:solidFill>
                   <a:srgbClr val="000000"/>
                 </a:solidFill>
@@ -13970,7 +13970,7 @@
               </a:rPr>
               <a:t>Седьмой уровень структуры</a:t>
             </a:r>
-            <a:endParaRPr b="0" lang="ru-RU" sz="1800" spc="-1" strike="noStrike">
+            <a:endParaRPr b="0" lang="ru-RU" sz="2000" spc="-1" strike="noStrike">
               <a:solidFill>
                 <a:srgbClr val="000000"/>
               </a:solidFill>
@@ -14037,7 +14037,7 @@
         <p:spPr>
           <a:xfrm>
             <a:off x="8472600" y="4663080"/>
-            <a:ext cx="547560" cy="392400"/>
+            <a:ext cx="547200" cy="392040"/>
           </a:xfrm>
           <a:prstGeom prst="rect">
             <a:avLst/>
@@ -14079,7 +14079,7 @@
                 <a:tab algn="l" pos="0"/>
               </a:tabLst>
             </a:pPr>
-            <a:fld id="{AC547BC9-12B8-457D-998F-1F2772588A91}" type="slidenum">
+            <a:fld id="{9E42861B-DE07-4F1D-9096-0217E09DF3FC}" type="slidenum">
               <a:rPr b="0" lang="ru" sz="1000" spc="-1" strike="noStrike">
                 <a:solidFill>
                   <a:schemeClr val="dk2"/>
@@ -14929,7 +14929,7 @@
         <p:spPr>
           <a:xfrm>
             <a:off x="8472600" y="4663080"/>
-            <a:ext cx="547560" cy="392400"/>
+            <a:ext cx="547200" cy="392040"/>
           </a:xfrm>
           <a:prstGeom prst="rect">
             <a:avLst/>
@@ -14971,7 +14971,7 @@
                 <a:tab algn="l" pos="0"/>
               </a:tabLst>
             </a:pPr>
-            <a:fld id="{381D7E79-7B07-44A0-A744-E8C5793C909B}" type="slidenum">
+            <a:fld id="{44896A36-8BF1-4988-934D-5529C14C4377}" type="slidenum">
               <a:rPr b="0" lang="ru" sz="1000" spc="-1" strike="noStrike">
                 <a:solidFill>
                   <a:schemeClr val="dk2"/>
@@ -15367,7 +15367,7 @@
         <p:spPr>
           <a:xfrm>
             <a:off x="8472600" y="4663080"/>
-            <a:ext cx="547560" cy="392400"/>
+            <a:ext cx="547200" cy="392040"/>
           </a:xfrm>
           <a:prstGeom prst="rect">
             <a:avLst/>
@@ -15409,7 +15409,7 @@
                 <a:tab algn="l" pos="0"/>
               </a:tabLst>
             </a:pPr>
-            <a:fld id="{60E4E040-95D8-46F4-9414-5D5FF8201BAE}" type="slidenum">
+            <a:fld id="{CCE9B902-09CD-45B3-80BD-61E652FB2878}" type="slidenum">
               <a:rPr b="0" lang="ru" sz="1000" spc="-1" strike="noStrike">
                 <a:solidFill>
                   <a:schemeClr val="dk2"/>
@@ -15760,7 +15760,7 @@
         <p:spPr>
           <a:xfrm>
             <a:off x="0" y="0"/>
-            <a:ext cx="9142920" cy="5142600"/>
+            <a:ext cx="9142560" cy="5142240"/>
           </a:xfrm>
           <a:prstGeom prst="rect">
             <a:avLst/>
@@ -15783,7 +15783,7 @@
         <p:spPr>
           <a:xfrm>
             <a:off x="8472600" y="4663080"/>
-            <a:ext cx="547560" cy="392400"/>
+            <a:ext cx="547200" cy="392040"/>
           </a:xfrm>
           <a:prstGeom prst="rect">
             <a:avLst/>
@@ -15825,7 +15825,7 @@
                 <a:tab algn="l" pos="0"/>
               </a:tabLst>
             </a:pPr>
-            <a:fld id="{12A08D0A-CDE5-4061-836F-543D8CE00036}" type="slidenum">
+            <a:fld id="{BA78B1CC-A9D4-4313-8116-B2D1BCD602F2}" type="slidenum">
               <a:rPr b="0" lang="ru" sz="1000" spc="-1" strike="noStrike">
                 <a:solidFill>
                   <a:schemeClr val="dk2"/>
@@ -16176,7 +16176,7 @@
         <p:spPr>
           <a:xfrm>
             <a:off x="8472600" y="4663080"/>
-            <a:ext cx="547560" cy="392400"/>
+            <a:ext cx="547200" cy="392040"/>
           </a:xfrm>
           <a:prstGeom prst="rect">
             <a:avLst/>
@@ -16218,7 +16218,7 @@
                 <a:tab algn="l" pos="0"/>
               </a:tabLst>
             </a:pPr>
-            <a:fld id="{C1E3FB9E-C3B6-4742-86CE-327B56CB69F6}" type="slidenum">
+            <a:fld id="{025F5378-7760-4ADB-8647-D68B03388F3C}" type="slidenum">
               <a:rPr b="0" lang="ru" sz="1000" spc="-1" strike="noStrike">
                 <a:solidFill>
                   <a:schemeClr val="dk2"/>
@@ -16561,7 +16561,7 @@
         <p:spPr>
           <a:xfrm>
             <a:off x="944640" y="4350600"/>
-            <a:ext cx="8292240" cy="479520"/>
+            <a:ext cx="8291880" cy="479160"/>
           </a:xfrm>
           <a:prstGeom prst="rect">
             <a:avLst/>
@@ -16616,7 +16616,7 @@
         <p:spPr>
           <a:xfrm>
             <a:off x="944640" y="1769040"/>
-            <a:ext cx="7378560" cy="2374200"/>
+            <a:ext cx="7378200" cy="2373840"/>
           </a:xfrm>
           <a:prstGeom prst="rect">
             <a:avLst/>
@@ -16711,7 +16711,7 @@
         <p:spPr>
           <a:xfrm>
             <a:off x="360000" y="2880000"/>
-            <a:ext cx="3059280" cy="1260000"/>
+            <a:ext cx="3058920" cy="1259640"/>
           </a:xfrm>
           <a:prstGeom prst="rect">
             <a:avLst/>
@@ -16764,7 +16764,7 @@
         <p:spPr>
           <a:xfrm>
             <a:off x="500400" y="330840"/>
-            <a:ext cx="8519400" cy="568440"/>
+            <a:ext cx="8519040" cy="568080"/>
           </a:xfrm>
           <a:prstGeom prst="rect">
             <a:avLst/>
@@ -16816,7 +16816,7 @@
         <p:spPr>
           <a:xfrm>
             <a:off x="4140000" y="1151280"/>
-            <a:ext cx="4139280" cy="3239280"/>
+            <a:ext cx="4138920" cy="3238920"/>
           </a:xfrm>
           <a:prstGeom prst="rect">
             <a:avLst/>
@@ -16869,7 +16869,7 @@
         <p:spPr>
           <a:xfrm>
             <a:off x="7920000" y="1306440"/>
-            <a:ext cx="322920" cy="312840"/>
+            <a:ext cx="322560" cy="312480"/>
           </a:xfrm>
           <a:prstGeom prst="rect">
             <a:avLst/>
@@ -16892,7 +16892,7 @@
         <p:spPr>
           <a:xfrm>
             <a:off x="3960000" y="1668960"/>
-            <a:ext cx="784800" cy="490320"/>
+            <a:ext cx="784440" cy="489960"/>
           </a:xfrm>
           <a:prstGeom prst="rect">
             <a:avLst/>
@@ -16915,7 +16915,7 @@
         <p:spPr>
           <a:xfrm>
             <a:off x="5297400" y="1980000"/>
-            <a:ext cx="1001880" cy="719280"/>
+            <a:ext cx="1001520" cy="718920"/>
           </a:xfrm>
           <a:prstGeom prst="rect">
             <a:avLst/>
@@ -16938,7 +16938,7 @@
         <p:spPr>
           <a:xfrm>
             <a:off x="4965120" y="3562560"/>
-            <a:ext cx="1154160" cy="576720"/>
+            <a:ext cx="1153800" cy="576360"/>
           </a:xfrm>
           <a:prstGeom prst="rect">
             <a:avLst/>
@@ -16959,12 +16959,12 @@
         </p:nvCxnSpPr>
         <p:spPr>
           <a:xfrm>
-            <a:off x="4744800" y="1914120"/>
-            <a:ext cx="552960" cy="425880"/>
+            <a:off x="4744440" y="1913760"/>
+            <a:ext cx="553320" cy="425880"/>
           </a:xfrm>
           <a:prstGeom prst="bentConnector3">
             <a:avLst>
-              <a:gd name="adj1" fmla="val 50162"/>
+              <a:gd name="adj1" fmla="val 50195"/>
             </a:avLst>
           </a:prstGeom>
           <a:ln w="0">
@@ -16985,12 +16985,12 @@
         </p:nvCxnSpPr>
         <p:spPr>
           <a:xfrm rot="5400000">
-            <a:off x="5238360" y="3003120"/>
-            <a:ext cx="863640" cy="256320"/>
+            <a:off x="5238000" y="3002400"/>
+            <a:ext cx="864000" cy="256680"/>
           </a:xfrm>
           <a:prstGeom prst="bentConnector3">
             <a:avLst>
-              <a:gd name="adj1" fmla="val 50041"/>
+              <a:gd name="adj1" fmla="val 50104"/>
             </a:avLst>
           </a:prstGeom>
           <a:ln w="0">
@@ -17013,7 +17013,7 @@
         <p:spPr>
           <a:xfrm>
             <a:off x="1505160" y="1685160"/>
-            <a:ext cx="654120" cy="654120"/>
+            <a:ext cx="653760" cy="653760"/>
           </a:xfrm>
           <a:prstGeom prst="rect">
             <a:avLst/>
@@ -17074,7 +17074,7 @@
         <p:spPr>
           <a:xfrm>
             <a:off x="360000" y="2880000"/>
-            <a:ext cx="3118320" cy="1114920"/>
+            <a:ext cx="3117960" cy="1114560"/>
           </a:xfrm>
           <a:prstGeom prst="rect">
             <a:avLst/>
@@ -17335,7 +17335,7 @@
         <p:spPr>
           <a:xfrm>
             <a:off x="5940000" y="2745720"/>
-            <a:ext cx="2115360" cy="816120"/>
+            <a:ext cx="2115000" cy="815760"/>
           </a:xfrm>
           <a:prstGeom prst="rect">
             <a:avLst/>
@@ -17354,7 +17354,7 @@
         <p:spPr>
           <a:xfrm>
             <a:off x="714600" y="1245240"/>
-            <a:ext cx="1477080" cy="345600"/>
+            <a:ext cx="1476720" cy="345240"/>
           </a:xfrm>
           <a:prstGeom prst="rect">
             <a:avLst/>
@@ -17408,7 +17408,7 @@
         <p:spPr>
           <a:xfrm>
             <a:off x="4140000" y="1322640"/>
-            <a:ext cx="762120" cy="345600"/>
+            <a:ext cx="761760" cy="345240"/>
           </a:xfrm>
           <a:prstGeom prst="rect">
             <a:avLst/>
@@ -17462,7 +17462,7 @@
         <p:spPr>
           <a:xfrm>
             <a:off x="5580000" y="1620000"/>
-            <a:ext cx="762120" cy="345600"/>
+            <a:ext cx="761760" cy="345240"/>
           </a:xfrm>
           <a:prstGeom prst="rect">
             <a:avLst/>
@@ -17516,7 +17516,7 @@
         <p:spPr>
           <a:xfrm>
             <a:off x="5262120" y="4044960"/>
-            <a:ext cx="497160" cy="345600"/>
+            <a:ext cx="496800" cy="345240"/>
           </a:xfrm>
           <a:prstGeom prst="rect">
             <a:avLst/>
@@ -17600,7 +17600,7 @@
         <p:spPr>
           <a:xfrm>
             <a:off x="360000" y="180000"/>
-            <a:ext cx="3959280" cy="601560"/>
+            <a:ext cx="3958920" cy="601200"/>
           </a:xfrm>
           <a:prstGeom prst="rect">
             <a:avLst/>
@@ -17654,7 +17654,7 @@
         <p:spPr>
           <a:xfrm>
             <a:off x="540000" y="487800"/>
-            <a:ext cx="1972080" cy="515160"/>
+            <a:ext cx="1971720" cy="514800"/>
           </a:xfrm>
           <a:prstGeom prst="rect">
             <a:avLst/>
@@ -17758,7 +17758,7 @@
         <p:spPr>
           <a:xfrm>
             <a:off x="180000" y="1057320"/>
-            <a:ext cx="8602920" cy="3801960"/>
+            <a:ext cx="8602560" cy="3801600"/>
           </a:xfrm>
           <a:prstGeom prst="rect">
             <a:avLst/>
@@ -17807,7 +17807,7 @@
         <p:spPr>
           <a:xfrm>
             <a:off x="360000" y="180000"/>
-            <a:ext cx="4859280" cy="359280"/>
+            <a:ext cx="4858920" cy="358920"/>
           </a:xfrm>
           <a:prstGeom prst="rect">
             <a:avLst/>
@@ -17861,7 +17861,7 @@
         <p:spPr>
           <a:xfrm>
             <a:off x="540000" y="487800"/>
-            <a:ext cx="1972080" cy="515160"/>
+            <a:ext cx="1971720" cy="514800"/>
           </a:xfrm>
           <a:prstGeom prst="rect">
             <a:avLst/>
@@ -17965,7 +17965,7 @@
         <p:spPr>
           <a:xfrm>
             <a:off x="360000" y="1068840"/>
-            <a:ext cx="7559280" cy="3790440"/>
+            <a:ext cx="7558920" cy="3790080"/>
           </a:xfrm>
           <a:prstGeom prst="rect">
             <a:avLst/>
@@ -18018,7 +18018,7 @@
         <p:spPr>
           <a:xfrm>
             <a:off x="500400" y="330840"/>
-            <a:ext cx="8519400" cy="1094760"/>
+            <a:ext cx="8519040" cy="1094400"/>
           </a:xfrm>
           <a:prstGeom prst="rect">
             <a:avLst/>
@@ -18497,7 +18497,7 @@
         <p:spPr>
           <a:xfrm>
             <a:off x="651600" y="396360"/>
-            <a:ext cx="7705080" cy="4089600"/>
+            <a:ext cx="7704720" cy="4089240"/>
           </a:xfrm>
           <a:prstGeom prst="rect">
             <a:avLst/>
@@ -18586,7 +18586,7 @@
         <p:spPr>
           <a:xfrm>
             <a:off x="651600" y="396360"/>
-            <a:ext cx="7705080" cy="4089600"/>
+            <a:ext cx="7704720" cy="4089240"/>
           </a:xfrm>
           <a:prstGeom prst="rect">
             <a:avLst/>
@@ -18699,7 +18699,7 @@
         <p:spPr>
           <a:xfrm>
             <a:off x="500400" y="330840"/>
-            <a:ext cx="8519400" cy="842400"/>
+            <a:ext cx="8519040" cy="842040"/>
           </a:xfrm>
           <a:prstGeom prst="rect">
             <a:avLst/>
@@ -18755,7 +18755,7 @@
         <p:spPr>
           <a:xfrm>
             <a:off x="617760" y="3852000"/>
-            <a:ext cx="619560" cy="619560"/>
+            <a:ext cx="619200" cy="619200"/>
           </a:xfrm>
           <a:prstGeom prst="rect">
             <a:avLst/>
@@ -18778,7 +18778,7 @@
         <p:spPr>
           <a:xfrm>
             <a:off x="617760" y="3113280"/>
-            <a:ext cx="619560" cy="619560"/>
+            <a:ext cx="619200" cy="619200"/>
           </a:xfrm>
           <a:prstGeom prst="rect">
             <a:avLst/>
@@ -18801,7 +18801,7 @@
         <p:spPr>
           <a:xfrm>
             <a:off x="617760" y="1596960"/>
-            <a:ext cx="619560" cy="619560"/>
+            <a:ext cx="619200" cy="619200"/>
           </a:xfrm>
           <a:prstGeom prst="rect">
             <a:avLst/>
@@ -18824,7 +18824,7 @@
         <p:spPr>
           <a:xfrm>
             <a:off x="617760" y="2355120"/>
-            <a:ext cx="619560" cy="619560"/>
+            <a:ext cx="619200" cy="619200"/>
           </a:xfrm>
           <a:prstGeom prst="rect">
             <a:avLst/>
@@ -18843,7 +18843,7 @@
         <p:spPr>
           <a:xfrm>
             <a:off x="544320" y="1126800"/>
-            <a:ext cx="2586960" cy="410040"/>
+            <a:ext cx="2586600" cy="409680"/>
           </a:xfrm>
           <a:prstGeom prst="rect">
             <a:avLst/>
@@ -18861,7 +18861,7 @@
         </p:style>
         <p:txBody>
           <a:bodyPr lIns="90000" rIns="90000" tIns="91440" bIns="91440" anchor="t">
-            <a:normAutofit fontScale="85000"/>
+            <a:normAutofit fontScale="84000"/>
           </a:bodyPr>
           <a:p>
             <a:pPr>
@@ -18904,7 +18904,7 @@
         <p:spPr>
           <a:xfrm>
             <a:off x="1313280" y="3852000"/>
-            <a:ext cx="619560" cy="619560"/>
+            <a:ext cx="619200" cy="619200"/>
           </a:xfrm>
           <a:prstGeom prst="rect">
             <a:avLst/>
@@ -18927,7 +18927,7 @@
         <p:spPr>
           <a:xfrm>
             <a:off x="1313280" y="3113280"/>
-            <a:ext cx="619560" cy="619560"/>
+            <a:ext cx="619200" cy="619200"/>
           </a:xfrm>
           <a:prstGeom prst="rect">
             <a:avLst/>
@@ -18950,7 +18950,7 @@
         <p:spPr>
           <a:xfrm>
             <a:off x="1313280" y="1597320"/>
-            <a:ext cx="619560" cy="619560"/>
+            <a:ext cx="619200" cy="619200"/>
           </a:xfrm>
           <a:prstGeom prst="rect">
             <a:avLst/>
@@ -18973,7 +18973,7 @@
         <p:spPr>
           <a:xfrm>
             <a:off x="1313280" y="2355120"/>
-            <a:ext cx="619560" cy="619560"/>
+            <a:ext cx="619200" cy="619200"/>
           </a:xfrm>
           <a:prstGeom prst="rect">
             <a:avLst/>
@@ -18996,7 +18996,7 @@
         <p:spPr>
           <a:xfrm>
             <a:off x="2008440" y="1597320"/>
-            <a:ext cx="619560" cy="619560"/>
+            <a:ext cx="619200" cy="619200"/>
           </a:xfrm>
           <a:prstGeom prst="rect">
             <a:avLst/>
@@ -19019,7 +19019,7 @@
         <p:spPr>
           <a:xfrm>
             <a:off x="2008440" y="2355120"/>
-            <a:ext cx="619560" cy="619560"/>
+            <a:ext cx="619200" cy="619200"/>
           </a:xfrm>
           <a:prstGeom prst="rect">
             <a:avLst/>
@@ -19038,7 +19038,7 @@
         <p:spPr>
           <a:xfrm>
             <a:off x="3111840" y="1126800"/>
-            <a:ext cx="1578600" cy="410040"/>
+            <a:ext cx="1578240" cy="409680"/>
           </a:xfrm>
           <a:prstGeom prst="rect">
             <a:avLst/>
@@ -19056,7 +19056,7 @@
         </p:style>
         <p:txBody>
           <a:bodyPr lIns="90000" rIns="90000" tIns="91440" bIns="91440" anchor="t">
-            <a:normAutofit fontScale="83000"/>
+            <a:normAutofit fontScale="82000"/>
           </a:bodyPr>
           <a:p>
             <a:pPr>
@@ -19099,7 +19099,7 @@
         <p:spPr>
           <a:xfrm>
             <a:off x="3197160" y="3852000"/>
-            <a:ext cx="619560" cy="619560"/>
+            <a:ext cx="619200" cy="619200"/>
           </a:xfrm>
           <a:prstGeom prst="rect">
             <a:avLst/>
@@ -19122,7 +19122,7 @@
         <p:spPr>
           <a:xfrm>
             <a:off x="3197160" y="3113280"/>
-            <a:ext cx="619560" cy="619560"/>
+            <a:ext cx="619200" cy="619200"/>
           </a:xfrm>
           <a:prstGeom prst="rect">
             <a:avLst/>
@@ -19145,7 +19145,7 @@
         <p:spPr>
           <a:xfrm>
             <a:off x="3197160" y="1597320"/>
-            <a:ext cx="619560" cy="619560"/>
+            <a:ext cx="619200" cy="619200"/>
           </a:xfrm>
           <a:prstGeom prst="rect">
             <a:avLst/>
@@ -19168,7 +19168,7 @@
         <p:spPr>
           <a:xfrm>
             <a:off x="3197160" y="2355120"/>
-            <a:ext cx="619560" cy="619560"/>
+            <a:ext cx="619200" cy="619200"/>
           </a:xfrm>
           <a:prstGeom prst="rect">
             <a:avLst/>
@@ -19191,7 +19191,7 @@
         <p:spPr>
           <a:xfrm>
             <a:off x="3903840" y="3113280"/>
-            <a:ext cx="619560" cy="619560"/>
+            <a:ext cx="619200" cy="619200"/>
           </a:xfrm>
           <a:prstGeom prst="rect">
             <a:avLst/>
@@ -19214,7 +19214,7 @@
         <p:spPr>
           <a:xfrm>
             <a:off x="3903840" y="1597320"/>
-            <a:ext cx="619560" cy="619560"/>
+            <a:ext cx="619200" cy="619200"/>
           </a:xfrm>
           <a:prstGeom prst="rect">
             <a:avLst/>
@@ -19237,7 +19237,7 @@
         <p:spPr>
           <a:xfrm>
             <a:off x="3903840" y="2355120"/>
-            <a:ext cx="619560" cy="619560"/>
+            <a:ext cx="619200" cy="619200"/>
           </a:xfrm>
           <a:prstGeom prst="rect">
             <a:avLst/>
@@ -19260,7 +19260,7 @@
         <p:spPr>
           <a:xfrm>
             <a:off x="4610520" y="3113280"/>
-            <a:ext cx="619560" cy="619560"/>
+            <a:ext cx="619200" cy="619200"/>
           </a:xfrm>
           <a:prstGeom prst="rect">
             <a:avLst/>
@@ -19283,7 +19283,7 @@
         <p:spPr>
           <a:xfrm>
             <a:off x="4610520" y="1597320"/>
-            <a:ext cx="619560" cy="619560"/>
+            <a:ext cx="619200" cy="619200"/>
           </a:xfrm>
           <a:prstGeom prst="rect">
             <a:avLst/>
@@ -19306,7 +19306,7 @@
         <p:spPr>
           <a:xfrm>
             <a:off x="4610520" y="2355120"/>
-            <a:ext cx="619560" cy="619560"/>
+            <a:ext cx="619200" cy="619200"/>
           </a:xfrm>
           <a:prstGeom prst="rect">
             <a:avLst/>
@@ -19329,7 +19329,7 @@
         <p:spPr>
           <a:xfrm>
             <a:off x="5317200" y="3113280"/>
-            <a:ext cx="619560" cy="619560"/>
+            <a:ext cx="619200" cy="619200"/>
           </a:xfrm>
           <a:prstGeom prst="rect">
             <a:avLst/>
@@ -19352,7 +19352,7 @@
         <p:spPr>
           <a:xfrm>
             <a:off x="5317200" y="1597320"/>
-            <a:ext cx="619560" cy="619560"/>
+            <a:ext cx="619200" cy="619200"/>
           </a:xfrm>
           <a:prstGeom prst="rect">
             <a:avLst/>
@@ -19375,7 +19375,7 @@
         <p:spPr>
           <a:xfrm>
             <a:off x="5317200" y="2355120"/>
-            <a:ext cx="619560" cy="619560"/>
+            <a:ext cx="619200" cy="619200"/>
           </a:xfrm>
           <a:prstGeom prst="rect">
             <a:avLst/>
@@ -19398,7 +19398,7 @@
         <p:spPr>
           <a:xfrm>
             <a:off x="2008440" y="3112920"/>
-            <a:ext cx="619920" cy="619920"/>
+            <a:ext cx="619560" cy="619560"/>
           </a:xfrm>
           <a:prstGeom prst="rect">
             <a:avLst/>
@@ -19421,7 +19421,7 @@
         <p:spPr>
           <a:xfrm>
             <a:off x="2008440" y="3852000"/>
-            <a:ext cx="619920" cy="619920"/>
+            <a:ext cx="619560" cy="619560"/>
           </a:xfrm>
           <a:prstGeom prst="rect">
             <a:avLst/>
@@ -19444,7 +19444,7 @@
         <p:spPr>
           <a:xfrm>
             <a:off x="3903840" y="3852000"/>
-            <a:ext cx="619920" cy="619920"/>
+            <a:ext cx="619560" cy="619560"/>
           </a:xfrm>
           <a:prstGeom prst="rect">
             <a:avLst/>
@@ -19467,7 +19467,7 @@
         <p:spPr>
           <a:xfrm>
             <a:off x="5317200" y="3852000"/>
-            <a:ext cx="619920" cy="619920"/>
+            <a:ext cx="619560" cy="619560"/>
           </a:xfrm>
           <a:prstGeom prst="rect">
             <a:avLst/>
@@ -19490,7 +19490,7 @@
         <p:spPr>
           <a:xfrm>
             <a:off x="4610520" y="3852000"/>
-            <a:ext cx="619920" cy="619920"/>
+            <a:ext cx="619560" cy="619560"/>
           </a:xfrm>
           <a:prstGeom prst="rect">
             <a:avLst/>
@@ -19509,7 +19509,7 @@
         <p:spPr>
           <a:xfrm>
             <a:off x="6135480" y="330840"/>
-            <a:ext cx="2654280" cy="619560"/>
+            <a:ext cx="2653920" cy="619200"/>
           </a:xfrm>
           <a:prstGeom prst="wedgeRectCallout">
             <a:avLst>
@@ -19578,7 +19578,7 @@
         <p:spPr>
           <a:xfrm>
             <a:off x="6545160" y="3852000"/>
-            <a:ext cx="619560" cy="619560"/>
+            <a:ext cx="619200" cy="619200"/>
           </a:xfrm>
           <a:prstGeom prst="rect">
             <a:avLst/>
@@ -19601,7 +19601,7 @@
         <p:spPr>
           <a:xfrm>
             <a:off x="6538680" y="3113280"/>
-            <a:ext cx="619560" cy="619560"/>
+            <a:ext cx="619200" cy="619200"/>
           </a:xfrm>
           <a:prstGeom prst="rect">
             <a:avLst/>
@@ -19624,7 +19624,7 @@
         <p:spPr>
           <a:xfrm>
             <a:off x="6528600" y="1597320"/>
-            <a:ext cx="619560" cy="619560"/>
+            <a:ext cx="619200" cy="619200"/>
           </a:xfrm>
           <a:prstGeom prst="rect">
             <a:avLst/>
@@ -19647,7 +19647,7 @@
         <p:spPr>
           <a:xfrm>
             <a:off x="6528600" y="2355120"/>
-            <a:ext cx="619560" cy="619560"/>
+            <a:ext cx="619200" cy="619200"/>
           </a:xfrm>
           <a:prstGeom prst="rect">
             <a:avLst/>
@@ -19670,7 +19670,7 @@
         <p:spPr>
           <a:xfrm>
             <a:off x="6455160" y="1126800"/>
-            <a:ext cx="1578600" cy="410040"/>
+            <a:ext cx="1578240" cy="409680"/>
           </a:xfrm>
           <a:prstGeom prst="rect">
             <a:avLst/>
@@ -19682,7 +19682,7 @@
         </p:spPr>
         <p:txBody>
           <a:bodyPr lIns="0" rIns="0" tIns="91440" bIns="91440" anchor="t">
-            <a:normAutofit fontScale="85000"/>
+            <a:normAutofit fontScale="84000"/>
           </a:bodyPr>
           <a:p>
             <a:pPr>
@@ -19725,7 +19725,7 @@
         <p:spPr>
           <a:xfrm>
             <a:off x="7260480" y="3852000"/>
-            <a:ext cx="619560" cy="619560"/>
+            <a:ext cx="619200" cy="619200"/>
           </a:xfrm>
           <a:prstGeom prst="rect">
             <a:avLst/>
@@ -19748,7 +19748,7 @@
         <p:spPr>
           <a:xfrm>
             <a:off x="7254000" y="3113280"/>
-            <a:ext cx="619560" cy="619560"/>
+            <a:ext cx="619200" cy="619200"/>
           </a:xfrm>
           <a:prstGeom prst="rect">
             <a:avLst/>
@@ -19771,7 +19771,7 @@
         <p:spPr>
           <a:xfrm>
             <a:off x="7243560" y="1597320"/>
-            <a:ext cx="619560" cy="619560"/>
+            <a:ext cx="619200" cy="619200"/>
           </a:xfrm>
           <a:prstGeom prst="rect">
             <a:avLst/>
@@ -19794,7 +19794,7 @@
         <p:spPr>
           <a:xfrm>
             <a:off x="7243560" y="2355120"/>
-            <a:ext cx="619560" cy="619560"/>
+            <a:ext cx="619200" cy="619200"/>
           </a:xfrm>
           <a:prstGeom prst="rect">
             <a:avLst/>
@@ -19817,7 +19817,7 @@
         <p:spPr>
           <a:xfrm>
             <a:off x="7958880" y="1597320"/>
-            <a:ext cx="619560" cy="619560"/>
+            <a:ext cx="619200" cy="619200"/>
           </a:xfrm>
           <a:prstGeom prst="rect">
             <a:avLst/>
@@ -19840,7 +19840,7 @@
         <p:spPr>
           <a:xfrm>
             <a:off x="7958880" y="2355120"/>
-            <a:ext cx="619560" cy="619560"/>
+            <a:ext cx="619200" cy="619200"/>
           </a:xfrm>
           <a:prstGeom prst="rect">
             <a:avLst/>
@@ -19893,7 +19893,7 @@
         <p:spPr>
           <a:xfrm>
             <a:off x="500400" y="330840"/>
-            <a:ext cx="8519400" cy="842400"/>
+            <a:ext cx="8519040" cy="842040"/>
           </a:xfrm>
           <a:prstGeom prst="rect">
             <a:avLst/>
@@ -19949,7 +19949,7 @@
         <p:spPr>
           <a:xfrm>
             <a:off x="619920" y="3876840"/>
-            <a:ext cx="619560" cy="619560"/>
+            <a:ext cx="619200" cy="619200"/>
           </a:xfrm>
           <a:prstGeom prst="rect">
             <a:avLst/>
@@ -19972,7 +19972,7 @@
         <p:spPr>
           <a:xfrm>
             <a:off x="607320" y="3137760"/>
-            <a:ext cx="619560" cy="619560"/>
+            <a:ext cx="619200" cy="619200"/>
           </a:xfrm>
           <a:prstGeom prst="rect">
             <a:avLst/>
@@ -19995,7 +19995,7 @@
         <p:spPr>
           <a:xfrm>
             <a:off x="607320" y="1621800"/>
-            <a:ext cx="619560" cy="619560"/>
+            <a:ext cx="619200" cy="619200"/>
           </a:xfrm>
           <a:prstGeom prst="rect">
             <a:avLst/>
@@ -20018,7 +20018,7 @@
         <p:spPr>
           <a:xfrm>
             <a:off x="607320" y="2369160"/>
-            <a:ext cx="619560" cy="619560"/>
+            <a:ext cx="619200" cy="619200"/>
           </a:xfrm>
           <a:prstGeom prst="rect">
             <a:avLst/>
@@ -20041,7 +20041,7 @@
         <p:spPr>
           <a:xfrm>
             <a:off x="543960" y="1132560"/>
-            <a:ext cx="2586960" cy="410040"/>
+            <a:ext cx="2586600" cy="409680"/>
           </a:xfrm>
           <a:prstGeom prst="rect">
             <a:avLst/>
@@ -20053,7 +20053,7 @@
         </p:spPr>
         <p:txBody>
           <a:bodyPr lIns="0" rIns="0" tIns="91440" bIns="91440" anchor="t">
-            <a:normAutofit fontScale="83000"/>
+            <a:normAutofit fontScale="82000"/>
           </a:bodyPr>
           <a:p>
             <a:pPr>
@@ -20096,7 +20096,7 @@
         <p:spPr>
           <a:xfrm>
             <a:off x="1332000" y="3876840"/>
-            <a:ext cx="619560" cy="619560"/>
+            <a:ext cx="619200" cy="619200"/>
           </a:xfrm>
           <a:prstGeom prst="rect">
             <a:avLst/>
@@ -20119,7 +20119,7 @@
         <p:spPr>
           <a:xfrm>
             <a:off x="1319040" y="3137760"/>
-            <a:ext cx="619560" cy="619560"/>
+            <a:ext cx="619200" cy="619200"/>
           </a:xfrm>
           <a:prstGeom prst="rect">
             <a:avLst/>
@@ -20142,7 +20142,7 @@
         <p:spPr>
           <a:xfrm>
             <a:off x="1319400" y="1621800"/>
-            <a:ext cx="619560" cy="619560"/>
+            <a:ext cx="619200" cy="619200"/>
           </a:xfrm>
           <a:prstGeom prst="rect">
             <a:avLst/>
@@ -20165,7 +20165,7 @@
         <p:spPr>
           <a:xfrm>
             <a:off x="1319400" y="2369160"/>
-            <a:ext cx="619560" cy="619560"/>
+            <a:ext cx="619200" cy="619200"/>
           </a:xfrm>
           <a:prstGeom prst="rect">
             <a:avLst/>
@@ -20188,7 +20188,7 @@
         <p:spPr>
           <a:xfrm>
             <a:off x="2043720" y="1621800"/>
-            <a:ext cx="619560" cy="619560"/>
+            <a:ext cx="619200" cy="619200"/>
           </a:xfrm>
           <a:prstGeom prst="rect">
             <a:avLst/>
@@ -20211,7 +20211,7 @@
         <p:spPr>
           <a:xfrm>
             <a:off x="2043720" y="2369160"/>
-            <a:ext cx="619560" cy="619560"/>
+            <a:ext cx="619200" cy="619200"/>
           </a:xfrm>
           <a:prstGeom prst="rect">
             <a:avLst/>
@@ -20234,7 +20234,7 @@
         <p:spPr>
           <a:xfrm>
             <a:off x="2043720" y="3137400"/>
-            <a:ext cx="619920" cy="619920"/>
+            <a:ext cx="619560" cy="619560"/>
           </a:xfrm>
           <a:prstGeom prst="rect">
             <a:avLst/>
@@ -20257,7 +20257,7 @@
         <p:spPr>
           <a:xfrm>
             <a:off x="2056320" y="3876840"/>
-            <a:ext cx="619920" cy="619920"/>
+            <a:ext cx="619560" cy="619560"/>
           </a:xfrm>
           <a:prstGeom prst="rect">
             <a:avLst/>
@@ -20280,7 +20280,7 @@
         <p:spPr>
           <a:xfrm>
             <a:off x="3243240" y="1132560"/>
-            <a:ext cx="2586960" cy="410040"/>
+            <a:ext cx="2586600" cy="409680"/>
           </a:xfrm>
           <a:prstGeom prst="rect">
             <a:avLst/>
@@ -20292,7 +20292,7 @@
         </p:spPr>
         <p:txBody>
           <a:bodyPr lIns="0" rIns="0" tIns="91440" bIns="91440" anchor="t">
-            <a:normAutofit fontScale="85000"/>
+            <a:normAutofit fontScale="84000"/>
           </a:bodyPr>
           <a:p>
             <a:pPr>
@@ -20335,7 +20335,7 @@
         <p:spPr>
           <a:xfrm>
             <a:off x="3310920" y="3137760"/>
-            <a:ext cx="619560" cy="619560"/>
+            <a:ext cx="619200" cy="619200"/>
           </a:xfrm>
           <a:prstGeom prst="rect">
             <a:avLst/>
@@ -20358,7 +20358,7 @@
         <p:spPr>
           <a:xfrm>
             <a:off x="3310920" y="1621800"/>
-            <a:ext cx="619560" cy="619560"/>
+            <a:ext cx="619200" cy="619200"/>
           </a:xfrm>
           <a:prstGeom prst="rect">
             <a:avLst/>
@@ -20381,7 +20381,7 @@
         <p:spPr>
           <a:xfrm>
             <a:off x="3310920" y="2369160"/>
-            <a:ext cx="619560" cy="619560"/>
+            <a:ext cx="619200" cy="619200"/>
           </a:xfrm>
           <a:prstGeom prst="rect">
             <a:avLst/>
@@ -20404,7 +20404,7 @@
         <p:spPr>
           <a:xfrm>
             <a:off x="4047120" y="3137760"/>
-            <a:ext cx="619560" cy="619560"/>
+            <a:ext cx="619200" cy="619200"/>
           </a:xfrm>
           <a:prstGeom prst="rect">
             <a:avLst/>
@@ -20427,7 +20427,7 @@
         <p:spPr>
           <a:xfrm>
             <a:off x="4047120" y="1621800"/>
-            <a:ext cx="619560" cy="619560"/>
+            <a:ext cx="619200" cy="619200"/>
           </a:xfrm>
           <a:prstGeom prst="rect">
             <a:avLst/>
@@ -20450,7 +20450,7 @@
         <p:spPr>
           <a:xfrm>
             <a:off x="4047120" y="2369160"/>
-            <a:ext cx="619560" cy="619560"/>
+            <a:ext cx="619200" cy="619200"/>
           </a:xfrm>
           <a:prstGeom prst="rect">
             <a:avLst/>
@@ -20473,7 +20473,7 @@
         <p:spPr>
           <a:xfrm>
             <a:off x="3310920" y="3876840"/>
-            <a:ext cx="619560" cy="619560"/>
+            <a:ext cx="619200" cy="619200"/>
           </a:xfrm>
           <a:prstGeom prst="rect">
             <a:avLst/>
@@ -20496,7 +20496,7 @@
         <p:spPr>
           <a:xfrm>
             <a:off x="4783320" y="1621800"/>
-            <a:ext cx="619560" cy="619560"/>
+            <a:ext cx="619200" cy="619200"/>
           </a:xfrm>
           <a:prstGeom prst="rect">
             <a:avLst/>
@@ -20519,7 +20519,7 @@
         <p:spPr>
           <a:xfrm>
             <a:off x="4047120" y="3876840"/>
-            <a:ext cx="619560" cy="619560"/>
+            <a:ext cx="619200" cy="619200"/>
           </a:xfrm>
           <a:prstGeom prst="rect">
             <a:avLst/>
@@ -20542,7 +20542,7 @@
         <p:spPr>
           <a:xfrm>
             <a:off x="4782960" y="2369160"/>
-            <a:ext cx="619920" cy="619920"/>
+            <a:ext cx="619560" cy="619560"/>
           </a:xfrm>
           <a:prstGeom prst="rect">
             <a:avLst/>
@@ -20565,7 +20565,7 @@
         <p:spPr>
           <a:xfrm>
             <a:off x="4782960" y="3137400"/>
-            <a:ext cx="619920" cy="619920"/>
+            <a:ext cx="619560" cy="619560"/>
           </a:xfrm>
           <a:prstGeom prst="rect">
             <a:avLst/>
@@ -20588,7 +20588,7 @@
         <p:spPr>
           <a:xfrm>
             <a:off x="4782960" y="3876840"/>
-            <a:ext cx="619920" cy="619920"/>
+            <a:ext cx="619560" cy="619560"/>
           </a:xfrm>
           <a:prstGeom prst="rect">
             <a:avLst/>
@@ -20611,7 +20611,7 @@
         <p:spPr>
           <a:xfrm>
             <a:off x="5851080" y="1132560"/>
-            <a:ext cx="1578600" cy="410040"/>
+            <a:ext cx="1578240" cy="409680"/>
           </a:xfrm>
           <a:prstGeom prst="rect">
             <a:avLst/>
@@ -20623,7 +20623,7 @@
         </p:spPr>
         <p:txBody>
           <a:bodyPr lIns="0" rIns="0" tIns="91440" bIns="91440" anchor="t">
-            <a:normAutofit fontScale="85000"/>
+            <a:normAutofit fontScale="84000"/>
           </a:bodyPr>
           <a:p>
             <a:pPr>
@@ -20666,7 +20666,7 @@
         <p:spPr>
           <a:xfrm>
             <a:off x="5929560" y="3876840"/>
-            <a:ext cx="619560" cy="619560"/>
+            <a:ext cx="619200" cy="619200"/>
           </a:xfrm>
           <a:prstGeom prst="rect">
             <a:avLst/>
@@ -20689,7 +20689,7 @@
         <p:spPr>
           <a:xfrm>
             <a:off x="5929560" y="3137760"/>
-            <a:ext cx="619560" cy="619560"/>
+            <a:ext cx="619200" cy="619200"/>
           </a:xfrm>
           <a:prstGeom prst="rect">
             <a:avLst/>
@@ -20712,7 +20712,7 @@
         <p:spPr>
           <a:xfrm>
             <a:off x="5929560" y="1621800"/>
-            <a:ext cx="619560" cy="619560"/>
+            <a:ext cx="619200" cy="619200"/>
           </a:xfrm>
           <a:prstGeom prst="rect">
             <a:avLst/>
@@ -20735,7 +20735,7 @@
         <p:spPr>
           <a:xfrm>
             <a:off x="5929560" y="2369160"/>
-            <a:ext cx="619560" cy="619560"/>
+            <a:ext cx="619200" cy="619200"/>
           </a:xfrm>
           <a:prstGeom prst="rect">
             <a:avLst/>
@@ -20758,7 +20758,7 @@
         <p:spPr>
           <a:xfrm>
             <a:off x="6654240" y="3876840"/>
-            <a:ext cx="619560" cy="619560"/>
+            <a:ext cx="619200" cy="619200"/>
           </a:xfrm>
           <a:prstGeom prst="rect">
             <a:avLst/>
@@ -20781,7 +20781,7 @@
         <p:spPr>
           <a:xfrm>
             <a:off x="6654240" y="3137760"/>
-            <a:ext cx="619560" cy="619560"/>
+            <a:ext cx="619200" cy="619200"/>
           </a:xfrm>
           <a:prstGeom prst="rect">
             <a:avLst/>
@@ -20804,7 +20804,7 @@
         <p:spPr>
           <a:xfrm>
             <a:off x="6654240" y="1621800"/>
-            <a:ext cx="619560" cy="619560"/>
+            <a:ext cx="619200" cy="619200"/>
           </a:xfrm>
           <a:prstGeom prst="rect">
             <a:avLst/>
@@ -20827,7 +20827,7 @@
         <p:spPr>
           <a:xfrm>
             <a:off x="6654240" y="2369160"/>
-            <a:ext cx="619560" cy="619560"/>
+            <a:ext cx="619200" cy="619200"/>
           </a:xfrm>
           <a:prstGeom prst="rect">
             <a:avLst/>
@@ -20850,7 +20850,7 @@
         <p:spPr>
           <a:xfrm>
             <a:off x="7378920" y="3876840"/>
-            <a:ext cx="619560" cy="619560"/>
+            <a:ext cx="619200" cy="619200"/>
           </a:xfrm>
           <a:prstGeom prst="rect">
             <a:avLst/>
@@ -20873,7 +20873,7 @@
         <p:spPr>
           <a:xfrm>
             <a:off x="7378920" y="3137760"/>
-            <a:ext cx="619560" cy="619560"/>
+            <a:ext cx="619200" cy="619200"/>
           </a:xfrm>
           <a:prstGeom prst="rect">
             <a:avLst/>
@@ -20896,7 +20896,7 @@
         <p:spPr>
           <a:xfrm>
             <a:off x="7378920" y="1621800"/>
-            <a:ext cx="619560" cy="619560"/>
+            <a:ext cx="619200" cy="619200"/>
           </a:xfrm>
           <a:prstGeom prst="rect">
             <a:avLst/>
@@ -20919,7 +20919,7 @@
         <p:spPr>
           <a:xfrm>
             <a:off x="7378920" y="2369160"/>
-            <a:ext cx="619560" cy="619560"/>
+            <a:ext cx="619200" cy="619200"/>
           </a:xfrm>
           <a:prstGeom prst="rect">
             <a:avLst/>
@@ -20942,7 +20942,7 @@
         <p:spPr>
           <a:xfrm>
             <a:off x="8087040" y="3137760"/>
-            <a:ext cx="619560" cy="619560"/>
+            <a:ext cx="619200" cy="619200"/>
           </a:xfrm>
           <a:prstGeom prst="rect">
             <a:avLst/>
@@ -20965,7 +20965,7 @@
         <p:spPr>
           <a:xfrm>
             <a:off x="8087040" y="1621800"/>
-            <a:ext cx="619560" cy="619560"/>
+            <a:ext cx="619200" cy="619200"/>
           </a:xfrm>
           <a:prstGeom prst="rect">
             <a:avLst/>
@@ -20988,7 +20988,7 @@
         <p:spPr>
           <a:xfrm>
             <a:off x="8087040" y="2369160"/>
-            <a:ext cx="619560" cy="619560"/>
+            <a:ext cx="619200" cy="619200"/>
           </a:xfrm>
           <a:prstGeom prst="rect">
             <a:avLst/>
@@ -21011,7 +21011,7 @@
         <p:spPr>
           <a:xfrm>
             <a:off x="8087040" y="3876840"/>
-            <a:ext cx="619560" cy="619560"/>
+            <a:ext cx="619200" cy="619200"/>
           </a:xfrm>
           <a:prstGeom prst="rect">
             <a:avLst/>
@@ -21064,7 +21064,7 @@
         <p:spPr>
           <a:xfrm>
             <a:off x="500400" y="330840"/>
-            <a:ext cx="8519400" cy="842400"/>
+            <a:ext cx="8519040" cy="842040"/>
           </a:xfrm>
           <a:prstGeom prst="rect">
             <a:avLst/>
@@ -21120,7 +21120,7 @@
         <p:spPr>
           <a:xfrm>
             <a:off x="6906600" y="1131120"/>
-            <a:ext cx="2723040" cy="410040"/>
+            <a:ext cx="2722680" cy="409680"/>
           </a:xfrm>
           <a:prstGeom prst="rect">
             <a:avLst/>
@@ -21132,7 +21132,7 @@
         </p:spPr>
         <p:txBody>
           <a:bodyPr lIns="0" rIns="0" tIns="91440" bIns="91440" anchor="t">
-            <a:normAutofit fontScale="85000"/>
+            <a:normAutofit fontScale="84000"/>
           </a:bodyPr>
           <a:p>
             <a:pPr indent="0">
@@ -21176,7 +21176,7 @@
         <p:spPr>
           <a:xfrm>
             <a:off x="6988320" y="3112920"/>
-            <a:ext cx="619560" cy="619560"/>
+            <a:ext cx="619200" cy="619200"/>
           </a:xfrm>
           <a:prstGeom prst="rect">
             <a:avLst/>
@@ -21199,7 +21199,7 @@
         <p:spPr>
           <a:xfrm>
             <a:off x="6988320" y="1596960"/>
-            <a:ext cx="619920" cy="619920"/>
+            <a:ext cx="619560" cy="619560"/>
           </a:xfrm>
           <a:prstGeom prst="rect">
             <a:avLst/>
@@ -21222,7 +21222,7 @@
         <p:spPr>
           <a:xfrm>
             <a:off x="6988320" y="2355120"/>
-            <a:ext cx="619560" cy="619560"/>
+            <a:ext cx="619200" cy="619200"/>
           </a:xfrm>
           <a:prstGeom prst="rect">
             <a:avLst/>
@@ -21245,7 +21245,7 @@
         <p:spPr>
           <a:xfrm>
             <a:off x="6988320" y="3832920"/>
-            <a:ext cx="619920" cy="619920"/>
+            <a:ext cx="619560" cy="619560"/>
           </a:xfrm>
           <a:prstGeom prst="rect">
             <a:avLst/>
@@ -21268,7 +21268,7 @@
         <p:spPr>
           <a:xfrm>
             <a:off x="7728480" y="2358360"/>
-            <a:ext cx="619560" cy="619560"/>
+            <a:ext cx="619200" cy="619200"/>
           </a:xfrm>
           <a:prstGeom prst="rect">
             <a:avLst/>
@@ -21291,7 +21291,7 @@
         <p:spPr>
           <a:xfrm>
             <a:off x="7728480" y="1596960"/>
-            <a:ext cx="619920" cy="619920"/>
+            <a:ext cx="619560" cy="619560"/>
           </a:xfrm>
           <a:prstGeom prst="rect">
             <a:avLst/>
@@ -21314,7 +21314,7 @@
         <p:spPr>
           <a:xfrm>
             <a:off x="7728120" y="3116160"/>
-            <a:ext cx="619920" cy="619920"/>
+            <a:ext cx="619560" cy="619560"/>
           </a:xfrm>
           <a:prstGeom prst="rect">
             <a:avLst/>
@@ -21337,7 +21337,7 @@
         <p:spPr>
           <a:xfrm>
             <a:off x="7728120" y="3836160"/>
-            <a:ext cx="619920" cy="619920"/>
+            <a:ext cx="619560" cy="619560"/>
           </a:xfrm>
           <a:prstGeom prst="rect">
             <a:avLst/>
@@ -21360,7 +21360,7 @@
         <p:spPr>
           <a:xfrm>
             <a:off x="6906600" y="1131120"/>
-            <a:ext cx="1578600" cy="410040"/>
+            <a:ext cx="1578240" cy="409680"/>
           </a:xfrm>
           <a:prstGeom prst="rect">
             <a:avLst/>
@@ -21372,7 +21372,7 @@
         </p:spPr>
         <p:txBody>
           <a:bodyPr lIns="0" rIns="0" tIns="91440" bIns="91440" anchor="t">
-            <a:normAutofit fontScale="83000"/>
+            <a:normAutofit fontScale="82000"/>
           </a:bodyPr>
           <a:p>
             <a:pPr>
@@ -21415,7 +21415,7 @@
         <p:spPr>
           <a:xfrm>
             <a:off x="621000" y="3124800"/>
-            <a:ext cx="619560" cy="619560"/>
+            <a:ext cx="619200" cy="619200"/>
           </a:xfrm>
           <a:prstGeom prst="rect">
             <a:avLst/>
@@ -21438,7 +21438,7 @@
         <p:spPr>
           <a:xfrm>
             <a:off x="1348920" y="3124800"/>
-            <a:ext cx="619560" cy="619560"/>
+            <a:ext cx="619200" cy="619200"/>
           </a:xfrm>
           <a:prstGeom prst="rect">
             <a:avLst/>
@@ -21461,7 +21461,7 @@
         <p:spPr>
           <a:xfrm>
             <a:off x="2080080" y="3124800"/>
-            <a:ext cx="619560" cy="619560"/>
+            <a:ext cx="619200" cy="619200"/>
           </a:xfrm>
           <a:prstGeom prst="rect">
             <a:avLst/>
@@ -21484,7 +21484,7 @@
         <p:spPr>
           <a:xfrm>
             <a:off x="1348920" y="3884040"/>
-            <a:ext cx="619560" cy="619560"/>
+            <a:ext cx="619200" cy="619200"/>
           </a:xfrm>
           <a:prstGeom prst="rect">
             <a:avLst/>
@@ -21507,7 +21507,7 @@
         <p:spPr>
           <a:xfrm>
             <a:off x="618120" y="3884040"/>
-            <a:ext cx="619560" cy="619560"/>
+            <a:ext cx="619200" cy="619200"/>
           </a:xfrm>
           <a:prstGeom prst="rect">
             <a:avLst/>
@@ -21530,7 +21530,7 @@
         <p:spPr>
           <a:xfrm>
             <a:off x="2079720" y="3883680"/>
-            <a:ext cx="619920" cy="619920"/>
+            <a:ext cx="619560" cy="619560"/>
           </a:xfrm>
           <a:prstGeom prst="rect">
             <a:avLst/>
@@ -21553,7 +21553,7 @@
         <p:spPr>
           <a:xfrm>
             <a:off x="1348920" y="1605600"/>
-            <a:ext cx="619920" cy="619920"/>
+            <a:ext cx="619560" cy="619560"/>
           </a:xfrm>
           <a:prstGeom prst="rect">
             <a:avLst/>
@@ -21576,7 +21576,7 @@
         <p:spPr>
           <a:xfrm>
             <a:off x="617760" y="1605600"/>
-            <a:ext cx="619920" cy="619920"/>
+            <a:ext cx="619560" cy="619560"/>
           </a:xfrm>
           <a:prstGeom prst="rect">
             <a:avLst/>
@@ -21599,7 +21599,7 @@
         <p:spPr>
           <a:xfrm>
             <a:off x="2816640" y="1597320"/>
-            <a:ext cx="619920" cy="619920"/>
+            <a:ext cx="619560" cy="619560"/>
           </a:xfrm>
           <a:prstGeom prst="rect">
             <a:avLst/>
@@ -21622,7 +21622,7 @@
         <p:spPr>
           <a:xfrm>
             <a:off x="2079720" y="1605600"/>
-            <a:ext cx="619920" cy="619920"/>
+            <a:ext cx="619560" cy="619560"/>
           </a:xfrm>
           <a:prstGeom prst="rect">
             <a:avLst/>
@@ -21645,7 +21645,7 @@
         <p:spPr>
           <a:xfrm>
             <a:off x="3553920" y="3875400"/>
-            <a:ext cx="619920" cy="619920"/>
+            <a:ext cx="619560" cy="619560"/>
           </a:xfrm>
           <a:prstGeom prst="rect">
             <a:avLst/>
@@ -21668,7 +21668,7 @@
         <p:spPr>
           <a:xfrm>
             <a:off x="3553920" y="3116160"/>
-            <a:ext cx="619920" cy="619920"/>
+            <a:ext cx="619560" cy="619560"/>
           </a:xfrm>
           <a:prstGeom prst="rect">
             <a:avLst/>
@@ -21691,7 +21691,7 @@
         <p:spPr>
           <a:xfrm>
             <a:off x="2816640" y="2356920"/>
-            <a:ext cx="619920" cy="619920"/>
+            <a:ext cx="619560" cy="619560"/>
           </a:xfrm>
           <a:prstGeom prst="rect">
             <a:avLst/>
@@ -21714,7 +21714,7 @@
         <p:spPr>
           <a:xfrm>
             <a:off x="3553920" y="1597320"/>
-            <a:ext cx="619920" cy="619920"/>
+            <a:ext cx="619560" cy="619560"/>
           </a:xfrm>
           <a:prstGeom prst="rect">
             <a:avLst/>
@@ -21737,7 +21737,7 @@
         <p:spPr>
           <a:xfrm>
             <a:off x="623880" y="2365200"/>
-            <a:ext cx="619920" cy="619920"/>
+            <a:ext cx="619560" cy="619560"/>
           </a:xfrm>
           <a:prstGeom prst="rect">
             <a:avLst/>
@@ -21760,7 +21760,7 @@
         <p:spPr>
           <a:xfrm>
             <a:off x="2079720" y="2365200"/>
-            <a:ext cx="619920" cy="619920"/>
+            <a:ext cx="619560" cy="619560"/>
           </a:xfrm>
           <a:prstGeom prst="rect">
             <a:avLst/>
@@ -21783,7 +21783,7 @@
         <p:spPr>
           <a:xfrm>
             <a:off x="1348920" y="2365200"/>
-            <a:ext cx="619920" cy="619920"/>
+            <a:ext cx="619560" cy="619560"/>
           </a:xfrm>
           <a:prstGeom prst="rect">
             <a:avLst/>
@@ -21806,7 +21806,7 @@
         <p:spPr>
           <a:xfrm>
             <a:off x="3553920" y="2356920"/>
-            <a:ext cx="619920" cy="619920"/>
+            <a:ext cx="619560" cy="619560"/>
           </a:xfrm>
           <a:prstGeom prst="rect">
             <a:avLst/>
@@ -21829,7 +21829,7 @@
         <p:spPr>
           <a:xfrm>
             <a:off x="2817000" y="3116520"/>
-            <a:ext cx="619560" cy="619560"/>
+            <a:ext cx="619200" cy="619200"/>
           </a:xfrm>
           <a:prstGeom prst="rect">
             <a:avLst/>
@@ -21852,7 +21852,7 @@
         <p:spPr>
           <a:xfrm>
             <a:off x="2817000" y="3875760"/>
-            <a:ext cx="619560" cy="619560"/>
+            <a:ext cx="619200" cy="619200"/>
           </a:xfrm>
           <a:prstGeom prst="rect">
             <a:avLst/>
@@ -21875,7 +21875,7 @@
         <p:spPr>
           <a:xfrm>
             <a:off x="527040" y="1137600"/>
-            <a:ext cx="1578600" cy="410040"/>
+            <a:ext cx="1578240" cy="409680"/>
           </a:xfrm>
           <a:prstGeom prst="rect">
             <a:avLst/>
@@ -21887,7 +21887,7 @@
         </p:spPr>
         <p:txBody>
           <a:bodyPr lIns="0" rIns="0" tIns="91440" bIns="91440" anchor="t">
-            <a:normAutofit fontScale="85000"/>
+            <a:normAutofit fontScale="84000"/>
           </a:bodyPr>
           <a:p>
             <a:pPr>
@@ -21930,7 +21930,7 @@
         <p:spPr>
           <a:xfrm>
             <a:off x="4444200" y="1137600"/>
-            <a:ext cx="1973160" cy="410040"/>
+            <a:ext cx="1972800" cy="409680"/>
           </a:xfrm>
           <a:prstGeom prst="rect">
             <a:avLst/>
@@ -21942,7 +21942,7 @@
         </p:spPr>
         <p:txBody>
           <a:bodyPr lIns="0" rIns="0" tIns="91440" bIns="91440" anchor="t">
-            <a:normAutofit fontScale="85000"/>
+            <a:normAutofit fontScale="84000"/>
           </a:bodyPr>
           <a:p>
             <a:pPr>
@@ -21985,7 +21985,7 @@
         <p:spPr>
           <a:xfrm>
             <a:off x="4523400" y="2135880"/>
-            <a:ext cx="439200" cy="439200"/>
+            <a:ext cx="438840" cy="438840"/>
           </a:xfrm>
           <a:prstGeom prst="rect">
             <a:avLst/>
@@ -22008,7 +22008,7 @@
         <p:spPr>
           <a:xfrm>
             <a:off x="6162120" y="4088160"/>
-            <a:ext cx="442080" cy="442080"/>
+            <a:ext cx="441720" cy="441720"/>
           </a:xfrm>
           <a:prstGeom prst="rect">
             <a:avLst/>
@@ -22031,7 +22031,7 @@
         <p:spPr>
           <a:xfrm>
             <a:off x="4557960" y="2776320"/>
-            <a:ext cx="442080" cy="442080"/>
+            <a:ext cx="441720" cy="441720"/>
           </a:xfrm>
           <a:prstGeom prst="rect">
             <a:avLst/>
@@ -22054,7 +22054,7 @@
         <p:spPr>
           <a:xfrm>
             <a:off x="4557960" y="3485160"/>
-            <a:ext cx="442080" cy="442080"/>
+            <a:ext cx="441720" cy="441720"/>
           </a:xfrm>
           <a:prstGeom prst="rect">
             <a:avLst/>
@@ -22077,7 +22077,7 @@
         <p:spPr>
           <a:xfrm>
             <a:off x="5060160" y="2135880"/>
-            <a:ext cx="439200" cy="439200"/>
+            <a:ext cx="438840" cy="438840"/>
           </a:xfrm>
           <a:prstGeom prst="rect">
             <a:avLst/>
@@ -22100,7 +22100,7 @@
         <p:spPr>
           <a:xfrm>
             <a:off x="6162120" y="3484800"/>
-            <a:ext cx="442080" cy="442080"/>
+            <a:ext cx="441720" cy="441720"/>
           </a:xfrm>
           <a:prstGeom prst="rect">
             <a:avLst/>
@@ -22123,7 +22123,7 @@
         <p:spPr>
           <a:xfrm>
             <a:off x="5077080" y="2776320"/>
-            <a:ext cx="442080" cy="442080"/>
+            <a:ext cx="441720" cy="441720"/>
           </a:xfrm>
           <a:prstGeom prst="rect">
             <a:avLst/>
@@ -22146,7 +22146,7 @@
         <p:spPr>
           <a:xfrm>
             <a:off x="5077080" y="3485160"/>
-            <a:ext cx="442080" cy="442080"/>
+            <a:ext cx="441720" cy="441720"/>
           </a:xfrm>
           <a:prstGeom prst="rect">
             <a:avLst/>
@@ -22169,7 +22169,7 @@
         <p:spPr>
           <a:xfrm>
             <a:off x="5609520" y="2135880"/>
-            <a:ext cx="439200" cy="439200"/>
+            <a:ext cx="438840" cy="438840"/>
           </a:xfrm>
           <a:prstGeom prst="rect">
             <a:avLst/>
@@ -22192,7 +22192,7 @@
         <p:spPr>
           <a:xfrm>
             <a:off x="5609520" y="1597320"/>
-            <a:ext cx="439200" cy="439200"/>
+            <a:ext cx="438840" cy="438840"/>
           </a:xfrm>
           <a:prstGeom prst="rect">
             <a:avLst/>
@@ -22215,7 +22215,7 @@
         <p:spPr>
           <a:xfrm>
             <a:off x="5616720" y="2776320"/>
-            <a:ext cx="442080" cy="442080"/>
+            <a:ext cx="441720" cy="441720"/>
           </a:xfrm>
           <a:prstGeom prst="rect">
             <a:avLst/>
@@ -22238,7 +22238,7 @@
         <p:spPr>
           <a:xfrm>
             <a:off x="5616720" y="3485160"/>
-            <a:ext cx="442080" cy="442080"/>
+            <a:ext cx="441720" cy="441720"/>
           </a:xfrm>
           <a:prstGeom prst="rect">
             <a:avLst/>
@@ -22261,7 +22261,7 @@
         <p:spPr>
           <a:xfrm>
             <a:off x="4523400" y="1597320"/>
-            <a:ext cx="439200" cy="439200"/>
+            <a:ext cx="438840" cy="438840"/>
           </a:xfrm>
           <a:prstGeom prst="rect">
             <a:avLst/>
@@ -22284,7 +22284,7 @@
         <p:spPr>
           <a:xfrm>
             <a:off x="6163560" y="1596960"/>
-            <a:ext cx="439200" cy="439200"/>
+            <a:ext cx="438840" cy="438840"/>
           </a:xfrm>
           <a:prstGeom prst="rect">
             <a:avLst/>
@@ -22307,7 +22307,7 @@
         <p:spPr>
           <a:xfrm>
             <a:off x="6162120" y="2775960"/>
-            <a:ext cx="442080" cy="442080"/>
+            <a:ext cx="441720" cy="441720"/>
           </a:xfrm>
           <a:prstGeom prst="rect">
             <a:avLst/>
@@ -22330,7 +22330,7 @@
         <p:spPr>
           <a:xfrm>
             <a:off x="5616720" y="4088520"/>
-            <a:ext cx="442080" cy="442080"/>
+            <a:ext cx="441720" cy="441720"/>
           </a:xfrm>
           <a:prstGeom prst="rect">
             <a:avLst/>
@@ -22353,7 +22353,7 @@
         <p:spPr>
           <a:xfrm>
             <a:off x="5060160" y="1597320"/>
-            <a:ext cx="439200" cy="439200"/>
+            <a:ext cx="438840" cy="438840"/>
           </a:xfrm>
           <a:prstGeom prst="rect">
             <a:avLst/>
@@ -22376,7 +22376,7 @@
         <p:spPr>
           <a:xfrm>
             <a:off x="6163560" y="2135520"/>
-            <a:ext cx="439200" cy="439200"/>
+            <a:ext cx="438840" cy="438840"/>
           </a:xfrm>
           <a:prstGeom prst="rect">
             <a:avLst/>
@@ -22399,7 +22399,7 @@
         <p:spPr>
           <a:xfrm>
             <a:off x="4604760" y="4088520"/>
-            <a:ext cx="442080" cy="442080"/>
+            <a:ext cx="441720" cy="441720"/>
           </a:xfrm>
           <a:prstGeom prst="rect">
             <a:avLst/>
@@ -22422,7 +22422,7 @@
         <p:spPr>
           <a:xfrm>
             <a:off x="5077080" y="4088520"/>
-            <a:ext cx="442080" cy="442080"/>
+            <a:ext cx="441720" cy="441720"/>
           </a:xfrm>
           <a:prstGeom prst="rect">
             <a:avLst/>
@@ -22476,7 +22476,7 @@
         <p:spPr>
           <a:xfrm>
             <a:off x="0" y="0"/>
-            <a:ext cx="9142920" cy="5142600"/>
+            <a:ext cx="9142560" cy="5142240"/>
           </a:xfrm>
           <a:prstGeom prst="rect">
             <a:avLst/>
@@ -22495,7 +22495,7 @@
         <p:spPr>
           <a:xfrm>
             <a:off x="360000" y="3625560"/>
-            <a:ext cx="3003840" cy="846720"/>
+            <a:ext cx="3003480" cy="846360"/>
           </a:xfrm>
           <a:prstGeom prst="wedgeRectCallout">
             <a:avLst>
@@ -22620,7 +22620,7 @@
         <p:spPr>
           <a:xfrm>
             <a:off x="766800" y="1805040"/>
-            <a:ext cx="7934400" cy="1294560"/>
+            <a:ext cx="7934040" cy="1294200"/>
           </a:xfrm>
           <a:prstGeom prst="rect">
             <a:avLst/>
@@ -22703,7 +22703,7 @@
         <p:spPr>
           <a:xfrm>
             <a:off x="857160" y="3516120"/>
-            <a:ext cx="525600" cy="525600"/>
+            <a:ext cx="525240" cy="525240"/>
           </a:xfrm>
           <a:prstGeom prst="rect">
             <a:avLst/>
@@ -22726,7 +22726,7 @@
         <p:spPr>
           <a:xfrm>
             <a:off x="1584720" y="3516120"/>
-            <a:ext cx="525600" cy="525600"/>
+            <a:ext cx="525240" cy="525240"/>
           </a:xfrm>
           <a:prstGeom prst="rect">
             <a:avLst/>
@@ -22779,7 +22779,7 @@
         <p:spPr>
           <a:xfrm>
             <a:off x="500400" y="330840"/>
-            <a:ext cx="8519400" cy="1094760"/>
+            <a:ext cx="8519040" cy="1094400"/>
           </a:xfrm>
           <a:prstGeom prst="rect">
             <a:avLst/>
@@ -22835,7 +22835,7 @@
         <p:spPr>
           <a:xfrm>
             <a:off x="5509080" y="1187640"/>
-            <a:ext cx="3340800" cy="1801080"/>
+            <a:ext cx="3340440" cy="1800720"/>
           </a:xfrm>
           <a:prstGeom prst="rect">
             <a:avLst/>
@@ -23036,7 +23036,7 @@
         <p:spPr>
           <a:xfrm>
             <a:off x="619560" y="1290600"/>
-            <a:ext cx="4713120" cy="3431160"/>
+            <a:ext cx="4712760" cy="3430800"/>
           </a:xfrm>
           <a:prstGeom prst="rect">
             <a:avLst/>
@@ -23063,7 +23063,7 @@
         <p:spPr>
           <a:xfrm>
             <a:off x="5765760" y="3258720"/>
-            <a:ext cx="2142000" cy="1463040"/>
+            <a:ext cx="2141640" cy="1462680"/>
           </a:xfrm>
           <a:prstGeom prst="rect">
             <a:avLst/>
@@ -23119,7 +23119,7 @@
         <p:spPr>
           <a:xfrm>
             <a:off x="500400" y="330840"/>
-            <a:ext cx="8519400" cy="1094760"/>
+            <a:ext cx="8519040" cy="1094400"/>
           </a:xfrm>
           <a:prstGeom prst="rect">
             <a:avLst/>
@@ -23175,7 +23175,7 @@
         <p:spPr>
           <a:xfrm>
             <a:off x="6408360" y="1316160"/>
-            <a:ext cx="2414880" cy="1413000"/>
+            <a:ext cx="2414520" cy="1412640"/>
           </a:xfrm>
           <a:prstGeom prst="rect">
             <a:avLst/>
@@ -23285,7 +23285,7 @@
         <p:spPr>
           <a:xfrm>
             <a:off x="636120" y="1316160"/>
-            <a:ext cx="5581440" cy="3237840"/>
+            <a:ext cx="5581080" cy="3237480"/>
           </a:xfrm>
           <a:prstGeom prst="rect">
             <a:avLst/>
@@ -23337,7 +23337,7 @@
         <p:spPr>
           <a:xfrm>
             <a:off x="630000" y="2716200"/>
-            <a:ext cx="1032840" cy="1982520"/>
+            <a:ext cx="1032480" cy="1982160"/>
           </a:xfrm>
           <a:prstGeom prst="rect">
             <a:avLst/>
@@ -23391,7 +23391,7 @@
         <p:spPr>
           <a:xfrm>
             <a:off x="500400" y="821160"/>
-            <a:ext cx="8519400" cy="1840680"/>
+            <a:ext cx="8519040" cy="1840320"/>
           </a:xfrm>
           <a:prstGeom prst="rect">
             <a:avLst/>
@@ -23479,7 +23479,7 @@
         <p:spPr>
           <a:xfrm>
             <a:off x="3135600" y="2979000"/>
-            <a:ext cx="5855400" cy="586440"/>
+            <a:ext cx="5855040" cy="586080"/>
           </a:xfrm>
           <a:prstGeom prst="rect">
             <a:avLst/>
@@ -23535,7 +23535,7 @@
         <p:spPr>
           <a:xfrm>
             <a:off x="3135600" y="3662640"/>
-            <a:ext cx="5855400" cy="1031760"/>
+            <a:ext cx="5855040" cy="1031400"/>
           </a:xfrm>
           <a:prstGeom prst="rect">
             <a:avLst/>
@@ -23644,7 +23644,7 @@
         <p:spPr>
           <a:xfrm>
             <a:off x="559080" y="342360"/>
-            <a:ext cx="6517080" cy="573120"/>
+            <a:ext cx="6516720" cy="572760"/>
           </a:xfrm>
           <a:prstGeom prst="rect">
             <a:avLst/>
@@ -23701,7 +23701,7 @@
         <p:spPr>
           <a:xfrm>
             <a:off x="696960" y="1099800"/>
-            <a:ext cx="2588400" cy="382680"/>
+            <a:ext cx="2588040" cy="382320"/>
           </a:xfrm>
           <a:prstGeom prst="roundRect">
             <a:avLst>
@@ -23762,7 +23762,7 @@
         <p:spPr>
           <a:xfrm>
             <a:off x="696960" y="1729440"/>
-            <a:ext cx="2588400" cy="382680"/>
+            <a:ext cx="2588040" cy="382320"/>
           </a:xfrm>
           <a:prstGeom prst="roundRect">
             <a:avLst>
@@ -23823,7 +23823,7 @@
         <p:spPr>
           <a:xfrm>
             <a:off x="696960" y="2369880"/>
-            <a:ext cx="2588400" cy="382680"/>
+            <a:ext cx="2588040" cy="382320"/>
           </a:xfrm>
           <a:prstGeom prst="roundRect">
             <a:avLst>
@@ -23884,7 +23884,7 @@
         <p:spPr>
           <a:xfrm>
             <a:off x="696960" y="3009960"/>
-            <a:ext cx="2588400" cy="382680"/>
+            <a:ext cx="2588040" cy="382320"/>
           </a:xfrm>
           <a:prstGeom prst="roundRect">
             <a:avLst>
@@ -23945,7 +23945,7 @@
         <p:spPr>
           <a:xfrm>
             <a:off x="696960" y="3608280"/>
-            <a:ext cx="2588400" cy="382680"/>
+            <a:ext cx="2588040" cy="382320"/>
           </a:xfrm>
           <a:prstGeom prst="roundRect">
             <a:avLst>
@@ -24006,7 +24006,7 @@
         <p:spPr>
           <a:xfrm>
             <a:off x="696960" y="4206600"/>
-            <a:ext cx="2588400" cy="382680"/>
+            <a:ext cx="2588040" cy="382320"/>
           </a:xfrm>
           <a:prstGeom prst="roundRect">
             <a:avLst>
@@ -24149,13 +24149,13 @@
           <p:nvPr/>
         </p:nvCxnSpPr>
         <p:spPr>
-          <a:xfrm rot="10800000">
-            <a:off x="696960" y="3201120"/>
-            <a:ext cx="360" cy="640440"/>
+          <a:xfrm flipV="1" rot="16200000">
+            <a:off x="376920" y="3520800"/>
+            <a:ext cx="640800" cy="720"/>
           </a:xfrm>
           <a:prstGeom prst="curvedConnector3">
             <a:avLst>
-              <a:gd name="adj1" fmla="val -56200000"/>
+              <a:gd name="adj1" fmla="val 24957"/>
             </a:avLst>
           </a:prstGeom>
           <a:ln w="19050">
@@ -24174,13 +24174,13 @@
           <p:nvPr/>
         </p:nvCxnSpPr>
         <p:spPr>
-          <a:xfrm rot="10800000">
-            <a:off x="742320" y="3841200"/>
-            <a:ext cx="360" cy="640440"/>
+          <a:xfrm flipV="1" rot="16200000">
+            <a:off x="422280" y="4160880"/>
+            <a:ext cx="640800" cy="720"/>
           </a:xfrm>
           <a:prstGeom prst="curvedConnector3">
             <a:avLst>
-              <a:gd name="adj1" fmla="val -56200000"/>
+              <a:gd name="adj1" fmla="val 24957"/>
             </a:avLst>
           </a:prstGeom>
           <a:ln w="19050">
@@ -24231,7 +24231,7 @@
         <p:spPr>
           <a:xfrm>
             <a:off x="494640" y="455760"/>
-            <a:ext cx="8519400" cy="1305000"/>
+            <a:ext cx="8519040" cy="1304640"/>
           </a:xfrm>
           <a:prstGeom prst="rect">
             <a:avLst/>
@@ -24288,7 +24288,7 @@
         <p:spPr>
           <a:xfrm>
             <a:off x="900000" y="2129760"/>
-            <a:ext cx="7559280" cy="857520"/>
+            <a:ext cx="7558920" cy="857160"/>
           </a:xfrm>
           <a:prstGeom prst="rect">
             <a:avLst/>
@@ -24383,7 +24383,7 @@
         <p:spPr>
           <a:xfrm>
             <a:off x="900000" y="3285720"/>
-            <a:ext cx="7019280" cy="601560"/>
+            <a:ext cx="7018920" cy="601200"/>
           </a:xfrm>
           <a:prstGeom prst="rect">
             <a:avLst/>
@@ -24471,7 +24471,7 @@
         <p:spPr>
           <a:xfrm>
             <a:off x="500400" y="330840"/>
-            <a:ext cx="8519400" cy="1094760"/>
+            <a:ext cx="8519040" cy="1094400"/>
           </a:xfrm>
           <a:prstGeom prst="rect">
             <a:avLst/>
@@ -24523,7 +24523,7 @@
         <p:spPr>
           <a:xfrm>
             <a:off x="720000" y="1728000"/>
-            <a:ext cx="6839280" cy="345600"/>
+            <a:ext cx="6838920" cy="345240"/>
           </a:xfrm>
           <a:prstGeom prst="rect">
             <a:avLst/>
@@ -24618,7 +24618,7 @@
         <p:spPr>
           <a:xfrm>
             <a:off x="720000" y="2247120"/>
-            <a:ext cx="4105800" cy="345600"/>
+            <a:ext cx="4105440" cy="345240"/>
           </a:xfrm>
           <a:prstGeom prst="rect">
             <a:avLst/>
@@ -24713,7 +24713,7 @@
         <p:spPr>
           <a:xfrm>
             <a:off x="720360" y="2787120"/>
-            <a:ext cx="6983280" cy="601560"/>
+            <a:ext cx="6982920" cy="601200"/>
           </a:xfrm>
           <a:prstGeom prst="rect">
             <a:avLst/>
@@ -24824,7 +24824,7 @@
         <p:spPr>
           <a:xfrm>
             <a:off x="500400" y="330840"/>
-            <a:ext cx="8519400" cy="1094760"/>
+            <a:ext cx="8519040" cy="1094400"/>
           </a:xfrm>
           <a:prstGeom prst="rect">
             <a:avLst/>
@@ -24893,7 +24893,7 @@
         <p:spPr>
           <a:xfrm>
             <a:off x="720000" y="2031120"/>
-            <a:ext cx="2586240" cy="345600"/>
+            <a:ext cx="2585880" cy="345240"/>
           </a:xfrm>
           <a:prstGeom prst="rect">
             <a:avLst/>
@@ -24947,7 +24947,7 @@
         <p:spPr>
           <a:xfrm>
             <a:off x="720360" y="2391120"/>
-            <a:ext cx="5695200" cy="345600"/>
+            <a:ext cx="5694840" cy="345240"/>
           </a:xfrm>
           <a:prstGeom prst="rect">
             <a:avLst/>
@@ -25001,7 +25001,7 @@
         <p:spPr>
           <a:xfrm>
             <a:off x="720360" y="2751120"/>
-            <a:ext cx="4834440" cy="345600"/>
+            <a:ext cx="4834080" cy="345240"/>
           </a:xfrm>
           <a:prstGeom prst="rect">
             <a:avLst/>
@@ -25055,7 +25055,7 @@
         <p:spPr>
           <a:xfrm>
             <a:off x="720360" y="3075120"/>
-            <a:ext cx="7918920" cy="345600"/>
+            <a:ext cx="7918560" cy="345240"/>
           </a:xfrm>
           <a:prstGeom prst="rect">
             <a:avLst/>
@@ -25307,7 +25307,7 @@
         <p:spPr>
           <a:xfrm>
             <a:off x="500400" y="330840"/>
-            <a:ext cx="8519400" cy="568440"/>
+            <a:ext cx="8519040" cy="568080"/>
           </a:xfrm>
           <a:prstGeom prst="rect">
             <a:avLst/>
@@ -25358,7 +25358,7 @@
         <p:spPr>
           <a:xfrm>
             <a:off x="180000" y="842760"/>
-            <a:ext cx="8639280" cy="2396520"/>
+            <a:ext cx="8638920" cy="2396160"/>
           </a:xfrm>
           <a:prstGeom prst="rect">
             <a:avLst/>
@@ -25691,7 +25691,7 @@
         <p:spPr>
           <a:xfrm>
             <a:off x="360000" y="3888000"/>
-            <a:ext cx="359280" cy="359280"/>
+            <a:ext cx="358920" cy="358920"/>
           </a:xfrm>
           <a:prstGeom prst="ellipse">
             <a:avLst/>
@@ -25740,7 +25740,7 @@
         <p:spPr>
           <a:xfrm>
             <a:off x="7020000" y="4068000"/>
-            <a:ext cx="359280" cy="359280"/>
+            <a:ext cx="358920" cy="358920"/>
           </a:xfrm>
           <a:prstGeom prst="ellipse">
             <a:avLst/>
@@ -25789,7 +25789,7 @@
         <p:spPr>
           <a:xfrm>
             <a:off x="1080000" y="3708000"/>
-            <a:ext cx="359280" cy="359280"/>
+            <a:ext cx="358920" cy="358920"/>
           </a:xfrm>
           <a:prstGeom prst="ellipse">
             <a:avLst/>
@@ -25838,7 +25838,7 @@
         <p:spPr>
           <a:xfrm>
             <a:off x="1980000" y="3888000"/>
-            <a:ext cx="359280" cy="359280"/>
+            <a:ext cx="358920" cy="358920"/>
           </a:xfrm>
           <a:prstGeom prst="ellipse">
             <a:avLst/>
@@ -25887,7 +25887,7 @@
         <p:spPr>
           <a:xfrm>
             <a:off x="2880000" y="3528000"/>
-            <a:ext cx="359280" cy="359280"/>
+            <a:ext cx="358920" cy="358920"/>
           </a:xfrm>
           <a:prstGeom prst="ellipse">
             <a:avLst/>
@@ -25936,7 +25936,7 @@
         <p:spPr>
           <a:xfrm>
             <a:off x="3780000" y="3888000"/>
-            <a:ext cx="359280" cy="359280"/>
+            <a:ext cx="358920" cy="358920"/>
           </a:xfrm>
           <a:prstGeom prst="ellipse">
             <a:avLst/>
@@ -25985,7 +25985,7 @@
         <p:spPr>
           <a:xfrm>
             <a:off x="4680000" y="3528000"/>
-            <a:ext cx="359280" cy="359280"/>
+            <a:ext cx="358920" cy="358920"/>
           </a:xfrm>
           <a:prstGeom prst="ellipse">
             <a:avLst/>
@@ -26034,7 +26034,7 @@
         <p:spPr>
           <a:xfrm>
             <a:off x="169200" y="4248000"/>
-            <a:ext cx="730080" cy="218160"/>
+            <a:ext cx="729720" cy="217800"/>
           </a:xfrm>
           <a:prstGeom prst="rect">
             <a:avLst/>
@@ -26130,7 +26130,7 @@
         <p:spPr>
           <a:xfrm>
             <a:off x="720000" y="3489120"/>
-            <a:ext cx="1413000" cy="218160"/>
+            <a:ext cx="1412640" cy="217800"/>
           </a:xfrm>
           <a:prstGeom prst="rect">
             <a:avLst/>
@@ -26226,7 +26226,7 @@
         <p:spPr>
           <a:xfrm>
             <a:off x="1620000" y="4248000"/>
-            <a:ext cx="1172160" cy="218160"/>
+            <a:ext cx="1171800" cy="217800"/>
           </a:xfrm>
           <a:prstGeom prst="rect">
             <a:avLst/>
@@ -26322,7 +26322,7 @@
         <p:spPr>
           <a:xfrm>
             <a:off x="2671200" y="3309120"/>
-            <a:ext cx="1108080" cy="218160"/>
+            <a:ext cx="1107720" cy="217800"/>
           </a:xfrm>
           <a:prstGeom prst="rect">
             <a:avLst/>
@@ -26418,7 +26418,7 @@
         <p:spPr>
           <a:xfrm>
             <a:off x="3420000" y="4248000"/>
-            <a:ext cx="1330560" cy="218160"/>
+            <a:ext cx="1330200" cy="217800"/>
           </a:xfrm>
           <a:prstGeom prst="rect">
             <a:avLst/>
@@ -26472,7 +26472,7 @@
         <p:spPr>
           <a:xfrm>
             <a:off x="4680000" y="3348000"/>
-            <a:ext cx="518400" cy="218160"/>
+            <a:ext cx="518040" cy="217800"/>
           </a:xfrm>
           <a:prstGeom prst="rect">
             <a:avLst/>
@@ -26526,7 +26526,7 @@
         <p:spPr>
           <a:xfrm>
             <a:off x="5760000" y="3888000"/>
-            <a:ext cx="359280" cy="359280"/>
+            <a:ext cx="358920" cy="358920"/>
           </a:xfrm>
           <a:prstGeom prst="ellipse">
             <a:avLst/>
@@ -26659,7 +26659,7 @@
         <p:spPr>
           <a:xfrm>
             <a:off x="5453280" y="4248000"/>
-            <a:ext cx="846000" cy="218160"/>
+            <a:ext cx="845640" cy="217800"/>
           </a:xfrm>
           <a:prstGeom prst="rect">
             <a:avLst/>
@@ -26755,7 +26755,7 @@
         <p:spPr>
           <a:xfrm>
             <a:off x="6840000" y="3888000"/>
-            <a:ext cx="846000" cy="218160"/>
+            <a:ext cx="845640" cy="217800"/>
           </a:xfrm>
           <a:prstGeom prst="rect">
             <a:avLst/>
@@ -26809,7 +26809,7 @@
         <p:spPr>
           <a:xfrm>
             <a:off x="5760000" y="3168000"/>
-            <a:ext cx="359280" cy="359280"/>
+            <a:ext cx="358920" cy="358920"/>
           </a:xfrm>
           <a:prstGeom prst="ellipse">
             <a:avLst/>
@@ -26900,7 +26900,7 @@
         <p:spPr>
           <a:xfrm>
             <a:off x="5633280" y="2949120"/>
-            <a:ext cx="846000" cy="218160"/>
+            <a:ext cx="845640" cy="217800"/>
           </a:xfrm>
           <a:prstGeom prst="rect">
             <a:avLst/>
@@ -26996,7 +26996,7 @@
         <p:spPr>
           <a:xfrm>
             <a:off x="6840000" y="2988000"/>
-            <a:ext cx="359280" cy="359280"/>
+            <a:ext cx="358920" cy="358920"/>
           </a:xfrm>
           <a:prstGeom prst="ellipse">
             <a:avLst/>
@@ -27045,7 +27045,7 @@
         <p:spPr>
           <a:xfrm>
             <a:off x="6713280" y="2808000"/>
-            <a:ext cx="846000" cy="218160"/>
+            <a:ext cx="845640" cy="217800"/>
           </a:xfrm>
           <a:prstGeom prst="rect">
             <a:avLst/>
@@ -27133,7 +27133,7 @@
         <p:spPr>
           <a:xfrm>
             <a:off x="500400" y="330840"/>
-            <a:ext cx="8519400" cy="1094760"/>
+            <a:ext cx="8519040" cy="1094400"/>
           </a:xfrm>
           <a:prstGeom prst="rect">
             <a:avLst/>
@@ -27222,8 +27222,8 @@
         </p:blipFill>
         <p:spPr>
           <a:xfrm>
-            <a:off x="180000" y="1080000"/>
-            <a:ext cx="8815680" cy="3419280"/>
+            <a:off x="180000" y="1260000"/>
+            <a:ext cx="8820000" cy="3240000"/>
           </a:xfrm>
           <a:prstGeom prst="rect">
             <a:avLst/>

--- a/k8s/PROJ/Защита проекта распределенная справочная система на основе графовой БД.pptx
+++ b/k8s/PROJ/Защита проекта распределенная справочная система на основе графовой БД.pptx
@@ -793,7 +793,7 @@
         <p:txBody>
           <a:bodyPr/>
           <a:p>
-            <a:fld id="{D789F452-1F69-4516-B141-D574CA8E98A4}" type="slidenum">
+            <a:fld id="{533B0F18-D689-412F-B864-3D854279E551}" type="slidenum">
               <a:t>&lt;#&gt;</a:t>
             </a:fld>
           </a:p>
@@ -915,7 +915,7 @@
         <p:txBody>
           <a:bodyPr/>
           <a:p>
-            <a:fld id="{27CE7561-F844-4517-9A22-E0D806B6AECB}" type="slidenum">
+            <a:fld id="{93100884-7ECC-4FF9-A37B-56B5038DDDE2}" type="slidenum">
               <a:t>&lt;#&gt;</a:t>
             </a:fld>
           </a:p>
@@ -1040,7 +1040,7 @@
         <p:txBody>
           <a:bodyPr/>
           <a:p>
-            <a:fld id="{7BF93D31-0128-4577-9FDD-A987AAAD7FF9}" type="slidenum">
+            <a:fld id="{74460BBA-2CA5-48D8-BC28-9A1CEABB164A}" type="slidenum">
               <a:t>&lt;#&gt;</a:t>
             </a:fld>
           </a:p>
@@ -1208,7 +1208,7 @@
         <p:txBody>
           <a:bodyPr/>
           <a:p>
-            <a:fld id="{E9491F1F-44E2-4636-B1F5-4BD49676EC7B}" type="slidenum">
+            <a:fld id="{C8449F86-D2B9-400B-8AAC-E40ED79F05C9}" type="slidenum">
               <a:t>&lt;#&gt;</a:t>
             </a:fld>
           </a:p>
@@ -1290,7 +1290,7 @@
         <p:txBody>
           <a:bodyPr/>
           <a:p>
-            <a:fld id="{77780982-6CCC-4E5A-842D-92D3AED6A133}" type="slidenum">
+            <a:fld id="{88D99273-516E-4F2C-8EBA-6AC71A5E4A85}" type="slidenum">
               <a:t>&lt;#&gt;</a:t>
             </a:fld>
           </a:p>
@@ -1370,7 +1370,7 @@
         <p:txBody>
           <a:bodyPr/>
           <a:p>
-            <a:fld id="{EA83AB22-23F8-47AA-8F05-DBBCFD061D2D}" type="slidenum">
+            <a:fld id="{641F2A98-87CF-4E70-A01D-84ECD90E3907}" type="slidenum">
               <a:t>&lt;#&gt;</a:t>
             </a:fld>
           </a:p>
@@ -1581,7 +1581,7 @@
         <p:txBody>
           <a:bodyPr/>
           <a:p>
-            <a:fld id="{E6B28B30-8742-4329-8B3A-89EB428B08F5}" type="slidenum">
+            <a:fld id="{15F4CA2B-E8EB-4845-B675-8D04D745557E}" type="slidenum">
               <a:t>&lt;#&gt;</a:t>
             </a:fld>
           </a:p>
@@ -1894,7 +1894,7 @@
         <p:txBody>
           <a:bodyPr/>
           <a:p>
-            <a:fld id="{C64F863E-7E82-4E98-93D7-708B979153A2}" type="slidenum">
+            <a:fld id="{DC09AF2B-BB86-4F96-9D5E-CD28BF97470F}" type="slidenum">
               <a:t>&lt;#&gt;</a:t>
             </a:fld>
           </a:p>
@@ -2105,7 +2105,7 @@
         <p:txBody>
           <a:bodyPr/>
           <a:p>
-            <a:fld id="{F04A98B1-DED3-48A6-AB20-A1573A9C6FBB}" type="slidenum">
+            <a:fld id="{5CBC1740-A759-4382-A84A-7D8D130047F1}" type="slidenum">
               <a:t>&lt;#&gt;</a:t>
             </a:fld>
           </a:p>
@@ -2273,7 +2273,7 @@
         <p:txBody>
           <a:bodyPr/>
           <a:p>
-            <a:fld id="{74FA049F-09EC-4765-B8D3-F7DE1B917606}" type="slidenum">
+            <a:fld id="{75B36DAA-425A-4899-BF5B-80B212CB5C43}" type="slidenum">
               <a:t>&lt;#&gt;</a:t>
             </a:fld>
           </a:p>
@@ -2527,7 +2527,7 @@
         <p:txBody>
           <a:bodyPr/>
           <a:p>
-            <a:fld id="{5C544F38-E836-4F28-AF82-1C839D9F0F1F}" type="slidenum">
+            <a:fld id="{D4CEB8C0-F562-42EC-B569-F394B0FB8067}" type="slidenum">
               <a:t>&lt;#&gt;</a:t>
             </a:fld>
           </a:p>
@@ -2867,7 +2867,7 @@
         <p:txBody>
           <a:bodyPr/>
           <a:p>
-            <a:fld id="{CCCF6F06-9F16-41EC-A432-B5268E5CF6D5}" type="slidenum">
+            <a:fld id="{5198AAC5-B252-471C-AE6B-306AF9A894AA}" type="slidenum">
               <a:t>&lt;#&gt;</a:t>
             </a:fld>
           </a:p>
@@ -2909,7 +2909,7 @@
         <p:txBody>
           <a:bodyPr/>
           <a:p>
-            <a:fld id="{43B4B042-8AB5-4742-A653-26B60C8228B1}" type="slidenum">
+            <a:fld id="{2F62341F-E76B-40AD-A8D3-4598244344B8}" type="slidenum">
               <a:t>&lt;#&gt;</a:t>
             </a:fld>
           </a:p>
@@ -3031,7 +3031,7 @@
         <p:txBody>
           <a:bodyPr/>
           <a:p>
-            <a:fld id="{71A7A83B-BAC1-4CF8-B6D4-B639B5F78979}" type="slidenum">
+            <a:fld id="{717D4AB2-CB34-42AB-B00B-30FF1DB5A176}" type="slidenum">
               <a:t>&lt;#&gt;</a:t>
             </a:fld>
           </a:p>
@@ -3156,7 +3156,7 @@
         <p:txBody>
           <a:bodyPr/>
           <a:p>
-            <a:fld id="{831F79D6-403D-4618-9341-848AA6C7E205}" type="slidenum">
+            <a:fld id="{F0CBC909-67CB-416A-9F9E-C8E1BF97FC7D}" type="slidenum">
               <a:t>&lt;#&gt;</a:t>
             </a:fld>
           </a:p>
@@ -3324,7 +3324,7 @@
         <p:txBody>
           <a:bodyPr/>
           <a:p>
-            <a:fld id="{3B33E870-28DC-443E-8930-94C074F8737B}" type="slidenum">
+            <a:fld id="{2102713F-0783-4636-B4CF-86B7D0FF5B46}" type="slidenum">
               <a:t>&lt;#&gt;</a:t>
             </a:fld>
           </a:p>
@@ -3406,7 +3406,7 @@
         <p:txBody>
           <a:bodyPr/>
           <a:p>
-            <a:fld id="{D0ADF551-0C80-4F35-B655-EADB996EB03C}" type="slidenum">
+            <a:fld id="{2F4DEF80-E711-41C7-A763-79857C50D816}" type="slidenum">
               <a:t>&lt;#&gt;</a:t>
             </a:fld>
           </a:p>
@@ -3591,7 +3591,7 @@
         <p:txBody>
           <a:bodyPr/>
           <a:p>
-            <a:fld id="{33D661A9-A924-44F1-B8E8-485B5B32B660}" type="slidenum">
+            <a:fld id="{C0D6CA9D-CE87-455D-9040-E8CE4D45A247}" type="slidenum">
               <a:t>&lt;#&gt;</a:t>
             </a:fld>
           </a:p>
@@ -3802,7 +3802,7 @@
         <p:txBody>
           <a:bodyPr/>
           <a:p>
-            <a:fld id="{19574846-A32B-44C3-B9A0-505AB458A7D1}" type="slidenum">
+            <a:fld id="{F3C1C7EB-50E9-4DFC-B92E-486797E313B2}" type="slidenum">
               <a:t>&lt;#&gt;</a:t>
             </a:fld>
           </a:p>
@@ -4013,7 +4013,7 @@
         <p:txBody>
           <a:bodyPr/>
           <a:p>
-            <a:fld id="{347E6AB5-543C-49AB-A1F3-5661946D480D}" type="slidenum">
+            <a:fld id="{BBCB3AC1-37B2-48E2-B24E-6DDED537B4C1}" type="slidenum">
               <a:t>&lt;#&gt;</a:t>
             </a:fld>
           </a:p>
@@ -4224,7 +4224,7 @@
         <p:txBody>
           <a:bodyPr/>
           <a:p>
-            <a:fld id="{3FAEAD3A-7039-4DDE-8DBF-A0F4E9733EE3}" type="slidenum">
+            <a:fld id="{E96BB446-81CF-42F9-986A-BBCB69E8E0B9}" type="slidenum">
               <a:t>&lt;#&gt;</a:t>
             </a:fld>
           </a:p>
@@ -4392,7 +4392,7 @@
         <p:txBody>
           <a:bodyPr/>
           <a:p>
-            <a:fld id="{6C13258E-1146-44AE-9565-67A2D490D644}" type="slidenum">
+            <a:fld id="{E0EC7875-0C53-4B0E-BB6A-EE77C737450F}" type="slidenum">
               <a:t>&lt;#&gt;</a:t>
             </a:fld>
           </a:p>
@@ -4646,7 +4646,7 @@
         <p:txBody>
           <a:bodyPr/>
           <a:p>
-            <a:fld id="{56B979CD-E027-471F-AD40-B5D27D7BC159}" type="slidenum">
+            <a:fld id="{DC471FDB-506A-41A4-8DFB-80F4164F07CF}" type="slidenum">
               <a:t>&lt;#&gt;</a:t>
             </a:fld>
           </a:p>
@@ -4986,7 +4986,7 @@
         <p:txBody>
           <a:bodyPr/>
           <a:p>
-            <a:fld id="{2BB71A87-47A4-4220-8595-51A60869A241}" type="slidenum">
+            <a:fld id="{600BF94A-8B09-4642-9DE7-B080CECE0535}" type="slidenum">
               <a:t>&lt;#&gt;</a:t>
             </a:fld>
           </a:p>
@@ -6950,7 +6950,7 @@
         <p:txBody>
           <a:bodyPr/>
           <a:p>
-            <a:fld id="{E2249D74-ACBF-498F-AA2F-35B00B0F719F}" type="slidenum">
+            <a:fld id="{313EF945-A72F-46AE-8A6E-3A40FB9682FD}" type="slidenum">
               <a:t>&lt;#&gt;</a:t>
             </a:fld>
           </a:p>
@@ -7134,7 +7134,7 @@
         <p:txBody>
           <a:bodyPr/>
           <a:p>
-            <a:fld id="{432DD90C-7DCC-4778-8FE3-4E4B4D69DA54}" type="slidenum">
+            <a:fld id="{3E5CBDE6-54FF-49A5-8055-95167848C340}" type="slidenum">
               <a:t>&lt;#&gt;</a:t>
             </a:fld>
           </a:p>
@@ -7259,7 +7259,7 @@
         <p:txBody>
           <a:bodyPr/>
           <a:p>
-            <a:fld id="{7805FCA9-A726-4A4C-A059-F3AAF4F14FA4}" type="slidenum">
+            <a:fld id="{9B01421F-67CE-42A5-BEE7-E29FF08ACDE5}" type="slidenum">
               <a:t>&lt;#&gt;</a:t>
             </a:fld>
           </a:p>
@@ -7427,7 +7427,7 @@
         <p:txBody>
           <a:bodyPr/>
           <a:p>
-            <a:fld id="{17B915CC-E3F8-435B-83B8-A465E296C043}" type="slidenum">
+            <a:fld id="{4A454B8A-678D-4624-8779-59DD32287BBE}" type="slidenum">
               <a:t>&lt;#&gt;</a:t>
             </a:fld>
           </a:p>
@@ -7509,7 +7509,7 @@
         <p:txBody>
           <a:bodyPr/>
           <a:p>
-            <a:fld id="{D212411B-13B7-4339-AE02-94F4241603F4}" type="slidenum">
+            <a:fld id="{35DD76E9-00F7-43C2-B68C-A1673070E11B}" type="slidenum">
               <a:t>&lt;#&gt;</a:t>
             </a:fld>
           </a:p>
@@ -7589,7 +7589,7 @@
         <p:txBody>
           <a:bodyPr/>
           <a:p>
-            <a:fld id="{4F5961A7-FD89-402C-8D20-D4207EB8D34A}" type="slidenum">
+            <a:fld id="{E837D803-7BCA-4BD8-A669-D262724BE48B}" type="slidenum">
               <a:t>&lt;#&gt;</a:t>
             </a:fld>
           </a:p>
@@ -7800,7 +7800,7 @@
         <p:txBody>
           <a:bodyPr/>
           <a:p>
-            <a:fld id="{73F26EA8-EE95-4ECB-BEC1-B0D8DF50CA03}" type="slidenum">
+            <a:fld id="{8E661211-AB55-4133-A18C-4275C7F97403}" type="slidenum">
               <a:t>&lt;#&gt;</a:t>
             </a:fld>
           </a:p>
@@ -8011,7 +8011,7 @@
         <p:txBody>
           <a:bodyPr/>
           <a:p>
-            <a:fld id="{566906A6-2CC7-458F-B190-98D242EBE8DE}" type="slidenum">
+            <a:fld id="{1A9F2AE8-6364-4048-9FB6-ACECD79E40AD}" type="slidenum">
               <a:t>&lt;#&gt;</a:t>
             </a:fld>
           </a:p>
@@ -8222,7 +8222,7 @@
         <p:txBody>
           <a:bodyPr/>
           <a:p>
-            <a:fld id="{EA489C2D-5EF1-45C1-8278-A758CA4442F8}" type="slidenum">
+            <a:fld id="{E45C0602-B509-4D8D-AFB1-491F5F92B4ED}" type="slidenum">
               <a:t>&lt;#&gt;</a:t>
             </a:fld>
           </a:p>
@@ -8390,7 +8390,7 @@
         <p:txBody>
           <a:bodyPr/>
           <a:p>
-            <a:fld id="{174D3019-A658-42FD-8754-A50CD4F6B174}" type="slidenum">
+            <a:fld id="{6BF19DB0-10AB-41A7-BE37-50C0BB3D17E4}" type="slidenum">
               <a:t>&lt;#&gt;</a:t>
             </a:fld>
           </a:p>
@@ -8644,7 +8644,7 @@
         <p:txBody>
           <a:bodyPr/>
           <a:p>
-            <a:fld id="{D14533A4-51A0-4543-A047-859E4D97517F}" type="slidenum">
+            <a:fld id="{DB6E3063-9119-4EA1-A1F7-A627AE159C5F}" type="slidenum">
               <a:t>&lt;#&gt;</a:t>
             </a:fld>
           </a:p>
@@ -9044,7 +9044,7 @@
         <p:txBody>
           <a:bodyPr/>
           <a:p>
-            <a:fld id="{53C58131-E0D1-46B7-A809-265903247EF8}" type="slidenum">
+            <a:fld id="{748CCDDE-4F2D-4787-8E1B-A4CF5E98FFBD}" type="slidenum">
               <a:t>&lt;#&gt;</a:t>
             </a:fld>
           </a:p>
@@ -9086,7 +9086,7 @@
         <p:txBody>
           <a:bodyPr/>
           <a:p>
-            <a:fld id="{723CC2B7-AA8A-4DB7-8C6E-EA24B769E727}" type="slidenum">
+            <a:fld id="{86EE81DD-BE5F-4CA4-AB90-876FF75B1C1B}" type="slidenum">
               <a:t>&lt;#&gt;</a:t>
             </a:fld>
           </a:p>
@@ -9208,7 +9208,7 @@
         <p:txBody>
           <a:bodyPr/>
           <a:p>
-            <a:fld id="{91CCEBA2-2F9B-4A49-9B82-2E795EE23524}" type="slidenum">
+            <a:fld id="{5342AA6D-945E-43AB-B4A1-A25DA20ED853}" type="slidenum">
               <a:t>&lt;#&gt;</a:t>
             </a:fld>
           </a:p>
@@ -9333,7 +9333,7 @@
         <p:txBody>
           <a:bodyPr/>
           <a:p>
-            <a:fld id="{407B4CA8-6BF3-4CD2-9954-48775AC4914C}" type="slidenum">
+            <a:fld id="{4BE904BB-D62D-4FC3-A889-28C27EFEDE51}" type="slidenum">
               <a:t>&lt;#&gt;</a:t>
             </a:fld>
           </a:p>
@@ -9501,7 +9501,7 @@
         <p:txBody>
           <a:bodyPr/>
           <a:p>
-            <a:fld id="{1790D3FC-B502-4FDF-8C7B-A95EEE53C1D7}" type="slidenum">
+            <a:fld id="{A1D1FE57-DAAE-4D94-9998-6ACEC8809211}" type="slidenum">
               <a:t>&lt;#&gt;</a:t>
             </a:fld>
           </a:p>
@@ -9583,7 +9583,7 @@
         <p:txBody>
           <a:bodyPr/>
           <a:p>
-            <a:fld id="{E90D76F9-82FC-4163-996D-3E3550E412D2}" type="slidenum">
+            <a:fld id="{E1B76218-C3CB-4300-AC82-D64094514B49}" type="slidenum">
               <a:t>&lt;#&gt;</a:t>
             </a:fld>
           </a:p>
@@ -9663,7 +9663,7 @@
         <p:txBody>
           <a:bodyPr/>
           <a:p>
-            <a:fld id="{439DAC3C-FD69-4DEF-B02E-A87CE10CD104}" type="slidenum">
+            <a:fld id="{612D9AAA-8574-4187-9CEF-0F814258FB7E}" type="slidenum">
               <a:t>&lt;#&gt;</a:t>
             </a:fld>
           </a:p>
@@ -9874,7 +9874,7 @@
         <p:txBody>
           <a:bodyPr/>
           <a:p>
-            <a:fld id="{3F2EF7BD-71BB-491A-909C-D600101C70B5}" type="slidenum">
+            <a:fld id="{6B072F1B-1CC9-4F73-838C-B656A7BE0872}" type="slidenum">
               <a:t>&lt;#&gt;</a:t>
             </a:fld>
           </a:p>
@@ -10085,7 +10085,7 @@
         <p:txBody>
           <a:bodyPr/>
           <a:p>
-            <a:fld id="{86C20B1B-A89B-4E2A-BAE4-CD12BA0C1C35}" type="slidenum">
+            <a:fld id="{6556B736-C264-41CE-B69A-917D47AFAB6A}" type="slidenum">
               <a:t>&lt;#&gt;</a:t>
             </a:fld>
           </a:p>
@@ -10296,7 +10296,7 @@
         <p:txBody>
           <a:bodyPr/>
           <a:p>
-            <a:fld id="{6048670F-7C1E-45E0-855B-F39C582BCA0D}" type="slidenum">
+            <a:fld id="{306CB26E-6086-4781-AA14-64E040B506AF}" type="slidenum">
               <a:t>&lt;#&gt;</a:t>
             </a:fld>
           </a:p>
@@ -10655,7 +10655,7 @@
         <p:txBody>
           <a:bodyPr/>
           <a:p>
-            <a:fld id="{9E34BA24-79FC-4C08-90C7-BDDAF7A00005}" type="slidenum">
+            <a:fld id="{A11A3FD1-68BB-4DB5-9A78-DA00DE6C5BF9}" type="slidenum">
               <a:t>&lt;#&gt;</a:t>
             </a:fld>
           </a:p>
@@ -10909,7 +10909,7 @@
         <p:txBody>
           <a:bodyPr/>
           <a:p>
-            <a:fld id="{09B3F429-E923-4645-BC93-5D003E6EB553}" type="slidenum">
+            <a:fld id="{4E45442E-D5E5-4D25-A9D7-ACF2B9A07F73}" type="slidenum">
               <a:t>&lt;#&gt;</a:t>
             </a:fld>
           </a:p>
@@ -11249,7 +11249,7 @@
         <p:txBody>
           <a:bodyPr/>
           <a:p>
-            <a:fld id="{9911BF85-DC32-4634-A651-2BCB87BCE1F5}" type="slidenum">
+            <a:fld id="{181127DA-9B51-4181-B372-D3C432191A8C}" type="slidenum">
               <a:t>&lt;#&gt;</a:t>
             </a:fld>
           </a:p>
@@ -11291,7 +11291,7 @@
         <p:txBody>
           <a:bodyPr/>
           <a:p>
-            <a:fld id="{55EDFA6C-70AF-4C3C-88B2-22E0BE342FCA}" type="slidenum">
+            <a:fld id="{74BBAF1A-808D-46FB-9FB1-3ED4FAAECC5F}" type="slidenum">
               <a:t>&lt;#&gt;</a:t>
             </a:fld>
           </a:p>
@@ -11413,7 +11413,7 @@
         <p:txBody>
           <a:bodyPr/>
           <a:p>
-            <a:fld id="{91B336B1-9E1B-4940-8E19-90E69AB7C95B}" type="slidenum">
+            <a:fld id="{2FC9CAB6-DBF2-49EC-9AC0-A1D044A0BC0E}" type="slidenum">
               <a:t>&lt;#&gt;</a:t>
             </a:fld>
           </a:p>
@@ -11538,7 +11538,7 @@
         <p:txBody>
           <a:bodyPr/>
           <a:p>
-            <a:fld id="{D0231160-E7D6-4BD6-B8E0-1DA3FE1130D7}" type="slidenum">
+            <a:fld id="{7BBDC59C-AEEF-4D00-88F7-DB924DBFF7DF}" type="slidenum">
               <a:t>&lt;#&gt;</a:t>
             </a:fld>
           </a:p>
@@ -11706,7 +11706,7 @@
         <p:txBody>
           <a:bodyPr/>
           <a:p>
-            <a:fld id="{17A2635E-31C3-4537-8F75-CB7497F972C4}" type="slidenum">
+            <a:fld id="{1BB0A002-EB1A-476D-AD7F-2AC2015B9908}" type="slidenum">
               <a:t>&lt;#&gt;</a:t>
             </a:fld>
           </a:p>
@@ -11788,7 +11788,7 @@
         <p:txBody>
           <a:bodyPr/>
           <a:p>
-            <a:fld id="{6F2DCD32-3D30-4862-9A7E-76402AE65845}" type="slidenum">
+            <a:fld id="{FB8C8E2A-0E7D-439A-A6B2-86B36A9606D3}" type="slidenum">
               <a:t>&lt;#&gt;</a:t>
             </a:fld>
           </a:p>
@@ -11868,7 +11868,7 @@
         <p:txBody>
           <a:bodyPr/>
           <a:p>
-            <a:fld id="{02CCE3F6-1524-404A-B398-6C9C755D7342}" type="slidenum">
+            <a:fld id="{25B6F92D-D2B0-4CDD-8201-FBA53C6E8080}" type="slidenum">
               <a:t>&lt;#&gt;</a:t>
             </a:fld>
           </a:p>
@@ -12079,7 +12079,7 @@
         <p:txBody>
           <a:bodyPr/>
           <a:p>
-            <a:fld id="{8D61F1D4-A741-4BAA-95C8-F8BD34A20C46}" type="slidenum">
+            <a:fld id="{F468960E-46F7-4906-BCD8-400C56BFA741}" type="slidenum">
               <a:t>&lt;#&gt;</a:t>
             </a:fld>
           </a:p>
@@ -12481,7 +12481,7 @@
         <p:txBody>
           <a:bodyPr/>
           <a:p>
-            <a:fld id="{5A78F908-4D9F-4260-852D-C09E10D4D225}" type="slidenum">
+            <a:fld id="{B3DE167D-5C60-4F2A-B237-A2BC53F1896A}" type="slidenum">
               <a:t>&lt;#&gt;</a:t>
             </a:fld>
           </a:p>
@@ -12692,7 +12692,7 @@
         <p:txBody>
           <a:bodyPr/>
           <a:p>
-            <a:fld id="{683CB210-6B2D-4854-9577-B754F6118BB7}" type="slidenum">
+            <a:fld id="{5BEAA8B4-484D-4266-B3E9-F346722B463C}" type="slidenum">
               <a:t>&lt;#&gt;</a:t>
             </a:fld>
           </a:p>
@@ -12860,7 +12860,7 @@
         <p:txBody>
           <a:bodyPr/>
           <a:p>
-            <a:fld id="{D3EED898-0B9B-425B-B0CD-3B19D658EE1B}" type="slidenum">
+            <a:fld id="{5819DA98-8171-4FB1-AA47-904E946C8792}" type="slidenum">
               <a:t>&lt;#&gt;</a:t>
             </a:fld>
           </a:p>
@@ -13114,7 +13114,7 @@
         <p:txBody>
           <a:bodyPr/>
           <a:p>
-            <a:fld id="{46B16986-34F8-4161-B70D-FA157A3EE7DD}" type="slidenum">
+            <a:fld id="{FFFF2F97-39B4-4067-B32F-ADD30C3DA8ED}" type="slidenum">
               <a:t>&lt;#&gt;</a:t>
             </a:fld>
           </a:p>
@@ -13454,7 +13454,7 @@
         <p:txBody>
           <a:bodyPr/>
           <a:p>
-            <a:fld id="{A66D440F-D78A-44EC-AC1B-CE4CC1C5F3E7}" type="slidenum">
+            <a:fld id="{92442587-8D8B-4415-B119-12EB06F41660}" type="slidenum">
               <a:t>&lt;#&gt;</a:t>
             </a:fld>
           </a:p>
@@ -13695,7 +13695,7 @@
         <p:spPr>
           <a:xfrm>
             <a:off x="-18000" y="-10080"/>
-            <a:ext cx="9193320" cy="5180760"/>
+            <a:ext cx="9191880" cy="5179320"/>
           </a:xfrm>
           <a:prstGeom prst="rect">
             <a:avLst/>
@@ -14037,7 +14037,7 @@
         <p:spPr>
           <a:xfrm>
             <a:off x="8472600" y="4663080"/>
-            <a:ext cx="547200" cy="392040"/>
+            <a:ext cx="545760" cy="390600"/>
           </a:xfrm>
           <a:prstGeom prst="rect">
             <a:avLst/>
@@ -14079,7 +14079,7 @@
                 <a:tab algn="l" pos="0"/>
               </a:tabLst>
             </a:pPr>
-            <a:fld id="{9E42861B-DE07-4F1D-9096-0217E09DF3FC}" type="slidenum">
+            <a:fld id="{098923C7-AA45-4036-8F0F-185563656BD1}" type="slidenum">
               <a:rPr b="0" lang="ru" sz="1000" spc="-1" strike="noStrike">
                 <a:solidFill>
                   <a:schemeClr val="dk2"/>
@@ -14929,7 +14929,7 @@
         <p:spPr>
           <a:xfrm>
             <a:off x="8472600" y="4663080"/>
-            <a:ext cx="547200" cy="392040"/>
+            <a:ext cx="545760" cy="390600"/>
           </a:xfrm>
           <a:prstGeom prst="rect">
             <a:avLst/>
@@ -14971,7 +14971,7 @@
                 <a:tab algn="l" pos="0"/>
               </a:tabLst>
             </a:pPr>
-            <a:fld id="{44896A36-8BF1-4988-934D-5529C14C4377}" type="slidenum">
+            <a:fld id="{B8AC0E21-BC20-4E69-A5C1-7FEA0CE092CB}" type="slidenum">
               <a:rPr b="0" lang="ru" sz="1000" spc="-1" strike="noStrike">
                 <a:solidFill>
                   <a:schemeClr val="dk2"/>
@@ -15367,7 +15367,7 @@
         <p:spPr>
           <a:xfrm>
             <a:off x="8472600" y="4663080"/>
-            <a:ext cx="547200" cy="392040"/>
+            <a:ext cx="545760" cy="390600"/>
           </a:xfrm>
           <a:prstGeom prst="rect">
             <a:avLst/>
@@ -15409,7 +15409,7 @@
                 <a:tab algn="l" pos="0"/>
               </a:tabLst>
             </a:pPr>
-            <a:fld id="{CCE9B902-09CD-45B3-80BD-61E652FB2878}" type="slidenum">
+            <a:fld id="{10F812AC-E426-4E4A-8D53-78D94FD197AB}" type="slidenum">
               <a:rPr b="0" lang="ru" sz="1000" spc="-1" strike="noStrike">
                 <a:solidFill>
                   <a:schemeClr val="dk2"/>
@@ -15760,7 +15760,7 @@
         <p:spPr>
           <a:xfrm>
             <a:off x="0" y="0"/>
-            <a:ext cx="9142560" cy="5142240"/>
+            <a:ext cx="9141120" cy="5140800"/>
           </a:xfrm>
           <a:prstGeom prst="rect">
             <a:avLst/>
@@ -15783,7 +15783,7 @@
         <p:spPr>
           <a:xfrm>
             <a:off x="8472600" y="4663080"/>
-            <a:ext cx="547200" cy="392040"/>
+            <a:ext cx="545760" cy="390600"/>
           </a:xfrm>
           <a:prstGeom prst="rect">
             <a:avLst/>
@@ -15825,7 +15825,7 @@
                 <a:tab algn="l" pos="0"/>
               </a:tabLst>
             </a:pPr>
-            <a:fld id="{BA78B1CC-A9D4-4313-8116-B2D1BCD602F2}" type="slidenum">
+            <a:fld id="{71643C51-CBAF-4540-B139-8CE54D8B8BAB}" type="slidenum">
               <a:rPr b="0" lang="ru" sz="1000" spc="-1" strike="noStrike">
                 <a:solidFill>
                   <a:schemeClr val="dk2"/>
@@ -16176,7 +16176,7 @@
         <p:spPr>
           <a:xfrm>
             <a:off x="8472600" y="4663080"/>
-            <a:ext cx="547200" cy="392040"/>
+            <a:ext cx="545760" cy="390600"/>
           </a:xfrm>
           <a:prstGeom prst="rect">
             <a:avLst/>
@@ -16218,7 +16218,7 @@
                 <a:tab algn="l" pos="0"/>
               </a:tabLst>
             </a:pPr>
-            <a:fld id="{025F5378-7760-4ADB-8647-D68B03388F3C}" type="slidenum">
+            <a:fld id="{20F15102-F665-472B-9C11-45CB4FDDB2A1}" type="slidenum">
               <a:rPr b="0" lang="ru" sz="1000" spc="-1" strike="noStrike">
                 <a:solidFill>
                   <a:schemeClr val="dk2"/>
@@ -16561,7 +16561,7 @@
         <p:spPr>
           <a:xfrm>
             <a:off x="944640" y="4350600"/>
-            <a:ext cx="8291880" cy="479160"/>
+            <a:ext cx="8290440" cy="477720"/>
           </a:xfrm>
           <a:prstGeom prst="rect">
             <a:avLst/>
@@ -16616,7 +16616,7 @@
         <p:spPr>
           <a:xfrm>
             <a:off x="944640" y="1769040"/>
-            <a:ext cx="7378200" cy="2373840"/>
+            <a:ext cx="7376760" cy="2372400"/>
           </a:xfrm>
           <a:prstGeom prst="rect">
             <a:avLst/>
@@ -16711,7 +16711,7 @@
         <p:spPr>
           <a:xfrm>
             <a:off x="360000" y="2880000"/>
-            <a:ext cx="3058920" cy="1259640"/>
+            <a:ext cx="3057480" cy="1438920"/>
           </a:xfrm>
           <a:prstGeom prst="rect">
             <a:avLst/>
@@ -16764,7 +16764,7 @@
         <p:spPr>
           <a:xfrm>
             <a:off x="500400" y="330840"/>
-            <a:ext cx="8519040" cy="568080"/>
+            <a:ext cx="8517600" cy="566640"/>
           </a:xfrm>
           <a:prstGeom prst="rect">
             <a:avLst/>
@@ -16816,7 +16816,7 @@
         <p:spPr>
           <a:xfrm>
             <a:off x="4140000" y="1151280"/>
-            <a:ext cx="4138920" cy="3238920"/>
+            <a:ext cx="4137480" cy="3237480"/>
           </a:xfrm>
           <a:prstGeom prst="rect">
             <a:avLst/>
@@ -16869,7 +16869,7 @@
         <p:spPr>
           <a:xfrm>
             <a:off x="7920000" y="1306440"/>
-            <a:ext cx="322560" cy="312480"/>
+            <a:ext cx="321120" cy="311040"/>
           </a:xfrm>
           <a:prstGeom prst="rect">
             <a:avLst/>
@@ -16892,7 +16892,7 @@
         <p:spPr>
           <a:xfrm>
             <a:off x="3960000" y="1668960"/>
-            <a:ext cx="784440" cy="489960"/>
+            <a:ext cx="783000" cy="488520"/>
           </a:xfrm>
           <a:prstGeom prst="rect">
             <a:avLst/>
@@ -16915,7 +16915,7 @@
         <p:spPr>
           <a:xfrm>
             <a:off x="5297400" y="1980000"/>
-            <a:ext cx="1001520" cy="718920"/>
+            <a:ext cx="1000080" cy="717480"/>
           </a:xfrm>
           <a:prstGeom prst="rect">
             <a:avLst/>
@@ -16938,7 +16938,7 @@
         <p:spPr>
           <a:xfrm>
             <a:off x="4965120" y="3562560"/>
-            <a:ext cx="1153800" cy="576360"/>
+            <a:ext cx="1152360" cy="574920"/>
           </a:xfrm>
           <a:prstGeom prst="rect">
             <a:avLst/>
@@ -16959,12 +16959,12 @@
         </p:nvCxnSpPr>
         <p:spPr>
           <a:xfrm>
-            <a:off x="4744440" y="1913760"/>
-            <a:ext cx="553320" cy="425880"/>
+            <a:off x="4743000" y="1913040"/>
+            <a:ext cx="554760" cy="425880"/>
           </a:xfrm>
           <a:prstGeom prst="bentConnector3">
             <a:avLst>
-              <a:gd name="adj1" fmla="val 50195"/>
+              <a:gd name="adj1" fmla="val 50454"/>
             </a:avLst>
           </a:prstGeom>
           <a:ln w="0">
@@ -16985,12 +16985,12 @@
         </p:nvCxnSpPr>
         <p:spPr>
           <a:xfrm rot="5400000">
-            <a:off x="5238000" y="3002400"/>
-            <a:ext cx="864000" cy="256680"/>
+            <a:off x="5236560" y="3001680"/>
+            <a:ext cx="865440" cy="256680"/>
           </a:xfrm>
           <a:prstGeom prst="bentConnector3">
             <a:avLst>
-              <a:gd name="adj1" fmla="val 50104"/>
+              <a:gd name="adj1" fmla="val 50187"/>
             </a:avLst>
           </a:prstGeom>
           <a:ln w="0">
@@ -17013,7 +17013,7 @@
         <p:spPr>
           <a:xfrm>
             <a:off x="1505160" y="1685160"/>
-            <a:ext cx="653760" cy="653760"/>
+            <a:ext cx="652320" cy="652320"/>
           </a:xfrm>
           <a:prstGeom prst="rect">
             <a:avLst/>
@@ -17074,7 +17074,7 @@
         <p:spPr>
           <a:xfrm>
             <a:off x="360000" y="2880000"/>
-            <a:ext cx="3117960" cy="1114560"/>
+            <a:ext cx="3116520" cy="1113120"/>
           </a:xfrm>
           <a:prstGeom prst="rect">
             <a:avLst/>
@@ -17335,7 +17335,7 @@
         <p:spPr>
           <a:xfrm>
             <a:off x="5940000" y="2745720"/>
-            <a:ext cx="2115000" cy="815760"/>
+            <a:ext cx="2113560" cy="814320"/>
           </a:xfrm>
           <a:prstGeom prst="rect">
             <a:avLst/>
@@ -17354,7 +17354,7 @@
         <p:spPr>
           <a:xfrm>
             <a:off x="714600" y="1245240"/>
-            <a:ext cx="1476720" cy="345240"/>
+            <a:ext cx="2524320" cy="343800"/>
           </a:xfrm>
           <a:prstGeom prst="rect">
             <a:avLst/>
@@ -17407,8 +17407,8 @@
         </p:nvSpPr>
         <p:spPr>
           <a:xfrm>
-            <a:off x="4140000" y="1322640"/>
-            <a:ext cx="761760" cy="345240"/>
+            <a:off x="4140000" y="1324080"/>
+            <a:ext cx="940320" cy="343800"/>
           </a:xfrm>
           <a:prstGeom prst="rect">
             <a:avLst/>
@@ -17462,7 +17462,7 @@
         <p:spPr>
           <a:xfrm>
             <a:off x="5580000" y="1620000"/>
-            <a:ext cx="761760" cy="345240"/>
+            <a:ext cx="898920" cy="343800"/>
           </a:xfrm>
           <a:prstGeom prst="rect">
             <a:avLst/>
@@ -17516,7 +17516,7 @@
         <p:spPr>
           <a:xfrm>
             <a:off x="5262120" y="4044960"/>
-            <a:ext cx="496800" cy="345240"/>
+            <a:ext cx="856800" cy="343800"/>
           </a:xfrm>
           <a:prstGeom prst="rect">
             <a:avLst/>
@@ -17600,7 +17600,7 @@
         <p:spPr>
           <a:xfrm>
             <a:off x="360000" y="180000"/>
-            <a:ext cx="3958920" cy="601200"/>
+            <a:ext cx="3957480" cy="599760"/>
           </a:xfrm>
           <a:prstGeom prst="rect">
             <a:avLst/>
@@ -17654,7 +17654,7 @@
         <p:spPr>
           <a:xfrm>
             <a:off x="540000" y="487800"/>
-            <a:ext cx="1971720" cy="514800"/>
+            <a:ext cx="1970280" cy="513360"/>
           </a:xfrm>
           <a:prstGeom prst="rect">
             <a:avLst/>
@@ -17758,7 +17758,7 @@
         <p:spPr>
           <a:xfrm>
             <a:off x="180000" y="1057320"/>
-            <a:ext cx="8602560" cy="3801600"/>
+            <a:ext cx="8601120" cy="3800160"/>
           </a:xfrm>
           <a:prstGeom prst="rect">
             <a:avLst/>
@@ -17807,7 +17807,7 @@
         <p:spPr>
           <a:xfrm>
             <a:off x="360000" y="180000"/>
-            <a:ext cx="4858920" cy="358920"/>
+            <a:ext cx="4857480" cy="357480"/>
           </a:xfrm>
           <a:prstGeom prst="rect">
             <a:avLst/>
@@ -17861,7 +17861,7 @@
         <p:spPr>
           <a:xfrm>
             <a:off x="540000" y="487800"/>
-            <a:ext cx="1971720" cy="514800"/>
+            <a:ext cx="1970280" cy="513360"/>
           </a:xfrm>
           <a:prstGeom prst="rect">
             <a:avLst/>
@@ -17964,8 +17964,8 @@
         </p:blipFill>
         <p:spPr>
           <a:xfrm>
-            <a:off x="360000" y="1068840"/>
-            <a:ext cx="7558920" cy="3790080"/>
+            <a:off x="180000" y="978480"/>
+            <a:ext cx="7737480" cy="3879000"/>
           </a:xfrm>
           <a:prstGeom prst="rect">
             <a:avLst/>
@@ -18018,7 +18018,7 @@
         <p:spPr>
           <a:xfrm>
             <a:off x="500400" y="330840"/>
-            <a:ext cx="8519040" cy="1094400"/>
+            <a:ext cx="8517600" cy="1092960"/>
           </a:xfrm>
           <a:prstGeom prst="rect">
             <a:avLst/>
@@ -18497,7 +18497,7 @@
         <p:spPr>
           <a:xfrm>
             <a:off x="651600" y="396360"/>
-            <a:ext cx="7704720" cy="4089240"/>
+            <a:ext cx="7703280" cy="4087800"/>
           </a:xfrm>
           <a:prstGeom prst="rect">
             <a:avLst/>
@@ -18586,7 +18586,7 @@
         <p:spPr>
           <a:xfrm>
             <a:off x="651600" y="396360"/>
-            <a:ext cx="7704720" cy="4089240"/>
+            <a:ext cx="7703280" cy="4087800"/>
           </a:xfrm>
           <a:prstGeom prst="rect">
             <a:avLst/>
@@ -18699,7 +18699,7 @@
         <p:spPr>
           <a:xfrm>
             <a:off x="500400" y="330840"/>
-            <a:ext cx="8519040" cy="842040"/>
+            <a:ext cx="8517600" cy="840600"/>
           </a:xfrm>
           <a:prstGeom prst="rect">
             <a:avLst/>
@@ -18755,7 +18755,7 @@
         <p:spPr>
           <a:xfrm>
             <a:off x="617760" y="3852000"/>
-            <a:ext cx="619200" cy="619200"/>
+            <a:ext cx="617760" cy="617760"/>
           </a:xfrm>
           <a:prstGeom prst="rect">
             <a:avLst/>
@@ -18778,7 +18778,7 @@
         <p:spPr>
           <a:xfrm>
             <a:off x="617760" y="3113280"/>
-            <a:ext cx="619200" cy="619200"/>
+            <a:ext cx="617760" cy="617760"/>
           </a:xfrm>
           <a:prstGeom prst="rect">
             <a:avLst/>
@@ -18801,7 +18801,7 @@
         <p:spPr>
           <a:xfrm>
             <a:off x="617760" y="1596960"/>
-            <a:ext cx="619200" cy="619200"/>
+            <a:ext cx="617760" cy="617760"/>
           </a:xfrm>
           <a:prstGeom prst="rect">
             <a:avLst/>
@@ -18824,7 +18824,7 @@
         <p:spPr>
           <a:xfrm>
             <a:off x="617760" y="2355120"/>
-            <a:ext cx="619200" cy="619200"/>
+            <a:ext cx="617760" cy="617760"/>
           </a:xfrm>
           <a:prstGeom prst="rect">
             <a:avLst/>
@@ -18843,7 +18843,7 @@
         <p:spPr>
           <a:xfrm>
             <a:off x="544320" y="1126800"/>
-            <a:ext cx="2586600" cy="409680"/>
+            <a:ext cx="2585160" cy="408240"/>
           </a:xfrm>
           <a:prstGeom prst="rect">
             <a:avLst/>
@@ -18904,7 +18904,7 @@
         <p:spPr>
           <a:xfrm>
             <a:off x="1313280" y="3852000"/>
-            <a:ext cx="619200" cy="619200"/>
+            <a:ext cx="617760" cy="617760"/>
           </a:xfrm>
           <a:prstGeom prst="rect">
             <a:avLst/>
@@ -18927,7 +18927,7 @@
         <p:spPr>
           <a:xfrm>
             <a:off x="1313280" y="3113280"/>
-            <a:ext cx="619200" cy="619200"/>
+            <a:ext cx="617760" cy="617760"/>
           </a:xfrm>
           <a:prstGeom prst="rect">
             <a:avLst/>
@@ -18950,7 +18950,7 @@
         <p:spPr>
           <a:xfrm>
             <a:off x="1313280" y="1597320"/>
-            <a:ext cx="619200" cy="619200"/>
+            <a:ext cx="617760" cy="617760"/>
           </a:xfrm>
           <a:prstGeom prst="rect">
             <a:avLst/>
@@ -18973,7 +18973,7 @@
         <p:spPr>
           <a:xfrm>
             <a:off x="1313280" y="2355120"/>
-            <a:ext cx="619200" cy="619200"/>
+            <a:ext cx="617760" cy="617760"/>
           </a:xfrm>
           <a:prstGeom prst="rect">
             <a:avLst/>
@@ -18996,7 +18996,7 @@
         <p:spPr>
           <a:xfrm>
             <a:off x="2008440" y="1597320"/>
-            <a:ext cx="619200" cy="619200"/>
+            <a:ext cx="617760" cy="617760"/>
           </a:xfrm>
           <a:prstGeom prst="rect">
             <a:avLst/>
@@ -19019,7 +19019,7 @@
         <p:spPr>
           <a:xfrm>
             <a:off x="2008440" y="2355120"/>
-            <a:ext cx="619200" cy="619200"/>
+            <a:ext cx="617760" cy="617760"/>
           </a:xfrm>
           <a:prstGeom prst="rect">
             <a:avLst/>
@@ -19038,7 +19038,7 @@
         <p:spPr>
           <a:xfrm>
             <a:off x="3111840" y="1126800"/>
-            <a:ext cx="1578240" cy="409680"/>
+            <a:ext cx="1576800" cy="408240"/>
           </a:xfrm>
           <a:prstGeom prst="rect">
             <a:avLst/>
@@ -19099,7 +19099,7 @@
         <p:spPr>
           <a:xfrm>
             <a:off x="3197160" y="3852000"/>
-            <a:ext cx="619200" cy="619200"/>
+            <a:ext cx="617760" cy="617760"/>
           </a:xfrm>
           <a:prstGeom prst="rect">
             <a:avLst/>
@@ -19122,7 +19122,7 @@
         <p:spPr>
           <a:xfrm>
             <a:off x="3197160" y="3113280"/>
-            <a:ext cx="619200" cy="619200"/>
+            <a:ext cx="617760" cy="617760"/>
           </a:xfrm>
           <a:prstGeom prst="rect">
             <a:avLst/>
@@ -19145,7 +19145,7 @@
         <p:spPr>
           <a:xfrm>
             <a:off x="3197160" y="1597320"/>
-            <a:ext cx="619200" cy="619200"/>
+            <a:ext cx="617760" cy="617760"/>
           </a:xfrm>
           <a:prstGeom prst="rect">
             <a:avLst/>
@@ -19168,7 +19168,7 @@
         <p:spPr>
           <a:xfrm>
             <a:off x="3197160" y="2355120"/>
-            <a:ext cx="619200" cy="619200"/>
+            <a:ext cx="617760" cy="617760"/>
           </a:xfrm>
           <a:prstGeom prst="rect">
             <a:avLst/>
@@ -19191,7 +19191,7 @@
         <p:spPr>
           <a:xfrm>
             <a:off x="3903840" y="3113280"/>
-            <a:ext cx="619200" cy="619200"/>
+            <a:ext cx="617760" cy="617760"/>
           </a:xfrm>
           <a:prstGeom prst="rect">
             <a:avLst/>
@@ -19214,7 +19214,7 @@
         <p:spPr>
           <a:xfrm>
             <a:off x="3903840" y="1597320"/>
-            <a:ext cx="619200" cy="619200"/>
+            <a:ext cx="617760" cy="617760"/>
           </a:xfrm>
           <a:prstGeom prst="rect">
             <a:avLst/>
@@ -19237,7 +19237,7 @@
         <p:spPr>
           <a:xfrm>
             <a:off x="3903840" y="2355120"/>
-            <a:ext cx="619200" cy="619200"/>
+            <a:ext cx="617760" cy="617760"/>
           </a:xfrm>
           <a:prstGeom prst="rect">
             <a:avLst/>
@@ -19260,7 +19260,7 @@
         <p:spPr>
           <a:xfrm>
             <a:off x="4610520" y="3113280"/>
-            <a:ext cx="619200" cy="619200"/>
+            <a:ext cx="617760" cy="617760"/>
           </a:xfrm>
           <a:prstGeom prst="rect">
             <a:avLst/>
@@ -19283,7 +19283,7 @@
         <p:spPr>
           <a:xfrm>
             <a:off x="4610520" y="1597320"/>
-            <a:ext cx="619200" cy="619200"/>
+            <a:ext cx="617760" cy="617760"/>
           </a:xfrm>
           <a:prstGeom prst="rect">
             <a:avLst/>
@@ -19306,7 +19306,7 @@
         <p:spPr>
           <a:xfrm>
             <a:off x="4610520" y="2355120"/>
-            <a:ext cx="619200" cy="619200"/>
+            <a:ext cx="617760" cy="617760"/>
           </a:xfrm>
           <a:prstGeom prst="rect">
             <a:avLst/>
@@ -19329,7 +19329,7 @@
         <p:spPr>
           <a:xfrm>
             <a:off x="5317200" y="3113280"/>
-            <a:ext cx="619200" cy="619200"/>
+            <a:ext cx="617760" cy="617760"/>
           </a:xfrm>
           <a:prstGeom prst="rect">
             <a:avLst/>
@@ -19352,7 +19352,7 @@
         <p:spPr>
           <a:xfrm>
             <a:off x="5317200" y="1597320"/>
-            <a:ext cx="619200" cy="619200"/>
+            <a:ext cx="617760" cy="617760"/>
           </a:xfrm>
           <a:prstGeom prst="rect">
             <a:avLst/>
@@ -19375,7 +19375,7 @@
         <p:spPr>
           <a:xfrm>
             <a:off x="5317200" y="2355120"/>
-            <a:ext cx="619200" cy="619200"/>
+            <a:ext cx="617760" cy="617760"/>
           </a:xfrm>
           <a:prstGeom prst="rect">
             <a:avLst/>
@@ -19398,7 +19398,7 @@
         <p:spPr>
           <a:xfrm>
             <a:off x="2008440" y="3112920"/>
-            <a:ext cx="619560" cy="619560"/>
+            <a:ext cx="618120" cy="618120"/>
           </a:xfrm>
           <a:prstGeom prst="rect">
             <a:avLst/>
@@ -19421,7 +19421,7 @@
         <p:spPr>
           <a:xfrm>
             <a:off x="2008440" y="3852000"/>
-            <a:ext cx="619560" cy="619560"/>
+            <a:ext cx="618120" cy="618120"/>
           </a:xfrm>
           <a:prstGeom prst="rect">
             <a:avLst/>
@@ -19444,7 +19444,7 @@
         <p:spPr>
           <a:xfrm>
             <a:off x="3903840" y="3852000"/>
-            <a:ext cx="619560" cy="619560"/>
+            <a:ext cx="618120" cy="618120"/>
           </a:xfrm>
           <a:prstGeom prst="rect">
             <a:avLst/>
@@ -19467,7 +19467,7 @@
         <p:spPr>
           <a:xfrm>
             <a:off x="5317200" y="3852000"/>
-            <a:ext cx="619560" cy="619560"/>
+            <a:ext cx="618120" cy="618120"/>
           </a:xfrm>
           <a:prstGeom prst="rect">
             <a:avLst/>
@@ -19490,7 +19490,7 @@
         <p:spPr>
           <a:xfrm>
             <a:off x="4610520" y="3852000"/>
-            <a:ext cx="619560" cy="619560"/>
+            <a:ext cx="618120" cy="618120"/>
           </a:xfrm>
           <a:prstGeom prst="rect">
             <a:avLst/>
@@ -19509,7 +19509,7 @@
         <p:spPr>
           <a:xfrm>
             <a:off x="6135480" y="330840"/>
-            <a:ext cx="2653920" cy="619200"/>
+            <a:ext cx="2652480" cy="617760"/>
           </a:xfrm>
           <a:prstGeom prst="wedgeRectCallout">
             <a:avLst>
@@ -19578,7 +19578,7 @@
         <p:spPr>
           <a:xfrm>
             <a:off x="6545160" y="3852000"/>
-            <a:ext cx="619200" cy="619200"/>
+            <a:ext cx="617760" cy="617760"/>
           </a:xfrm>
           <a:prstGeom prst="rect">
             <a:avLst/>
@@ -19601,7 +19601,7 @@
         <p:spPr>
           <a:xfrm>
             <a:off x="6538680" y="3113280"/>
-            <a:ext cx="619200" cy="619200"/>
+            <a:ext cx="617760" cy="617760"/>
           </a:xfrm>
           <a:prstGeom prst="rect">
             <a:avLst/>
@@ -19624,7 +19624,7 @@
         <p:spPr>
           <a:xfrm>
             <a:off x="6528600" y="1597320"/>
-            <a:ext cx="619200" cy="619200"/>
+            <a:ext cx="617760" cy="617760"/>
           </a:xfrm>
           <a:prstGeom prst="rect">
             <a:avLst/>
@@ -19647,7 +19647,7 @@
         <p:spPr>
           <a:xfrm>
             <a:off x="6528600" y="2355120"/>
-            <a:ext cx="619200" cy="619200"/>
+            <a:ext cx="617760" cy="617760"/>
           </a:xfrm>
           <a:prstGeom prst="rect">
             <a:avLst/>
@@ -19670,7 +19670,7 @@
         <p:spPr>
           <a:xfrm>
             <a:off x="6455160" y="1126800"/>
-            <a:ext cx="1578240" cy="409680"/>
+            <a:ext cx="1576800" cy="408240"/>
           </a:xfrm>
           <a:prstGeom prst="rect">
             <a:avLst/>
@@ -19725,7 +19725,7 @@
         <p:spPr>
           <a:xfrm>
             <a:off x="7260480" y="3852000"/>
-            <a:ext cx="619200" cy="619200"/>
+            <a:ext cx="617760" cy="617760"/>
           </a:xfrm>
           <a:prstGeom prst="rect">
             <a:avLst/>
@@ -19748,7 +19748,7 @@
         <p:spPr>
           <a:xfrm>
             <a:off x="7254000" y="3113280"/>
-            <a:ext cx="619200" cy="619200"/>
+            <a:ext cx="617760" cy="617760"/>
           </a:xfrm>
           <a:prstGeom prst="rect">
             <a:avLst/>
@@ -19771,7 +19771,7 @@
         <p:spPr>
           <a:xfrm>
             <a:off x="7243560" y="1597320"/>
-            <a:ext cx="619200" cy="619200"/>
+            <a:ext cx="617760" cy="617760"/>
           </a:xfrm>
           <a:prstGeom prst="rect">
             <a:avLst/>
@@ -19794,7 +19794,7 @@
         <p:spPr>
           <a:xfrm>
             <a:off x="7243560" y="2355120"/>
-            <a:ext cx="619200" cy="619200"/>
+            <a:ext cx="617760" cy="617760"/>
           </a:xfrm>
           <a:prstGeom prst="rect">
             <a:avLst/>
@@ -19817,7 +19817,7 @@
         <p:spPr>
           <a:xfrm>
             <a:off x="7958880" y="1597320"/>
-            <a:ext cx="619200" cy="619200"/>
+            <a:ext cx="617760" cy="617760"/>
           </a:xfrm>
           <a:prstGeom prst="rect">
             <a:avLst/>
@@ -19840,7 +19840,7 @@
         <p:spPr>
           <a:xfrm>
             <a:off x="7958880" y="2355120"/>
-            <a:ext cx="619200" cy="619200"/>
+            <a:ext cx="617760" cy="617760"/>
           </a:xfrm>
           <a:prstGeom prst="rect">
             <a:avLst/>
@@ -19893,7 +19893,7 @@
         <p:spPr>
           <a:xfrm>
             <a:off x="500400" y="330840"/>
-            <a:ext cx="8519040" cy="842040"/>
+            <a:ext cx="8517600" cy="840600"/>
           </a:xfrm>
           <a:prstGeom prst="rect">
             <a:avLst/>
@@ -19949,7 +19949,7 @@
         <p:spPr>
           <a:xfrm>
             <a:off x="619920" y="3876840"/>
-            <a:ext cx="619200" cy="619200"/>
+            <a:ext cx="617760" cy="617760"/>
           </a:xfrm>
           <a:prstGeom prst="rect">
             <a:avLst/>
@@ -19972,7 +19972,7 @@
         <p:spPr>
           <a:xfrm>
             <a:off x="607320" y="3137760"/>
-            <a:ext cx="619200" cy="619200"/>
+            <a:ext cx="617760" cy="617760"/>
           </a:xfrm>
           <a:prstGeom prst="rect">
             <a:avLst/>
@@ -19995,7 +19995,7 @@
         <p:spPr>
           <a:xfrm>
             <a:off x="607320" y="1621800"/>
-            <a:ext cx="619200" cy="619200"/>
+            <a:ext cx="617760" cy="617760"/>
           </a:xfrm>
           <a:prstGeom prst="rect">
             <a:avLst/>
@@ -20018,7 +20018,7 @@
         <p:spPr>
           <a:xfrm>
             <a:off x="607320" y="2369160"/>
-            <a:ext cx="619200" cy="619200"/>
+            <a:ext cx="617760" cy="617760"/>
           </a:xfrm>
           <a:prstGeom prst="rect">
             <a:avLst/>
@@ -20041,7 +20041,7 @@
         <p:spPr>
           <a:xfrm>
             <a:off x="543960" y="1132560"/>
-            <a:ext cx="2586600" cy="409680"/>
+            <a:ext cx="2585160" cy="408240"/>
           </a:xfrm>
           <a:prstGeom prst="rect">
             <a:avLst/>
@@ -20096,7 +20096,7 @@
         <p:spPr>
           <a:xfrm>
             <a:off x="1332000" y="3876840"/>
-            <a:ext cx="619200" cy="619200"/>
+            <a:ext cx="617760" cy="617760"/>
           </a:xfrm>
           <a:prstGeom prst="rect">
             <a:avLst/>
@@ -20119,7 +20119,7 @@
         <p:spPr>
           <a:xfrm>
             <a:off x="1319040" y="3137760"/>
-            <a:ext cx="619200" cy="619200"/>
+            <a:ext cx="617760" cy="617760"/>
           </a:xfrm>
           <a:prstGeom prst="rect">
             <a:avLst/>
@@ -20142,7 +20142,7 @@
         <p:spPr>
           <a:xfrm>
             <a:off x="1319400" y="1621800"/>
-            <a:ext cx="619200" cy="619200"/>
+            <a:ext cx="617760" cy="617760"/>
           </a:xfrm>
           <a:prstGeom prst="rect">
             <a:avLst/>
@@ -20165,7 +20165,7 @@
         <p:spPr>
           <a:xfrm>
             <a:off x="1319400" y="2369160"/>
-            <a:ext cx="619200" cy="619200"/>
+            <a:ext cx="617760" cy="617760"/>
           </a:xfrm>
           <a:prstGeom prst="rect">
             <a:avLst/>
@@ -20188,7 +20188,7 @@
         <p:spPr>
           <a:xfrm>
             <a:off x="2043720" y="1621800"/>
-            <a:ext cx="619200" cy="619200"/>
+            <a:ext cx="617760" cy="617760"/>
           </a:xfrm>
           <a:prstGeom prst="rect">
             <a:avLst/>
@@ -20211,7 +20211,7 @@
         <p:spPr>
           <a:xfrm>
             <a:off x="2043720" y="2369160"/>
-            <a:ext cx="619200" cy="619200"/>
+            <a:ext cx="617760" cy="617760"/>
           </a:xfrm>
           <a:prstGeom prst="rect">
             <a:avLst/>
@@ -20234,7 +20234,7 @@
         <p:spPr>
           <a:xfrm>
             <a:off x="2043720" y="3137400"/>
-            <a:ext cx="619560" cy="619560"/>
+            <a:ext cx="618120" cy="618120"/>
           </a:xfrm>
           <a:prstGeom prst="rect">
             <a:avLst/>
@@ -20257,7 +20257,7 @@
         <p:spPr>
           <a:xfrm>
             <a:off x="2056320" y="3876840"/>
-            <a:ext cx="619560" cy="619560"/>
+            <a:ext cx="618120" cy="618120"/>
           </a:xfrm>
           <a:prstGeom prst="rect">
             <a:avLst/>
@@ -20280,7 +20280,7 @@
         <p:spPr>
           <a:xfrm>
             <a:off x="3243240" y="1132560"/>
-            <a:ext cx="2586600" cy="409680"/>
+            <a:ext cx="2585160" cy="408240"/>
           </a:xfrm>
           <a:prstGeom prst="rect">
             <a:avLst/>
@@ -20335,7 +20335,7 @@
         <p:spPr>
           <a:xfrm>
             <a:off x="3310920" y="3137760"/>
-            <a:ext cx="619200" cy="619200"/>
+            <a:ext cx="617760" cy="617760"/>
           </a:xfrm>
           <a:prstGeom prst="rect">
             <a:avLst/>
@@ -20358,7 +20358,7 @@
         <p:spPr>
           <a:xfrm>
             <a:off x="3310920" y="1621800"/>
-            <a:ext cx="619200" cy="619200"/>
+            <a:ext cx="617760" cy="617760"/>
           </a:xfrm>
           <a:prstGeom prst="rect">
             <a:avLst/>
@@ -20381,7 +20381,7 @@
         <p:spPr>
           <a:xfrm>
             <a:off x="3310920" y="2369160"/>
-            <a:ext cx="619200" cy="619200"/>
+            <a:ext cx="617760" cy="617760"/>
           </a:xfrm>
           <a:prstGeom prst="rect">
             <a:avLst/>
@@ -20404,7 +20404,7 @@
         <p:spPr>
           <a:xfrm>
             <a:off x="4047120" y="3137760"/>
-            <a:ext cx="619200" cy="619200"/>
+            <a:ext cx="617760" cy="617760"/>
           </a:xfrm>
           <a:prstGeom prst="rect">
             <a:avLst/>
@@ -20427,7 +20427,7 @@
         <p:spPr>
           <a:xfrm>
             <a:off x="4047120" y="1621800"/>
-            <a:ext cx="619200" cy="619200"/>
+            <a:ext cx="617760" cy="617760"/>
           </a:xfrm>
           <a:prstGeom prst="rect">
             <a:avLst/>
@@ -20450,7 +20450,7 @@
         <p:spPr>
           <a:xfrm>
             <a:off x="4047120" y="2369160"/>
-            <a:ext cx="619200" cy="619200"/>
+            <a:ext cx="617760" cy="617760"/>
           </a:xfrm>
           <a:prstGeom prst="rect">
             <a:avLst/>
@@ -20473,7 +20473,7 @@
         <p:spPr>
           <a:xfrm>
             <a:off x="3310920" y="3876840"/>
-            <a:ext cx="619200" cy="619200"/>
+            <a:ext cx="617760" cy="617760"/>
           </a:xfrm>
           <a:prstGeom prst="rect">
             <a:avLst/>
@@ -20496,7 +20496,7 @@
         <p:spPr>
           <a:xfrm>
             <a:off x="4783320" y="1621800"/>
-            <a:ext cx="619200" cy="619200"/>
+            <a:ext cx="617760" cy="617760"/>
           </a:xfrm>
           <a:prstGeom prst="rect">
             <a:avLst/>
@@ -20519,7 +20519,7 @@
         <p:spPr>
           <a:xfrm>
             <a:off x="4047120" y="3876840"/>
-            <a:ext cx="619200" cy="619200"/>
+            <a:ext cx="617760" cy="617760"/>
           </a:xfrm>
           <a:prstGeom prst="rect">
             <a:avLst/>
@@ -20542,7 +20542,7 @@
         <p:spPr>
           <a:xfrm>
             <a:off x="4782960" y="2369160"/>
-            <a:ext cx="619560" cy="619560"/>
+            <a:ext cx="618120" cy="618120"/>
           </a:xfrm>
           <a:prstGeom prst="rect">
             <a:avLst/>
@@ -20565,7 +20565,7 @@
         <p:spPr>
           <a:xfrm>
             <a:off x="4782960" y="3137400"/>
-            <a:ext cx="619560" cy="619560"/>
+            <a:ext cx="618120" cy="618120"/>
           </a:xfrm>
           <a:prstGeom prst="rect">
             <a:avLst/>
@@ -20588,7 +20588,7 @@
         <p:spPr>
           <a:xfrm>
             <a:off x="4782960" y="3876840"/>
-            <a:ext cx="619560" cy="619560"/>
+            <a:ext cx="618120" cy="618120"/>
           </a:xfrm>
           <a:prstGeom prst="rect">
             <a:avLst/>
@@ -20611,7 +20611,7 @@
         <p:spPr>
           <a:xfrm>
             <a:off x="5851080" y="1132560"/>
-            <a:ext cx="1578240" cy="409680"/>
+            <a:ext cx="1576800" cy="408240"/>
           </a:xfrm>
           <a:prstGeom prst="rect">
             <a:avLst/>
@@ -20666,7 +20666,7 @@
         <p:spPr>
           <a:xfrm>
             <a:off x="5929560" y="3876840"/>
-            <a:ext cx="619200" cy="619200"/>
+            <a:ext cx="617760" cy="617760"/>
           </a:xfrm>
           <a:prstGeom prst="rect">
             <a:avLst/>
@@ -20689,7 +20689,7 @@
         <p:spPr>
           <a:xfrm>
             <a:off x="5929560" y="3137760"/>
-            <a:ext cx="619200" cy="619200"/>
+            <a:ext cx="617760" cy="617760"/>
           </a:xfrm>
           <a:prstGeom prst="rect">
             <a:avLst/>
@@ -20712,7 +20712,7 @@
         <p:spPr>
           <a:xfrm>
             <a:off x="5929560" y="1621800"/>
-            <a:ext cx="619200" cy="619200"/>
+            <a:ext cx="617760" cy="617760"/>
           </a:xfrm>
           <a:prstGeom prst="rect">
             <a:avLst/>
@@ -20735,7 +20735,7 @@
         <p:spPr>
           <a:xfrm>
             <a:off x="5929560" y="2369160"/>
-            <a:ext cx="619200" cy="619200"/>
+            <a:ext cx="617760" cy="617760"/>
           </a:xfrm>
           <a:prstGeom prst="rect">
             <a:avLst/>
@@ -20758,7 +20758,7 @@
         <p:spPr>
           <a:xfrm>
             <a:off x="6654240" y="3876840"/>
-            <a:ext cx="619200" cy="619200"/>
+            <a:ext cx="617760" cy="617760"/>
           </a:xfrm>
           <a:prstGeom prst="rect">
             <a:avLst/>
@@ -20781,7 +20781,7 @@
         <p:spPr>
           <a:xfrm>
             <a:off x="6654240" y="3137760"/>
-            <a:ext cx="619200" cy="619200"/>
+            <a:ext cx="617760" cy="617760"/>
           </a:xfrm>
           <a:prstGeom prst="rect">
             <a:avLst/>
@@ -20804,7 +20804,7 @@
         <p:spPr>
           <a:xfrm>
             <a:off x="6654240" y="1621800"/>
-            <a:ext cx="619200" cy="619200"/>
+            <a:ext cx="617760" cy="617760"/>
           </a:xfrm>
           <a:prstGeom prst="rect">
             <a:avLst/>
@@ -20827,7 +20827,7 @@
         <p:spPr>
           <a:xfrm>
             <a:off x="6654240" y="2369160"/>
-            <a:ext cx="619200" cy="619200"/>
+            <a:ext cx="617760" cy="617760"/>
           </a:xfrm>
           <a:prstGeom prst="rect">
             <a:avLst/>
@@ -20850,7 +20850,7 @@
         <p:spPr>
           <a:xfrm>
             <a:off x="7378920" y="3876840"/>
-            <a:ext cx="619200" cy="619200"/>
+            <a:ext cx="617760" cy="617760"/>
           </a:xfrm>
           <a:prstGeom prst="rect">
             <a:avLst/>
@@ -20873,7 +20873,7 @@
         <p:spPr>
           <a:xfrm>
             <a:off x="7378920" y="3137760"/>
-            <a:ext cx="619200" cy="619200"/>
+            <a:ext cx="617760" cy="617760"/>
           </a:xfrm>
           <a:prstGeom prst="rect">
             <a:avLst/>
@@ -20896,7 +20896,7 @@
         <p:spPr>
           <a:xfrm>
             <a:off x="7378920" y="1621800"/>
-            <a:ext cx="619200" cy="619200"/>
+            <a:ext cx="617760" cy="617760"/>
           </a:xfrm>
           <a:prstGeom prst="rect">
             <a:avLst/>
@@ -20919,7 +20919,7 @@
         <p:spPr>
           <a:xfrm>
             <a:off x="7378920" y="2369160"/>
-            <a:ext cx="619200" cy="619200"/>
+            <a:ext cx="617760" cy="617760"/>
           </a:xfrm>
           <a:prstGeom prst="rect">
             <a:avLst/>
@@ -20942,7 +20942,7 @@
         <p:spPr>
           <a:xfrm>
             <a:off x="8087040" y="3137760"/>
-            <a:ext cx="619200" cy="619200"/>
+            <a:ext cx="617760" cy="617760"/>
           </a:xfrm>
           <a:prstGeom prst="rect">
             <a:avLst/>
@@ -20965,7 +20965,7 @@
         <p:spPr>
           <a:xfrm>
             <a:off x="8087040" y="1621800"/>
-            <a:ext cx="619200" cy="619200"/>
+            <a:ext cx="617760" cy="617760"/>
           </a:xfrm>
           <a:prstGeom prst="rect">
             <a:avLst/>
@@ -20988,7 +20988,7 @@
         <p:spPr>
           <a:xfrm>
             <a:off x="8087040" y="2369160"/>
-            <a:ext cx="619200" cy="619200"/>
+            <a:ext cx="617760" cy="617760"/>
           </a:xfrm>
           <a:prstGeom prst="rect">
             <a:avLst/>
@@ -21011,7 +21011,7 @@
         <p:spPr>
           <a:xfrm>
             <a:off x="8087040" y="3876840"/>
-            <a:ext cx="619200" cy="619200"/>
+            <a:ext cx="617760" cy="617760"/>
           </a:xfrm>
           <a:prstGeom prst="rect">
             <a:avLst/>
@@ -21064,7 +21064,7 @@
         <p:spPr>
           <a:xfrm>
             <a:off x="500400" y="330840"/>
-            <a:ext cx="8519040" cy="842040"/>
+            <a:ext cx="8517600" cy="840600"/>
           </a:xfrm>
           <a:prstGeom prst="rect">
             <a:avLst/>
@@ -21120,7 +21120,7 @@
         <p:spPr>
           <a:xfrm>
             <a:off x="6906600" y="1131120"/>
-            <a:ext cx="2722680" cy="409680"/>
+            <a:ext cx="2721240" cy="408240"/>
           </a:xfrm>
           <a:prstGeom prst="rect">
             <a:avLst/>
@@ -21176,7 +21176,7 @@
         <p:spPr>
           <a:xfrm>
             <a:off x="6988320" y="3112920"/>
-            <a:ext cx="619200" cy="619200"/>
+            <a:ext cx="617760" cy="617760"/>
           </a:xfrm>
           <a:prstGeom prst="rect">
             <a:avLst/>
@@ -21199,7 +21199,7 @@
         <p:spPr>
           <a:xfrm>
             <a:off x="6988320" y="1596960"/>
-            <a:ext cx="619560" cy="619560"/>
+            <a:ext cx="618120" cy="618120"/>
           </a:xfrm>
           <a:prstGeom prst="rect">
             <a:avLst/>
@@ -21222,7 +21222,7 @@
         <p:spPr>
           <a:xfrm>
             <a:off x="6988320" y="2355120"/>
-            <a:ext cx="619200" cy="619200"/>
+            <a:ext cx="617760" cy="617760"/>
           </a:xfrm>
           <a:prstGeom prst="rect">
             <a:avLst/>
@@ -21245,7 +21245,7 @@
         <p:spPr>
           <a:xfrm>
             <a:off x="6988320" y="3832920"/>
-            <a:ext cx="619560" cy="619560"/>
+            <a:ext cx="618120" cy="618120"/>
           </a:xfrm>
           <a:prstGeom prst="rect">
             <a:avLst/>
@@ -21268,7 +21268,7 @@
         <p:spPr>
           <a:xfrm>
             <a:off x="7728480" y="2358360"/>
-            <a:ext cx="619200" cy="619200"/>
+            <a:ext cx="617760" cy="617760"/>
           </a:xfrm>
           <a:prstGeom prst="rect">
             <a:avLst/>
@@ -21291,7 +21291,7 @@
         <p:spPr>
           <a:xfrm>
             <a:off x="7728480" y="1596960"/>
-            <a:ext cx="619560" cy="619560"/>
+            <a:ext cx="618120" cy="618120"/>
           </a:xfrm>
           <a:prstGeom prst="rect">
             <a:avLst/>
@@ -21314,7 +21314,7 @@
         <p:spPr>
           <a:xfrm>
             <a:off x="7728120" y="3116160"/>
-            <a:ext cx="619560" cy="619560"/>
+            <a:ext cx="618120" cy="618120"/>
           </a:xfrm>
           <a:prstGeom prst="rect">
             <a:avLst/>
@@ -21337,7 +21337,7 @@
         <p:spPr>
           <a:xfrm>
             <a:off x="7728120" y="3836160"/>
-            <a:ext cx="619560" cy="619560"/>
+            <a:ext cx="618120" cy="618120"/>
           </a:xfrm>
           <a:prstGeom prst="rect">
             <a:avLst/>
@@ -21360,7 +21360,7 @@
         <p:spPr>
           <a:xfrm>
             <a:off x="6906600" y="1131120"/>
-            <a:ext cx="1578240" cy="409680"/>
+            <a:ext cx="1576800" cy="408240"/>
           </a:xfrm>
           <a:prstGeom prst="rect">
             <a:avLst/>
@@ -21415,7 +21415,7 @@
         <p:spPr>
           <a:xfrm>
             <a:off x="621000" y="3124800"/>
-            <a:ext cx="619200" cy="619200"/>
+            <a:ext cx="617760" cy="617760"/>
           </a:xfrm>
           <a:prstGeom prst="rect">
             <a:avLst/>
@@ -21438,7 +21438,7 @@
         <p:spPr>
           <a:xfrm>
             <a:off x="1348920" y="3124800"/>
-            <a:ext cx="619200" cy="619200"/>
+            <a:ext cx="617760" cy="617760"/>
           </a:xfrm>
           <a:prstGeom prst="rect">
             <a:avLst/>
@@ -21461,7 +21461,7 @@
         <p:spPr>
           <a:xfrm>
             <a:off x="2080080" y="3124800"/>
-            <a:ext cx="619200" cy="619200"/>
+            <a:ext cx="617760" cy="617760"/>
           </a:xfrm>
           <a:prstGeom prst="rect">
             <a:avLst/>
@@ -21484,7 +21484,7 @@
         <p:spPr>
           <a:xfrm>
             <a:off x="1348920" y="3884040"/>
-            <a:ext cx="619200" cy="619200"/>
+            <a:ext cx="617760" cy="617760"/>
           </a:xfrm>
           <a:prstGeom prst="rect">
             <a:avLst/>
@@ -21507,7 +21507,7 @@
         <p:spPr>
           <a:xfrm>
             <a:off x="618120" y="3884040"/>
-            <a:ext cx="619200" cy="619200"/>
+            <a:ext cx="617760" cy="617760"/>
           </a:xfrm>
           <a:prstGeom prst="rect">
             <a:avLst/>
@@ -21530,7 +21530,7 @@
         <p:spPr>
           <a:xfrm>
             <a:off x="2079720" y="3883680"/>
-            <a:ext cx="619560" cy="619560"/>
+            <a:ext cx="618120" cy="618120"/>
           </a:xfrm>
           <a:prstGeom prst="rect">
             <a:avLst/>
@@ -21553,7 +21553,7 @@
         <p:spPr>
           <a:xfrm>
             <a:off x="1348920" y="1605600"/>
-            <a:ext cx="619560" cy="619560"/>
+            <a:ext cx="618120" cy="618120"/>
           </a:xfrm>
           <a:prstGeom prst="rect">
             <a:avLst/>
@@ -21576,7 +21576,7 @@
         <p:spPr>
           <a:xfrm>
             <a:off x="617760" y="1605600"/>
-            <a:ext cx="619560" cy="619560"/>
+            <a:ext cx="618120" cy="618120"/>
           </a:xfrm>
           <a:prstGeom prst="rect">
             <a:avLst/>
@@ -21599,7 +21599,7 @@
         <p:spPr>
           <a:xfrm>
             <a:off x="2816640" y="1597320"/>
-            <a:ext cx="619560" cy="619560"/>
+            <a:ext cx="618120" cy="618120"/>
           </a:xfrm>
           <a:prstGeom prst="rect">
             <a:avLst/>
@@ -21622,7 +21622,7 @@
         <p:spPr>
           <a:xfrm>
             <a:off x="2079720" y="1605600"/>
-            <a:ext cx="619560" cy="619560"/>
+            <a:ext cx="618120" cy="618120"/>
           </a:xfrm>
           <a:prstGeom prst="rect">
             <a:avLst/>
@@ -21645,7 +21645,7 @@
         <p:spPr>
           <a:xfrm>
             <a:off x="3553920" y="3875400"/>
-            <a:ext cx="619560" cy="619560"/>
+            <a:ext cx="618120" cy="618120"/>
           </a:xfrm>
           <a:prstGeom prst="rect">
             <a:avLst/>
@@ -21668,7 +21668,7 @@
         <p:spPr>
           <a:xfrm>
             <a:off x="3553920" y="3116160"/>
-            <a:ext cx="619560" cy="619560"/>
+            <a:ext cx="618120" cy="618120"/>
           </a:xfrm>
           <a:prstGeom prst="rect">
             <a:avLst/>
@@ -21691,7 +21691,7 @@
         <p:spPr>
           <a:xfrm>
             <a:off x="2816640" y="2356920"/>
-            <a:ext cx="619560" cy="619560"/>
+            <a:ext cx="618120" cy="618120"/>
           </a:xfrm>
           <a:prstGeom prst="rect">
             <a:avLst/>
@@ -21714,7 +21714,7 @@
         <p:spPr>
           <a:xfrm>
             <a:off x="3553920" y="1597320"/>
-            <a:ext cx="619560" cy="619560"/>
+            <a:ext cx="618120" cy="618120"/>
           </a:xfrm>
           <a:prstGeom prst="rect">
             <a:avLst/>
@@ -21737,7 +21737,7 @@
         <p:spPr>
           <a:xfrm>
             <a:off x="623880" y="2365200"/>
-            <a:ext cx="619560" cy="619560"/>
+            <a:ext cx="618120" cy="618120"/>
           </a:xfrm>
           <a:prstGeom prst="rect">
             <a:avLst/>
@@ -21760,7 +21760,7 @@
         <p:spPr>
           <a:xfrm>
             <a:off x="2079720" y="2365200"/>
-            <a:ext cx="619560" cy="619560"/>
+            <a:ext cx="618120" cy="618120"/>
           </a:xfrm>
           <a:prstGeom prst="rect">
             <a:avLst/>
@@ -21783,7 +21783,7 @@
         <p:spPr>
           <a:xfrm>
             <a:off x="1348920" y="2365200"/>
-            <a:ext cx="619560" cy="619560"/>
+            <a:ext cx="618120" cy="618120"/>
           </a:xfrm>
           <a:prstGeom prst="rect">
             <a:avLst/>
@@ -21806,7 +21806,7 @@
         <p:spPr>
           <a:xfrm>
             <a:off x="3553920" y="2356920"/>
-            <a:ext cx="619560" cy="619560"/>
+            <a:ext cx="618120" cy="618120"/>
           </a:xfrm>
           <a:prstGeom prst="rect">
             <a:avLst/>
@@ -21829,7 +21829,7 @@
         <p:spPr>
           <a:xfrm>
             <a:off x="2817000" y="3116520"/>
-            <a:ext cx="619200" cy="619200"/>
+            <a:ext cx="617760" cy="617760"/>
           </a:xfrm>
           <a:prstGeom prst="rect">
             <a:avLst/>
@@ -21852,7 +21852,7 @@
         <p:spPr>
           <a:xfrm>
             <a:off x="2817000" y="3875760"/>
-            <a:ext cx="619200" cy="619200"/>
+            <a:ext cx="617760" cy="617760"/>
           </a:xfrm>
           <a:prstGeom prst="rect">
             <a:avLst/>
@@ -21875,7 +21875,7 @@
         <p:spPr>
           <a:xfrm>
             <a:off x="527040" y="1137600"/>
-            <a:ext cx="1578240" cy="409680"/>
+            <a:ext cx="1576800" cy="408240"/>
           </a:xfrm>
           <a:prstGeom prst="rect">
             <a:avLst/>
@@ -21930,7 +21930,7 @@
         <p:spPr>
           <a:xfrm>
             <a:off x="4444200" y="1137600"/>
-            <a:ext cx="1972800" cy="409680"/>
+            <a:ext cx="1971360" cy="408240"/>
           </a:xfrm>
           <a:prstGeom prst="rect">
             <a:avLst/>
@@ -21985,7 +21985,7 @@
         <p:spPr>
           <a:xfrm>
             <a:off x="4523400" y="2135880"/>
-            <a:ext cx="438840" cy="438840"/>
+            <a:ext cx="437400" cy="437400"/>
           </a:xfrm>
           <a:prstGeom prst="rect">
             <a:avLst/>
@@ -22008,7 +22008,7 @@
         <p:spPr>
           <a:xfrm>
             <a:off x="6162120" y="4088160"/>
-            <a:ext cx="441720" cy="441720"/>
+            <a:ext cx="440280" cy="440280"/>
           </a:xfrm>
           <a:prstGeom prst="rect">
             <a:avLst/>
@@ -22031,7 +22031,7 @@
         <p:spPr>
           <a:xfrm>
             <a:off x="4557960" y="2776320"/>
-            <a:ext cx="441720" cy="441720"/>
+            <a:ext cx="440280" cy="440280"/>
           </a:xfrm>
           <a:prstGeom prst="rect">
             <a:avLst/>
@@ -22054,7 +22054,7 @@
         <p:spPr>
           <a:xfrm>
             <a:off x="4557960" y="3485160"/>
-            <a:ext cx="441720" cy="441720"/>
+            <a:ext cx="440280" cy="440280"/>
           </a:xfrm>
           <a:prstGeom prst="rect">
             <a:avLst/>
@@ -22077,7 +22077,7 @@
         <p:spPr>
           <a:xfrm>
             <a:off x="5060160" y="2135880"/>
-            <a:ext cx="438840" cy="438840"/>
+            <a:ext cx="437400" cy="437400"/>
           </a:xfrm>
           <a:prstGeom prst="rect">
             <a:avLst/>
@@ -22100,7 +22100,7 @@
         <p:spPr>
           <a:xfrm>
             <a:off x="6162120" y="3484800"/>
-            <a:ext cx="441720" cy="441720"/>
+            <a:ext cx="440280" cy="440280"/>
           </a:xfrm>
           <a:prstGeom prst="rect">
             <a:avLst/>
@@ -22123,7 +22123,7 @@
         <p:spPr>
           <a:xfrm>
             <a:off x="5077080" y="2776320"/>
-            <a:ext cx="441720" cy="441720"/>
+            <a:ext cx="440280" cy="440280"/>
           </a:xfrm>
           <a:prstGeom prst="rect">
             <a:avLst/>
@@ -22146,7 +22146,7 @@
         <p:spPr>
           <a:xfrm>
             <a:off x="5077080" y="3485160"/>
-            <a:ext cx="441720" cy="441720"/>
+            <a:ext cx="440280" cy="440280"/>
           </a:xfrm>
           <a:prstGeom prst="rect">
             <a:avLst/>
@@ -22169,7 +22169,7 @@
         <p:spPr>
           <a:xfrm>
             <a:off x="5609520" y="2135880"/>
-            <a:ext cx="438840" cy="438840"/>
+            <a:ext cx="437400" cy="437400"/>
           </a:xfrm>
           <a:prstGeom prst="rect">
             <a:avLst/>
@@ -22192,7 +22192,7 @@
         <p:spPr>
           <a:xfrm>
             <a:off x="5609520" y="1597320"/>
-            <a:ext cx="438840" cy="438840"/>
+            <a:ext cx="437400" cy="437400"/>
           </a:xfrm>
           <a:prstGeom prst="rect">
             <a:avLst/>
@@ -22215,7 +22215,7 @@
         <p:spPr>
           <a:xfrm>
             <a:off x="5616720" y="2776320"/>
-            <a:ext cx="441720" cy="441720"/>
+            <a:ext cx="440280" cy="440280"/>
           </a:xfrm>
           <a:prstGeom prst="rect">
             <a:avLst/>
@@ -22238,7 +22238,7 @@
         <p:spPr>
           <a:xfrm>
             <a:off x="5616720" y="3485160"/>
-            <a:ext cx="441720" cy="441720"/>
+            <a:ext cx="440280" cy="440280"/>
           </a:xfrm>
           <a:prstGeom prst="rect">
             <a:avLst/>
@@ -22261,7 +22261,7 @@
         <p:spPr>
           <a:xfrm>
             <a:off x="4523400" y="1597320"/>
-            <a:ext cx="438840" cy="438840"/>
+            <a:ext cx="437400" cy="437400"/>
           </a:xfrm>
           <a:prstGeom prst="rect">
             <a:avLst/>
@@ -22284,7 +22284,7 @@
         <p:spPr>
           <a:xfrm>
             <a:off x="6163560" y="1596960"/>
-            <a:ext cx="438840" cy="438840"/>
+            <a:ext cx="437400" cy="437400"/>
           </a:xfrm>
           <a:prstGeom prst="rect">
             <a:avLst/>
@@ -22307,7 +22307,7 @@
         <p:spPr>
           <a:xfrm>
             <a:off x="6162120" y="2775960"/>
-            <a:ext cx="441720" cy="441720"/>
+            <a:ext cx="440280" cy="440280"/>
           </a:xfrm>
           <a:prstGeom prst="rect">
             <a:avLst/>
@@ -22330,7 +22330,7 @@
         <p:spPr>
           <a:xfrm>
             <a:off x="5616720" y="4088520"/>
-            <a:ext cx="441720" cy="441720"/>
+            <a:ext cx="440280" cy="440280"/>
           </a:xfrm>
           <a:prstGeom prst="rect">
             <a:avLst/>
@@ -22353,7 +22353,7 @@
         <p:spPr>
           <a:xfrm>
             <a:off x="5060160" y="1597320"/>
-            <a:ext cx="438840" cy="438840"/>
+            <a:ext cx="437400" cy="437400"/>
           </a:xfrm>
           <a:prstGeom prst="rect">
             <a:avLst/>
@@ -22376,7 +22376,7 @@
         <p:spPr>
           <a:xfrm>
             <a:off x="6163560" y="2135520"/>
-            <a:ext cx="438840" cy="438840"/>
+            <a:ext cx="437400" cy="437400"/>
           </a:xfrm>
           <a:prstGeom prst="rect">
             <a:avLst/>
@@ -22399,7 +22399,7 @@
         <p:spPr>
           <a:xfrm>
             <a:off x="4604760" y="4088520"/>
-            <a:ext cx="441720" cy="441720"/>
+            <a:ext cx="440280" cy="440280"/>
           </a:xfrm>
           <a:prstGeom prst="rect">
             <a:avLst/>
@@ -22422,7 +22422,7 @@
         <p:spPr>
           <a:xfrm>
             <a:off x="5077080" y="4088520"/>
-            <a:ext cx="441720" cy="441720"/>
+            <a:ext cx="440280" cy="440280"/>
           </a:xfrm>
           <a:prstGeom prst="rect">
             <a:avLst/>
@@ -22476,7 +22476,7 @@
         <p:spPr>
           <a:xfrm>
             <a:off x="0" y="0"/>
-            <a:ext cx="9142560" cy="5142240"/>
+            <a:ext cx="9141120" cy="5140800"/>
           </a:xfrm>
           <a:prstGeom prst="rect">
             <a:avLst/>
@@ -22495,7 +22495,7 @@
         <p:spPr>
           <a:xfrm>
             <a:off x="360000" y="3625560"/>
-            <a:ext cx="3003480" cy="846360"/>
+            <a:ext cx="3002040" cy="844920"/>
           </a:xfrm>
           <a:prstGeom prst="wedgeRectCallout">
             <a:avLst>
@@ -22620,7 +22620,7 @@
         <p:spPr>
           <a:xfrm>
             <a:off x="766800" y="1805040"/>
-            <a:ext cx="7934040" cy="1294200"/>
+            <a:ext cx="7932600" cy="1292760"/>
           </a:xfrm>
           <a:prstGeom prst="rect">
             <a:avLst/>
@@ -22703,7 +22703,7 @@
         <p:spPr>
           <a:xfrm>
             <a:off x="857160" y="3516120"/>
-            <a:ext cx="525240" cy="525240"/>
+            <a:ext cx="523800" cy="523800"/>
           </a:xfrm>
           <a:prstGeom prst="rect">
             <a:avLst/>
@@ -22726,7 +22726,7 @@
         <p:spPr>
           <a:xfrm>
             <a:off x="1584720" y="3516120"/>
-            <a:ext cx="525240" cy="525240"/>
+            <a:ext cx="523800" cy="523800"/>
           </a:xfrm>
           <a:prstGeom prst="rect">
             <a:avLst/>
@@ -22779,7 +22779,7 @@
         <p:spPr>
           <a:xfrm>
             <a:off x="500400" y="330840"/>
-            <a:ext cx="8519040" cy="1094400"/>
+            <a:ext cx="8517600" cy="1092960"/>
           </a:xfrm>
           <a:prstGeom prst="rect">
             <a:avLst/>
@@ -22835,7 +22835,7 @@
         <p:spPr>
           <a:xfrm>
             <a:off x="5509080" y="1187640"/>
-            <a:ext cx="3340440" cy="1800720"/>
+            <a:ext cx="3339000" cy="1799280"/>
           </a:xfrm>
           <a:prstGeom prst="rect">
             <a:avLst/>
@@ -23036,7 +23036,7 @@
         <p:spPr>
           <a:xfrm>
             <a:off x="619560" y="1290600"/>
-            <a:ext cx="4712760" cy="3430800"/>
+            <a:ext cx="4711320" cy="3429360"/>
           </a:xfrm>
           <a:prstGeom prst="rect">
             <a:avLst/>
@@ -23063,7 +23063,7 @@
         <p:spPr>
           <a:xfrm>
             <a:off x="5765760" y="3258720"/>
-            <a:ext cx="2141640" cy="1462680"/>
+            <a:ext cx="2140200" cy="1461240"/>
           </a:xfrm>
           <a:prstGeom prst="rect">
             <a:avLst/>
@@ -23119,7 +23119,7 @@
         <p:spPr>
           <a:xfrm>
             <a:off x="500400" y="330840"/>
-            <a:ext cx="8519040" cy="1094400"/>
+            <a:ext cx="8517600" cy="1092960"/>
           </a:xfrm>
           <a:prstGeom prst="rect">
             <a:avLst/>
@@ -23175,7 +23175,7 @@
         <p:spPr>
           <a:xfrm>
             <a:off x="6408360" y="1316160"/>
-            <a:ext cx="2414520" cy="1412640"/>
+            <a:ext cx="2413080" cy="1411200"/>
           </a:xfrm>
           <a:prstGeom prst="rect">
             <a:avLst/>
@@ -23285,7 +23285,7 @@
         <p:spPr>
           <a:xfrm>
             <a:off x="636120" y="1316160"/>
-            <a:ext cx="5581080" cy="3237480"/>
+            <a:ext cx="5579640" cy="3236040"/>
           </a:xfrm>
           <a:prstGeom prst="rect">
             <a:avLst/>
@@ -23337,7 +23337,7 @@
         <p:spPr>
           <a:xfrm>
             <a:off x="630000" y="2716200"/>
-            <a:ext cx="1032480" cy="1982160"/>
+            <a:ext cx="1031040" cy="1980720"/>
           </a:xfrm>
           <a:prstGeom prst="rect">
             <a:avLst/>
@@ -23391,7 +23391,7 @@
         <p:spPr>
           <a:xfrm>
             <a:off x="500400" y="821160"/>
-            <a:ext cx="8519040" cy="1840320"/>
+            <a:ext cx="8517600" cy="1838880"/>
           </a:xfrm>
           <a:prstGeom prst="rect">
             <a:avLst/>
@@ -23479,7 +23479,7 @@
         <p:spPr>
           <a:xfrm>
             <a:off x="3135600" y="2979000"/>
-            <a:ext cx="5855040" cy="586080"/>
+            <a:ext cx="5853600" cy="584640"/>
           </a:xfrm>
           <a:prstGeom prst="rect">
             <a:avLst/>
@@ -23535,7 +23535,7 @@
         <p:spPr>
           <a:xfrm>
             <a:off x="3135600" y="3662640"/>
-            <a:ext cx="5855040" cy="1031400"/>
+            <a:ext cx="5853600" cy="1029960"/>
           </a:xfrm>
           <a:prstGeom prst="rect">
             <a:avLst/>
@@ -23644,7 +23644,7 @@
         <p:spPr>
           <a:xfrm>
             <a:off x="559080" y="342360"/>
-            <a:ext cx="6516720" cy="572760"/>
+            <a:ext cx="6515280" cy="571320"/>
           </a:xfrm>
           <a:prstGeom prst="rect">
             <a:avLst/>
@@ -23701,7 +23701,7 @@
         <p:spPr>
           <a:xfrm>
             <a:off x="696960" y="1099800"/>
-            <a:ext cx="2588040" cy="382320"/>
+            <a:ext cx="2586600" cy="380880"/>
           </a:xfrm>
           <a:prstGeom prst="roundRect">
             <a:avLst>
@@ -23762,7 +23762,7 @@
         <p:spPr>
           <a:xfrm>
             <a:off x="696960" y="1729440"/>
-            <a:ext cx="2588040" cy="382320"/>
+            <a:ext cx="2586600" cy="380880"/>
           </a:xfrm>
           <a:prstGeom prst="roundRect">
             <a:avLst>
@@ -23823,7 +23823,7 @@
         <p:spPr>
           <a:xfrm>
             <a:off x="696960" y="2369880"/>
-            <a:ext cx="2588040" cy="382320"/>
+            <a:ext cx="2586600" cy="380880"/>
           </a:xfrm>
           <a:prstGeom prst="roundRect">
             <a:avLst>
@@ -23884,7 +23884,7 @@
         <p:spPr>
           <a:xfrm>
             <a:off x="696960" y="3009960"/>
-            <a:ext cx="2588040" cy="382320"/>
+            <a:ext cx="2586600" cy="380880"/>
           </a:xfrm>
           <a:prstGeom prst="roundRect">
             <a:avLst>
@@ -23944,8 +23944,8 @@
         </p:nvSpPr>
         <p:spPr>
           <a:xfrm>
-            <a:off x="696960" y="3608280"/>
-            <a:ext cx="2588040" cy="382320"/>
+            <a:off x="696960" y="3680280"/>
+            <a:ext cx="2586600" cy="380880"/>
           </a:xfrm>
           <a:prstGeom prst="roundRect">
             <a:avLst>
@@ -24005,8 +24005,8 @@
         </p:nvSpPr>
         <p:spPr>
           <a:xfrm>
-            <a:off x="696960" y="4206600"/>
-            <a:ext cx="2588040" cy="382320"/>
+            <a:off x="696960" y="4350600"/>
+            <a:ext cx="2586600" cy="380880"/>
           </a:xfrm>
           <a:prstGeom prst="roundRect">
             <a:avLst>
@@ -24069,7 +24069,7 @@
         </p:nvCxnSpPr>
         <p:spPr>
           <a:xfrm rot="10800000">
-            <a:off x="696960" y="1290600"/>
+            <a:off x="696960" y="1289880"/>
             <a:ext cx="360" cy="630000"/>
           </a:xfrm>
           <a:prstGeom prst="curvedConnector3">
@@ -24097,7 +24097,7 @@
         </p:nvCxnSpPr>
         <p:spPr>
           <a:xfrm rot="10800000">
-            <a:off x="696960" y="1920240"/>
+            <a:off x="696960" y="1919520"/>
             <a:ext cx="360" cy="640800"/>
           </a:xfrm>
           <a:prstGeom prst="curvedConnector3">
@@ -24125,7 +24125,7 @@
         </p:nvCxnSpPr>
         <p:spPr>
           <a:xfrm rot="10800000">
-            <a:off x="696960" y="2561040"/>
+            <a:off x="696960" y="2560320"/>
             <a:ext cx="360" cy="640440"/>
           </a:xfrm>
           <a:prstGeom prst="curvedConnector3">
@@ -24142,56 +24142,142 @@
           </a:ln>
         </p:spPr>
       </p:cxnSp>
-      <p:cxnSp>
-        <p:nvCxnSpPr>
-          <p:cNvPr id="293" name="Google Shape;100;p 1"/>
-          <p:cNvCxnSpPr/>
+      <p:sp>
+        <p:nvSpPr>
+          <p:cNvPr id="293" name=""/>
+          <p:cNvSpPr/>
           <p:nvPr/>
-        </p:nvCxnSpPr>
-        <p:spPr>
-          <a:xfrm flipV="1" rot="16200000">
-            <a:off x="376920" y="3520800"/>
-            <a:ext cx="640800" cy="720"/>
-          </a:xfrm>
-          <a:prstGeom prst="curvedConnector3">
-            <a:avLst>
-              <a:gd name="adj1" fmla="val 24957"/>
-            </a:avLst>
-          </a:prstGeom>
-          <a:ln w="19050">
+        </p:nvSpPr>
+        <p:spPr>
+          <a:xfrm>
+            <a:off x="513360" y="3904560"/>
+            <a:ext cx="183240" cy="627840"/>
+          </a:xfrm>
+          <a:custGeom>
+            <a:avLst/>
+            <a:gdLst>
+              <a:gd name="textAreaLeft" fmla="*/ 0 w 183240"/>
+              <a:gd name="textAreaRight" fmla="*/ 183600 w 183240"/>
+              <a:gd name="textAreaTop" fmla="*/ 0 h 627840"/>
+              <a:gd name="textAreaBottom" fmla="*/ 628200 h 627840"/>
+            </a:gdLst>
+            <a:ahLst/>
+            <a:rect l="textAreaLeft" t="textAreaTop" r="textAreaRight" b="textAreaBottom"/>
+            <a:pathLst>
+              <a:path fill="none" w="510" h="1591">
+                <a:moveTo>
+                  <a:pt x="510" y="1591"/>
+                </a:moveTo>
+                <a:cubicBezTo>
+                  <a:pt x="-637" y="530"/>
+                  <a:pt x="510" y="0"/>
+                  <a:pt x="510" y="0"/>
+                </a:cubicBezTo>
+              </a:path>
+            </a:pathLst>
+          </a:custGeom>
+          <a:noFill/>
+          <a:ln w="19080">
             <a:solidFill>
-              <a:srgbClr val="013d85"/>
+              <a:srgbClr val="3465a4"/>
             </a:solidFill>
             <a:prstDash val="dash"/>
             <a:round/>
           </a:ln>
         </p:spPr>
-      </p:cxnSp>
-      <p:cxnSp>
-        <p:nvCxnSpPr>
-          <p:cNvPr id="294" name="Google Shape;100;p 2"/>
-          <p:cNvCxnSpPr/>
+        <p:style>
+          <a:lnRef idx="0"/>
+          <a:fillRef idx="0"/>
+          <a:effectRef idx="0"/>
+          <a:fontRef idx="minor"/>
+        </p:style>
+        <p:txBody>
+          <a:bodyPr lIns="99360" rIns="99360" tIns="54360" bIns="54360" anchor="ctr">
+            <a:noAutofit/>
+          </a:bodyPr>
+          <a:p>
+            <a:pPr>
+              <a:lnSpc>
+                <a:spcPct val="100000"/>
+              </a:lnSpc>
+            </a:pPr>
+            <a:endParaRPr b="0" lang="ru-RU" sz="1800" spc="-1" strike="noStrike">
+              <a:solidFill>
+                <a:srgbClr val="000000"/>
+              </a:solidFill>
+              <a:latin typeface="Arial"/>
+            </a:endParaRPr>
+          </a:p>
+        </p:txBody>
+      </p:sp>
+      <p:sp>
+        <p:nvSpPr>
+          <p:cNvPr id="294" name=""/>
+          <p:cNvSpPr/>
           <p:nvPr/>
-        </p:nvCxnSpPr>
-        <p:spPr>
-          <a:xfrm flipV="1" rot="16200000">
-            <a:off x="422280" y="4160880"/>
-            <a:ext cx="640800" cy="720"/>
-          </a:xfrm>
-          <a:prstGeom prst="curvedConnector3">
-            <a:avLst>
-              <a:gd name="adj1" fmla="val 24957"/>
-            </a:avLst>
-          </a:prstGeom>
-          <a:ln w="19050">
+        </p:nvSpPr>
+        <p:spPr>
+          <a:xfrm>
+            <a:off x="513360" y="3240000"/>
+            <a:ext cx="183240" cy="644400"/>
+          </a:xfrm>
+          <a:custGeom>
+            <a:avLst/>
+            <a:gdLst>
+              <a:gd name="textAreaLeft" fmla="*/ 0 w 183240"/>
+              <a:gd name="textAreaRight" fmla="*/ 183600 w 183240"/>
+              <a:gd name="textAreaTop" fmla="*/ 0 h 644400"/>
+              <a:gd name="textAreaBottom" fmla="*/ 644760 h 644400"/>
+            </a:gdLst>
+            <a:ahLst/>
+            <a:rect l="textAreaLeft" t="textAreaTop" r="textAreaRight" b="textAreaBottom"/>
+            <a:pathLst>
+              <a:path fill="none" w="510" h="1591">
+                <a:moveTo>
+                  <a:pt x="510" y="1591"/>
+                </a:moveTo>
+                <a:cubicBezTo>
+                  <a:pt x="-637" y="530"/>
+                  <a:pt x="510" y="0"/>
+                  <a:pt x="510" y="0"/>
+                </a:cubicBezTo>
+              </a:path>
+            </a:pathLst>
+          </a:custGeom>
+          <a:noFill/>
+          <a:ln w="19080">
             <a:solidFill>
-              <a:srgbClr val="013d85"/>
+              <a:srgbClr val="3465a4"/>
             </a:solidFill>
             <a:prstDash val="dash"/>
             <a:round/>
           </a:ln>
         </p:spPr>
-      </p:cxnSp>
+        <p:style>
+          <a:lnRef idx="0"/>
+          <a:fillRef idx="0"/>
+          <a:effectRef idx="0"/>
+          <a:fontRef idx="minor"/>
+        </p:style>
+        <p:txBody>
+          <a:bodyPr lIns="99360" rIns="99360" tIns="54360" bIns="54360" anchor="ctr">
+            <a:noAutofit/>
+          </a:bodyPr>
+          <a:p>
+            <a:pPr>
+              <a:lnSpc>
+                <a:spcPct val="100000"/>
+              </a:lnSpc>
+            </a:pPr>
+            <a:endParaRPr b="0" lang="ru-RU" sz="1800" spc="-1" strike="noStrike">
+              <a:solidFill>
+                <a:srgbClr val="000000"/>
+              </a:solidFill>
+              <a:latin typeface="Arial"/>
+            </a:endParaRPr>
+          </a:p>
+        </p:txBody>
+      </p:sp>
     </p:spTree>
   </p:cSld>
   <mc:AlternateContent>
@@ -24231,7 +24317,7 @@
         <p:spPr>
           <a:xfrm>
             <a:off x="494640" y="455760"/>
-            <a:ext cx="8519040" cy="1304640"/>
+            <a:ext cx="8517600" cy="1303200"/>
           </a:xfrm>
           <a:prstGeom prst="rect">
             <a:avLst/>
@@ -24288,7 +24374,7 @@
         <p:spPr>
           <a:xfrm>
             <a:off x="900000" y="2129760"/>
-            <a:ext cx="7558920" cy="857160"/>
+            <a:ext cx="7557480" cy="855720"/>
           </a:xfrm>
           <a:prstGeom prst="rect">
             <a:avLst/>
@@ -24383,7 +24469,7 @@
         <p:spPr>
           <a:xfrm>
             <a:off x="900000" y="3285720"/>
-            <a:ext cx="7018920" cy="601200"/>
+            <a:ext cx="7017480" cy="599760"/>
           </a:xfrm>
           <a:prstGeom prst="rect">
             <a:avLst/>
@@ -24471,7 +24557,7 @@
         <p:spPr>
           <a:xfrm>
             <a:off x="500400" y="330840"/>
-            <a:ext cx="8519040" cy="1094400"/>
+            <a:ext cx="8517600" cy="1092960"/>
           </a:xfrm>
           <a:prstGeom prst="rect">
             <a:avLst/>
@@ -24523,7 +24609,7 @@
         <p:spPr>
           <a:xfrm>
             <a:off x="720000" y="1728000"/>
-            <a:ext cx="6838920" cy="345240"/>
+            <a:ext cx="6837480" cy="343800"/>
           </a:xfrm>
           <a:prstGeom prst="rect">
             <a:avLst/>
@@ -24618,7 +24704,7 @@
         <p:spPr>
           <a:xfrm>
             <a:off x="720000" y="2247120"/>
-            <a:ext cx="4105440" cy="345240"/>
+            <a:ext cx="4104000" cy="343800"/>
           </a:xfrm>
           <a:prstGeom prst="rect">
             <a:avLst/>
@@ -24713,7 +24799,7 @@
         <p:spPr>
           <a:xfrm>
             <a:off x="720360" y="2787120"/>
-            <a:ext cx="6982920" cy="601200"/>
+            <a:ext cx="6981480" cy="599760"/>
           </a:xfrm>
           <a:prstGeom prst="rect">
             <a:avLst/>
@@ -24824,7 +24910,7 @@
         <p:spPr>
           <a:xfrm>
             <a:off x="500400" y="330840"/>
-            <a:ext cx="8519040" cy="1094400"/>
+            <a:ext cx="8517600" cy="1092960"/>
           </a:xfrm>
           <a:prstGeom prst="rect">
             <a:avLst/>
@@ -24893,7 +24979,7 @@
         <p:spPr>
           <a:xfrm>
             <a:off x="720000" y="2031120"/>
-            <a:ext cx="2585880" cy="345240"/>
+            <a:ext cx="2584440" cy="343800"/>
           </a:xfrm>
           <a:prstGeom prst="rect">
             <a:avLst/>
@@ -24947,7 +25033,7 @@
         <p:spPr>
           <a:xfrm>
             <a:off x="720360" y="2391120"/>
-            <a:ext cx="5694840" cy="345240"/>
+            <a:ext cx="5693400" cy="343800"/>
           </a:xfrm>
           <a:prstGeom prst="rect">
             <a:avLst/>
@@ -25001,7 +25087,7 @@
         <p:spPr>
           <a:xfrm>
             <a:off x="720360" y="2751120"/>
-            <a:ext cx="4834080" cy="345240"/>
+            <a:ext cx="4832640" cy="343800"/>
           </a:xfrm>
           <a:prstGeom prst="rect">
             <a:avLst/>
@@ -25055,7 +25141,7 @@
         <p:spPr>
           <a:xfrm>
             <a:off x="720360" y="3075120"/>
-            <a:ext cx="7918560" cy="345240"/>
+            <a:ext cx="7917120" cy="343800"/>
           </a:xfrm>
           <a:prstGeom prst="rect">
             <a:avLst/>
@@ -25307,7 +25393,7 @@
         <p:spPr>
           <a:xfrm>
             <a:off x="500400" y="330840"/>
-            <a:ext cx="8519040" cy="568080"/>
+            <a:ext cx="8517600" cy="566640"/>
           </a:xfrm>
           <a:prstGeom prst="rect">
             <a:avLst/>
@@ -25358,7 +25444,7 @@
         <p:spPr>
           <a:xfrm>
             <a:off x="180000" y="842760"/>
-            <a:ext cx="8638920" cy="2396160"/>
+            <a:ext cx="8637480" cy="2394720"/>
           </a:xfrm>
           <a:prstGeom prst="rect">
             <a:avLst/>
@@ -25691,7 +25777,7 @@
         <p:spPr>
           <a:xfrm>
             <a:off x="360000" y="3888000"/>
-            <a:ext cx="358920" cy="358920"/>
+            <a:ext cx="357480" cy="357480"/>
           </a:xfrm>
           <a:prstGeom prst="ellipse">
             <a:avLst/>
@@ -25740,7 +25826,7 @@
         <p:spPr>
           <a:xfrm>
             <a:off x="7020000" y="4068000"/>
-            <a:ext cx="358920" cy="358920"/>
+            <a:ext cx="357480" cy="357480"/>
           </a:xfrm>
           <a:prstGeom prst="ellipse">
             <a:avLst/>
@@ -25789,7 +25875,7 @@
         <p:spPr>
           <a:xfrm>
             <a:off x="1080000" y="3708000"/>
-            <a:ext cx="358920" cy="358920"/>
+            <a:ext cx="357480" cy="357480"/>
           </a:xfrm>
           <a:prstGeom prst="ellipse">
             <a:avLst/>
@@ -25838,7 +25924,7 @@
         <p:spPr>
           <a:xfrm>
             <a:off x="1980000" y="3888000"/>
-            <a:ext cx="358920" cy="358920"/>
+            <a:ext cx="357480" cy="357480"/>
           </a:xfrm>
           <a:prstGeom prst="ellipse">
             <a:avLst/>
@@ -25887,7 +25973,7 @@
         <p:spPr>
           <a:xfrm>
             <a:off x="2880000" y="3528000"/>
-            <a:ext cx="358920" cy="358920"/>
+            <a:ext cx="357480" cy="357480"/>
           </a:xfrm>
           <a:prstGeom prst="ellipse">
             <a:avLst/>
@@ -25936,7 +26022,7 @@
         <p:spPr>
           <a:xfrm>
             <a:off x="3780000" y="3888000"/>
-            <a:ext cx="358920" cy="358920"/>
+            <a:ext cx="357480" cy="357480"/>
           </a:xfrm>
           <a:prstGeom prst="ellipse">
             <a:avLst/>
@@ -25985,7 +26071,7 @@
         <p:spPr>
           <a:xfrm>
             <a:off x="4680000" y="3528000"/>
-            <a:ext cx="358920" cy="358920"/>
+            <a:ext cx="357480" cy="357480"/>
           </a:xfrm>
           <a:prstGeom prst="ellipse">
             <a:avLst/>
@@ -26034,7 +26120,7 @@
         <p:spPr>
           <a:xfrm>
             <a:off x="169200" y="4248000"/>
-            <a:ext cx="729720" cy="217800"/>
+            <a:ext cx="728280" cy="216360"/>
           </a:xfrm>
           <a:prstGeom prst="rect">
             <a:avLst/>
@@ -26129,8 +26215,8 @@
         </p:nvSpPr>
         <p:spPr>
           <a:xfrm>
-            <a:off x="720000" y="3489120"/>
-            <a:ext cx="1412640" cy="217800"/>
+            <a:off x="567720" y="3489120"/>
+            <a:ext cx="1771200" cy="216360"/>
           </a:xfrm>
           <a:prstGeom prst="rect">
             <a:avLst/>
@@ -26226,7 +26312,7 @@
         <p:spPr>
           <a:xfrm>
             <a:off x="1620000" y="4248000"/>
-            <a:ext cx="1171800" cy="217800"/>
+            <a:ext cx="1438920" cy="216360"/>
           </a:xfrm>
           <a:prstGeom prst="rect">
             <a:avLst/>
@@ -26322,7 +26408,7 @@
         <p:spPr>
           <a:xfrm>
             <a:off x="2671200" y="3309120"/>
-            <a:ext cx="1107720" cy="217800"/>
+            <a:ext cx="1467720" cy="216360"/>
           </a:xfrm>
           <a:prstGeom prst="rect">
             <a:avLst/>
@@ -26417,8 +26503,8 @@
         </p:nvSpPr>
         <p:spPr>
           <a:xfrm>
-            <a:off x="3420000" y="4248000"/>
-            <a:ext cx="1330200" cy="217800"/>
+            <a:off x="3240000" y="4248000"/>
+            <a:ext cx="1688760" cy="216360"/>
           </a:xfrm>
           <a:prstGeom prst="rect">
             <a:avLst/>
@@ -26471,8 +26557,8 @@
         </p:nvSpPr>
         <p:spPr>
           <a:xfrm>
-            <a:off x="4680000" y="3348000"/>
-            <a:ext cx="518040" cy="217800"/>
+            <a:off x="4500000" y="3348000"/>
+            <a:ext cx="696600" cy="216360"/>
           </a:xfrm>
           <a:prstGeom prst="rect">
             <a:avLst/>
@@ -26526,7 +26612,7 @@
         <p:spPr>
           <a:xfrm>
             <a:off x="5760000" y="3888000"/>
-            <a:ext cx="358920" cy="358920"/>
+            <a:ext cx="357480" cy="357480"/>
           </a:xfrm>
           <a:prstGeom prst="ellipse">
             <a:avLst/>
@@ -26659,7 +26745,7 @@
         <p:spPr>
           <a:xfrm>
             <a:off x="5453280" y="4248000"/>
-            <a:ext cx="845640" cy="217800"/>
+            <a:ext cx="1025640" cy="216360"/>
           </a:xfrm>
           <a:prstGeom prst="rect">
             <a:avLst/>
@@ -26755,7 +26841,7 @@
         <p:spPr>
           <a:xfrm>
             <a:off x="6840000" y="3888000"/>
-            <a:ext cx="845640" cy="217800"/>
+            <a:ext cx="844200" cy="216360"/>
           </a:xfrm>
           <a:prstGeom prst="rect">
             <a:avLst/>
@@ -26809,7 +26895,7 @@
         <p:spPr>
           <a:xfrm>
             <a:off x="5760000" y="3168000"/>
-            <a:ext cx="358920" cy="358920"/>
+            <a:ext cx="357480" cy="357480"/>
           </a:xfrm>
           <a:prstGeom prst="ellipse">
             <a:avLst/>
@@ -26900,7 +26986,7 @@
         <p:spPr>
           <a:xfrm>
             <a:off x="5633280" y="2949120"/>
-            <a:ext cx="845640" cy="217800"/>
+            <a:ext cx="844200" cy="216360"/>
           </a:xfrm>
           <a:prstGeom prst="rect">
             <a:avLst/>
@@ -26996,7 +27082,7 @@
         <p:spPr>
           <a:xfrm>
             <a:off x="6840000" y="2988000"/>
-            <a:ext cx="358920" cy="358920"/>
+            <a:ext cx="357480" cy="357480"/>
           </a:xfrm>
           <a:prstGeom prst="ellipse">
             <a:avLst/>
@@ -27045,7 +27131,7 @@
         <p:spPr>
           <a:xfrm>
             <a:off x="6713280" y="2808000"/>
-            <a:ext cx="845640" cy="217800"/>
+            <a:ext cx="844200" cy="216360"/>
           </a:xfrm>
           <a:prstGeom prst="rect">
             <a:avLst/>
@@ -27133,7 +27219,7 @@
         <p:spPr>
           <a:xfrm>
             <a:off x="500400" y="330840"/>
-            <a:ext cx="8519040" cy="1094400"/>
+            <a:ext cx="8517600" cy="1092960"/>
           </a:xfrm>
           <a:prstGeom prst="rect">
             <a:avLst/>
@@ -27223,7 +27309,7 @@
         <p:spPr>
           <a:xfrm>
             <a:off x="180000" y="1260000"/>
-            <a:ext cx="8820000" cy="3240000"/>
+            <a:ext cx="8818560" cy="3058920"/>
           </a:xfrm>
           <a:prstGeom prst="rect">
             <a:avLst/>
